--- a/Figures/Final/Figure Edits.pptx
+++ b/Figures/Final/Figure Edits.pptx
@@ -6,6 +6,18 @@
   </p:sldMasterIdLst>
   <p:sldIdLst>
     <p:sldId id="256" r:id="rId2"/>
+    <p:sldId id="257" r:id="rId3"/>
+    <p:sldId id="258" r:id="rId4"/>
+    <p:sldId id="259" r:id="rId5"/>
+    <p:sldId id="260" r:id="rId6"/>
+    <p:sldId id="261" r:id="rId7"/>
+    <p:sldId id="262" r:id="rId8"/>
+    <p:sldId id="263" r:id="rId9"/>
+    <p:sldId id="264" r:id="rId10"/>
+    <p:sldId id="265" r:id="rId11"/>
+    <p:sldId id="266" r:id="rId12"/>
+    <p:sldId id="267" r:id="rId13"/>
+    <p:sldId id="268" r:id="rId14"/>
   </p:sldIdLst>
   <p:sldSz cx="12192000" cy="6858000"/>
   <p:notesSz cx="6858000" cy="9144000"/>
@@ -104,6 +116,11 @@
       </a:defRPr>
     </a:lvl9pPr>
   </p:defaultTextStyle>
+  <p:extLst>
+    <p:ext uri="{EFAFB233-063F-42B5-8137-9DF3F51BA10A}">
+      <p15:sldGuideLst xmlns:p15="http://schemas.microsoft.com/office/powerpoint/2012/main"/>
+    </p:ext>
+  </p:extLst>
 </p:presentation>
 </file>
 
@@ -254,7 +271,7 @@
           <a:p>
             <a:fld id="{89ACA6FD-605E-624E-819A-5AEF303D7F38}" type="datetimeFigureOut">
               <a:rPr lang="en-US" smtClean="0"/>
-              <a:t>4/24/25</a:t>
+              <a:t>4/25/25</a:t>
             </a:fld>
             <a:endParaRPr lang="en-US"/>
           </a:p>
@@ -452,7 +469,7 @@
           <a:p>
             <a:fld id="{89ACA6FD-605E-624E-819A-5AEF303D7F38}" type="datetimeFigureOut">
               <a:rPr lang="en-US" smtClean="0"/>
-              <a:t>4/24/25</a:t>
+              <a:t>4/25/25</a:t>
             </a:fld>
             <a:endParaRPr lang="en-US"/>
           </a:p>
@@ -660,7 +677,7 @@
           <a:p>
             <a:fld id="{89ACA6FD-605E-624E-819A-5AEF303D7F38}" type="datetimeFigureOut">
               <a:rPr lang="en-US" smtClean="0"/>
-              <a:t>4/24/25</a:t>
+              <a:t>4/25/25</a:t>
             </a:fld>
             <a:endParaRPr lang="en-US"/>
           </a:p>
@@ -858,7 +875,7 @@
           <a:p>
             <a:fld id="{89ACA6FD-605E-624E-819A-5AEF303D7F38}" type="datetimeFigureOut">
               <a:rPr lang="en-US" smtClean="0"/>
-              <a:t>4/24/25</a:t>
+              <a:t>4/25/25</a:t>
             </a:fld>
             <a:endParaRPr lang="en-US"/>
           </a:p>
@@ -1133,7 +1150,7 @@
           <a:p>
             <a:fld id="{89ACA6FD-605E-624E-819A-5AEF303D7F38}" type="datetimeFigureOut">
               <a:rPr lang="en-US" smtClean="0"/>
-              <a:t>4/24/25</a:t>
+              <a:t>4/25/25</a:t>
             </a:fld>
             <a:endParaRPr lang="en-US"/>
           </a:p>
@@ -1398,7 +1415,7 @@
           <a:p>
             <a:fld id="{89ACA6FD-605E-624E-819A-5AEF303D7F38}" type="datetimeFigureOut">
               <a:rPr lang="en-US" smtClean="0"/>
-              <a:t>4/24/25</a:t>
+              <a:t>4/25/25</a:t>
             </a:fld>
             <a:endParaRPr lang="en-US"/>
           </a:p>
@@ -1810,7 +1827,7 @@
           <a:p>
             <a:fld id="{89ACA6FD-605E-624E-819A-5AEF303D7F38}" type="datetimeFigureOut">
               <a:rPr lang="en-US" smtClean="0"/>
-              <a:t>4/24/25</a:t>
+              <a:t>4/25/25</a:t>
             </a:fld>
             <a:endParaRPr lang="en-US"/>
           </a:p>
@@ -1951,7 +1968,7 @@
           <a:p>
             <a:fld id="{89ACA6FD-605E-624E-819A-5AEF303D7F38}" type="datetimeFigureOut">
               <a:rPr lang="en-US" smtClean="0"/>
-              <a:t>4/24/25</a:t>
+              <a:t>4/25/25</a:t>
             </a:fld>
             <a:endParaRPr lang="en-US"/>
           </a:p>
@@ -2064,7 +2081,7 @@
           <a:p>
             <a:fld id="{89ACA6FD-605E-624E-819A-5AEF303D7F38}" type="datetimeFigureOut">
               <a:rPr lang="en-US" smtClean="0"/>
-              <a:t>4/24/25</a:t>
+              <a:t>4/25/25</a:t>
             </a:fld>
             <a:endParaRPr lang="en-US"/>
           </a:p>
@@ -2375,7 +2392,7 @@
           <a:p>
             <a:fld id="{89ACA6FD-605E-624E-819A-5AEF303D7F38}" type="datetimeFigureOut">
               <a:rPr lang="en-US" smtClean="0"/>
-              <a:t>4/24/25</a:t>
+              <a:t>4/25/25</a:t>
             </a:fld>
             <a:endParaRPr lang="en-US"/>
           </a:p>
@@ -2663,7 +2680,7 @@
           <a:p>
             <a:fld id="{89ACA6FD-605E-624E-819A-5AEF303D7F38}" type="datetimeFigureOut">
               <a:rPr lang="en-US" smtClean="0"/>
-              <a:t>4/24/25</a:t>
+              <a:t>4/25/25</a:t>
             </a:fld>
             <a:endParaRPr lang="en-US"/>
           </a:p>
@@ -2904,7 +2921,7 @@
           <a:p>
             <a:fld id="{89ACA6FD-605E-624E-819A-5AEF303D7F38}" type="datetimeFigureOut">
               <a:rPr lang="en-US" smtClean="0"/>
-              <a:t>4/24/25</a:t>
+              <a:t>4/25/25</a:t>
             </a:fld>
             <a:endParaRPr lang="en-US"/>
           </a:p>
@@ -3323,10 +3340,10 @@
       </p:grpSpPr>
       <p:grpSp>
         <p:nvGrpSpPr>
-          <p:cNvPr id="22" name="Group 21">
-            <a:extLst>
-              <a:ext uri="{FF2B5EF4-FFF2-40B4-BE49-F238E27FC236}">
-                <a16:creationId xmlns:a16="http://schemas.microsoft.com/office/drawing/2014/main" id="{092AE98C-DCD4-695E-6EFE-FB432BD9EE54}"/>
+          <p:cNvPr id="29" name="Group 28">
+            <a:extLst>
+              <a:ext uri="{FF2B5EF4-FFF2-40B4-BE49-F238E27FC236}">
+                <a16:creationId xmlns:a16="http://schemas.microsoft.com/office/drawing/2014/main" id="{2643C9D4-EF9F-ED32-81B3-AF29F3272764}"/>
               </a:ext>
             </a:extLst>
           </p:cNvPr>
@@ -3337,271 +3354,288 @@
           <a:xfrm>
             <a:off x="3262447" y="1364448"/>
             <a:ext cx="6184900" cy="3390900"/>
-            <a:chOff x="3097497" y="1063234"/>
+            <a:chOff x="3262447" y="1364448"/>
             <a:chExt cx="6184900" cy="3390900"/>
           </a:xfrm>
         </p:grpSpPr>
-        <p:grpSp>
-          <p:nvGrpSpPr>
-            <p:cNvPr id="13" name="Group 12">
+        <p:pic>
+          <p:nvPicPr>
+            <p:cNvPr id="5" name="Picture 4">
               <a:extLst>
                 <a:ext uri="{FF2B5EF4-FFF2-40B4-BE49-F238E27FC236}">
-                  <a16:creationId xmlns:a16="http://schemas.microsoft.com/office/drawing/2014/main" id="{07D5EAB8-51ED-D463-52EA-0FE681A49802}"/>
+                  <a16:creationId xmlns:a16="http://schemas.microsoft.com/office/drawing/2014/main" id="{C8E39C0A-82AC-9539-C4B9-2F561646E16B}"/>
                 </a:ext>
               </a:extLst>
             </p:cNvPr>
-            <p:cNvGrpSpPr/>
+            <p:cNvPicPr>
+              <a:picLocks noChangeAspect="1"/>
+            </p:cNvPicPr>
             <p:nvPr/>
-          </p:nvGrpSpPr>
-          <p:grpSpPr>
+          </p:nvPicPr>
+          <p:blipFill>
+            <a:blip r:embed="rId2"/>
+            <a:stretch>
+              <a:fillRect/>
+            </a:stretch>
+          </p:blipFill>
+          <p:spPr>
             <a:xfrm>
-              <a:off x="3097497" y="1063234"/>
+              <a:off x="3262447" y="1364448"/>
               <a:ext cx="6184900" cy="3390900"/>
-              <a:chOff x="3003550" y="1464240"/>
-              <a:chExt cx="6184900" cy="3390900"/>
             </a:xfrm>
-          </p:grpSpPr>
-          <p:pic>
-            <p:nvPicPr>
-              <p:cNvPr id="5" name="Picture 4">
-                <a:extLst>
-                  <a:ext uri="{FF2B5EF4-FFF2-40B4-BE49-F238E27FC236}">
-                    <a16:creationId xmlns:a16="http://schemas.microsoft.com/office/drawing/2014/main" id="{C8E39C0A-82AC-9539-C4B9-2F561646E16B}"/>
-                  </a:ext>
-                </a:extLst>
-              </p:cNvPr>
-              <p:cNvPicPr>
-                <a:picLocks noChangeAspect="1"/>
-              </p:cNvPicPr>
-              <p:nvPr/>
-            </p:nvPicPr>
-            <p:blipFill>
-              <a:blip r:embed="rId2"/>
-              <a:stretch>
-                <a:fillRect/>
-              </a:stretch>
-            </p:blipFill>
-            <p:spPr>
-              <a:xfrm>
-                <a:off x="3003550" y="1464240"/>
-                <a:ext cx="6184900" cy="3390900"/>
-              </a:xfrm>
-              <a:prstGeom prst="rect">
-                <a:avLst/>
-              </a:prstGeom>
-            </p:spPr>
-          </p:pic>
-          <p:cxnSp>
-            <p:nvCxnSpPr>
-              <p:cNvPr id="7" name="Straight Connector 6">
-                <a:extLst>
-                  <a:ext uri="{FF2B5EF4-FFF2-40B4-BE49-F238E27FC236}">
-                    <a16:creationId xmlns:a16="http://schemas.microsoft.com/office/drawing/2014/main" id="{3BB8735E-A992-C04F-1904-D0168862685C}"/>
-                  </a:ext>
-                </a:extLst>
-              </p:cNvPr>
-              <p:cNvCxnSpPr>
-                <a:cxnSpLocks/>
-              </p:cNvCxnSpPr>
-              <p:nvPr/>
-            </p:nvCxnSpPr>
-            <p:spPr>
-              <a:xfrm>
-                <a:off x="5531568" y="1512870"/>
-                <a:ext cx="0" cy="3009026"/>
-              </a:xfrm>
-              <a:prstGeom prst="line">
-                <a:avLst/>
-              </a:prstGeom>
-              <a:ln w="19050" cap="flat" cmpd="sng" algn="ctr">
-                <a:solidFill>
-                  <a:schemeClr val="tx1"/>
-                </a:solidFill>
-                <a:prstDash val="dash"/>
-                <a:round/>
-                <a:headEnd type="none" w="med" len="med"/>
-                <a:tailEnd type="none" w="med" len="med"/>
-              </a:ln>
-            </p:spPr>
-            <p:style>
-              <a:lnRef idx="0">
-                <a:scrgbClr r="0" g="0" b="0"/>
-              </a:lnRef>
-              <a:fillRef idx="0">
-                <a:scrgbClr r="0" g="0" b="0"/>
-              </a:fillRef>
-              <a:effectRef idx="0">
-                <a:scrgbClr r="0" g="0" b="0"/>
-              </a:effectRef>
-              <a:fontRef idx="minor">
+            <a:prstGeom prst="rect">
+              <a:avLst/>
+            </a:prstGeom>
+          </p:spPr>
+        </p:pic>
+        <p:cxnSp>
+          <p:nvCxnSpPr>
+            <p:cNvPr id="7" name="Straight Connector 6">
+              <a:extLst>
+                <a:ext uri="{FF2B5EF4-FFF2-40B4-BE49-F238E27FC236}">
+                  <a16:creationId xmlns:a16="http://schemas.microsoft.com/office/drawing/2014/main" id="{3BB8735E-A992-C04F-1904-D0168862685C}"/>
+                </a:ext>
+              </a:extLst>
+            </p:cNvPr>
+            <p:cNvCxnSpPr>
+              <a:cxnSpLocks/>
+            </p:cNvCxnSpPr>
+            <p:nvPr/>
+          </p:nvCxnSpPr>
+          <p:spPr>
+            <a:xfrm>
+              <a:off x="5790465" y="1413078"/>
+              <a:ext cx="0" cy="3009026"/>
+            </a:xfrm>
+            <a:prstGeom prst="line">
+              <a:avLst/>
+            </a:prstGeom>
+            <a:ln w="19050" cap="flat" cmpd="sng" algn="ctr">
+              <a:solidFill>
                 <a:schemeClr val="tx1"/>
-              </a:fontRef>
-            </p:style>
-          </p:cxnSp>
-          <p:cxnSp>
-            <p:nvCxnSpPr>
-              <p:cNvPr id="9" name="Straight Connector 8">
-                <a:extLst>
-                  <a:ext uri="{FF2B5EF4-FFF2-40B4-BE49-F238E27FC236}">
-                    <a16:creationId xmlns:a16="http://schemas.microsoft.com/office/drawing/2014/main" id="{4BEABD70-E538-75F5-7366-1450355EE79C}"/>
-                  </a:ext>
-                </a:extLst>
-              </p:cNvPr>
-              <p:cNvCxnSpPr>
-                <a:cxnSpLocks/>
-              </p:cNvCxnSpPr>
-              <p:nvPr/>
-            </p:nvCxnSpPr>
-            <p:spPr>
-              <a:xfrm>
-                <a:off x="6640122" y="1512870"/>
-                <a:ext cx="0" cy="3009026"/>
-              </a:xfrm>
-              <a:prstGeom prst="line">
-                <a:avLst/>
-              </a:prstGeom>
-              <a:ln w="19050" cap="flat" cmpd="sng" algn="ctr">
-                <a:solidFill>
-                  <a:schemeClr val="tx1"/>
-                </a:solidFill>
-                <a:prstDash val="dash"/>
-                <a:round/>
-                <a:headEnd type="none" w="med" len="med"/>
-                <a:tailEnd type="none" w="med" len="med"/>
-              </a:ln>
-            </p:spPr>
-            <p:style>
-              <a:lnRef idx="0">
-                <a:scrgbClr r="0" g="0" b="0"/>
-              </a:lnRef>
-              <a:fillRef idx="0">
-                <a:scrgbClr r="0" g="0" b="0"/>
-              </a:fillRef>
-              <a:effectRef idx="0">
-                <a:scrgbClr r="0" g="0" b="0"/>
-              </a:effectRef>
-              <a:fontRef idx="minor">
+              </a:solidFill>
+              <a:prstDash val="dash"/>
+              <a:round/>
+              <a:headEnd type="none" w="med" len="med"/>
+              <a:tailEnd type="none" w="med" len="med"/>
+            </a:ln>
+          </p:spPr>
+          <p:style>
+            <a:lnRef idx="0">
+              <a:scrgbClr r="0" g="0" b="0"/>
+            </a:lnRef>
+            <a:fillRef idx="0">
+              <a:scrgbClr r="0" g="0" b="0"/>
+            </a:fillRef>
+            <a:effectRef idx="0">
+              <a:scrgbClr r="0" g="0" b="0"/>
+            </a:effectRef>
+            <a:fontRef idx="minor">
+              <a:schemeClr val="tx1"/>
+            </a:fontRef>
+          </p:style>
+        </p:cxnSp>
+        <p:cxnSp>
+          <p:nvCxnSpPr>
+            <p:cNvPr id="9" name="Straight Connector 8">
+              <a:extLst>
+                <a:ext uri="{FF2B5EF4-FFF2-40B4-BE49-F238E27FC236}">
+                  <a16:creationId xmlns:a16="http://schemas.microsoft.com/office/drawing/2014/main" id="{4BEABD70-E538-75F5-7366-1450355EE79C}"/>
+                </a:ext>
+              </a:extLst>
+            </p:cNvPr>
+            <p:cNvCxnSpPr>
+              <a:cxnSpLocks/>
+            </p:cNvCxnSpPr>
+            <p:nvPr/>
+          </p:nvCxnSpPr>
+          <p:spPr>
+            <a:xfrm>
+              <a:off x="6899019" y="1413078"/>
+              <a:ext cx="0" cy="3009026"/>
+            </a:xfrm>
+            <a:prstGeom prst="line">
+              <a:avLst/>
+            </a:prstGeom>
+            <a:ln w="19050" cap="flat" cmpd="sng" algn="ctr">
+              <a:solidFill>
                 <a:schemeClr val="tx1"/>
-              </a:fontRef>
-            </p:style>
-          </p:cxnSp>
-          <p:sp>
-            <p:nvSpPr>
-              <p:cNvPr id="10" name="TextBox 9">
-                <a:extLst>
-                  <a:ext uri="{FF2B5EF4-FFF2-40B4-BE49-F238E27FC236}">
-                    <a16:creationId xmlns:a16="http://schemas.microsoft.com/office/drawing/2014/main" id="{2CD131E5-8ED0-9383-656D-5DFE689612FC}"/>
-                  </a:ext>
-                </a:extLst>
-              </p:cNvPr>
-              <p:cNvSpPr txBox="1"/>
-              <p:nvPr/>
-            </p:nvSpPr>
-            <p:spPr>
-              <a:xfrm>
-                <a:off x="3782860" y="4134520"/>
-                <a:ext cx="1058448" cy="369332"/>
-              </a:xfrm>
-              <a:prstGeom prst="rect">
-                <a:avLst/>
-              </a:prstGeom>
-              <a:noFill/>
-            </p:spPr>
-            <p:txBody>
-              <a:bodyPr wrap="square" rtlCol="0">
-                <a:spAutoFit/>
-              </a:bodyPr>
-              <a:lstStyle/>
-              <a:p>
-                <a:r>
-                  <a:rPr lang="en-US" b="1" dirty="0">
-                    <a:latin typeface="Times New Roman" panose="02020603050405020304" pitchFamily="18" charset="0"/>
-                    <a:cs typeface="Times New Roman" panose="02020603050405020304" pitchFamily="18" charset="0"/>
-                  </a:rPr>
-                  <a:t>Region 1</a:t>
-                </a:r>
-              </a:p>
-            </p:txBody>
-          </p:sp>
-          <p:sp>
-            <p:nvSpPr>
-              <p:cNvPr id="11" name="TextBox 10">
-                <a:extLst>
-                  <a:ext uri="{FF2B5EF4-FFF2-40B4-BE49-F238E27FC236}">
-                    <a16:creationId xmlns:a16="http://schemas.microsoft.com/office/drawing/2014/main" id="{293F7715-D236-9E23-501F-02937A9D519C}"/>
-                  </a:ext>
-                </a:extLst>
-              </p:cNvPr>
-              <p:cNvSpPr txBox="1"/>
-              <p:nvPr/>
-            </p:nvSpPr>
-            <p:spPr>
-              <a:xfrm>
-                <a:off x="5601985" y="4134520"/>
-                <a:ext cx="1058448" cy="369332"/>
-              </a:xfrm>
-              <a:prstGeom prst="rect">
-                <a:avLst/>
-              </a:prstGeom>
-              <a:noFill/>
-            </p:spPr>
-            <p:txBody>
-              <a:bodyPr wrap="square" rtlCol="0">
-                <a:spAutoFit/>
-              </a:bodyPr>
-              <a:lstStyle/>
-              <a:p>
-                <a:r>
-                  <a:rPr lang="en-US" b="1" dirty="0">
-                    <a:latin typeface="Times New Roman" panose="02020603050405020304" pitchFamily="18" charset="0"/>
-                    <a:cs typeface="Times New Roman" panose="02020603050405020304" pitchFamily="18" charset="0"/>
-                  </a:rPr>
-                  <a:t>Region 2</a:t>
-                </a:r>
-              </a:p>
-            </p:txBody>
-          </p:sp>
-          <p:sp>
-            <p:nvSpPr>
-              <p:cNvPr id="12" name="TextBox 11">
-                <a:extLst>
-                  <a:ext uri="{FF2B5EF4-FFF2-40B4-BE49-F238E27FC236}">
-                    <a16:creationId xmlns:a16="http://schemas.microsoft.com/office/drawing/2014/main" id="{C1B0471B-CD6C-8577-356D-DA0225D81B13}"/>
-                  </a:ext>
-                </a:extLst>
-              </p:cNvPr>
-              <p:cNvSpPr txBox="1"/>
-              <p:nvPr/>
-            </p:nvSpPr>
-            <p:spPr>
-              <a:xfrm>
-                <a:off x="7365304" y="4128257"/>
-                <a:ext cx="1058448" cy="369332"/>
-              </a:xfrm>
-              <a:prstGeom prst="rect">
-                <a:avLst/>
-              </a:prstGeom>
-              <a:noFill/>
-            </p:spPr>
-            <p:txBody>
-              <a:bodyPr wrap="square" rtlCol="0">
-                <a:spAutoFit/>
-              </a:bodyPr>
-              <a:lstStyle/>
-              <a:p>
-                <a:r>
-                  <a:rPr lang="en-US" b="1" dirty="0">
-                    <a:latin typeface="Times New Roman" panose="02020603050405020304" pitchFamily="18" charset="0"/>
-                    <a:cs typeface="Times New Roman" panose="02020603050405020304" pitchFamily="18" charset="0"/>
-                  </a:rPr>
-                  <a:t>Region 3</a:t>
-                </a:r>
-              </a:p>
-            </p:txBody>
-          </p:sp>
-        </p:grpSp>
-        <mc:AlternateContent xmlns:mc="http://schemas.openxmlformats.org/markup-compatibility/2006">
-          <mc:Choice xmlns:a14="http://schemas.microsoft.com/office/drawing/2010/main" Requires="a14">
+              </a:solidFill>
+              <a:prstDash val="dash"/>
+              <a:round/>
+              <a:headEnd type="none" w="med" len="med"/>
+              <a:tailEnd type="none" w="med" len="med"/>
+            </a:ln>
+          </p:spPr>
+          <p:style>
+            <a:lnRef idx="0">
+              <a:scrgbClr r="0" g="0" b="0"/>
+            </a:lnRef>
+            <a:fillRef idx="0">
+              <a:scrgbClr r="0" g="0" b="0"/>
+            </a:fillRef>
+            <a:effectRef idx="0">
+              <a:scrgbClr r="0" g="0" b="0"/>
+            </a:effectRef>
+            <a:fontRef idx="minor">
+              <a:schemeClr val="tx1"/>
+            </a:fontRef>
+          </p:style>
+        </p:cxnSp>
+        <p:sp>
+          <p:nvSpPr>
+            <p:cNvPr id="10" name="TextBox 9">
+              <a:extLst>
+                <a:ext uri="{FF2B5EF4-FFF2-40B4-BE49-F238E27FC236}">
+                  <a16:creationId xmlns:a16="http://schemas.microsoft.com/office/drawing/2014/main" id="{2CD131E5-8ED0-9383-656D-5DFE689612FC}"/>
+                </a:ext>
+              </a:extLst>
+            </p:cNvPr>
+            <p:cNvSpPr txBox="1"/>
+            <p:nvPr/>
+          </p:nvSpPr>
+          <p:spPr>
+            <a:xfrm>
+              <a:off x="4029881" y="3800340"/>
+              <a:ext cx="1058448" cy="369332"/>
+            </a:xfrm>
+            <a:prstGeom prst="rect">
+              <a:avLst/>
+            </a:prstGeom>
+            <a:noFill/>
+          </p:spPr>
+          <p:txBody>
+            <a:bodyPr wrap="square" rtlCol="0">
+              <a:spAutoFit/>
+            </a:bodyPr>
+            <a:lstStyle/>
+            <a:p>
+              <a:r>
+                <a:rPr lang="en-US" b="1" dirty="0">
+                  <a:latin typeface="Times New Roman" panose="02020603050405020304" pitchFamily="18" charset="0"/>
+                  <a:cs typeface="Times New Roman" panose="02020603050405020304" pitchFamily="18" charset="0"/>
+                </a:rPr>
+                <a:t>Region 1</a:t>
+              </a:r>
+            </a:p>
+          </p:txBody>
+        </p:sp>
+        <p:sp>
+          <p:nvSpPr>
+            <p:cNvPr id="11" name="TextBox 10">
+              <a:extLst>
+                <a:ext uri="{FF2B5EF4-FFF2-40B4-BE49-F238E27FC236}">
+                  <a16:creationId xmlns:a16="http://schemas.microsoft.com/office/drawing/2014/main" id="{293F7715-D236-9E23-501F-02937A9D519C}"/>
+                </a:ext>
+              </a:extLst>
+            </p:cNvPr>
+            <p:cNvSpPr txBox="1"/>
+            <p:nvPr/>
+          </p:nvSpPr>
+          <p:spPr>
+            <a:xfrm>
+              <a:off x="5849006" y="3800340"/>
+              <a:ext cx="1058448" cy="369332"/>
+            </a:xfrm>
+            <a:prstGeom prst="rect">
+              <a:avLst/>
+            </a:prstGeom>
+            <a:noFill/>
+          </p:spPr>
+          <p:txBody>
+            <a:bodyPr wrap="square" rtlCol="0">
+              <a:spAutoFit/>
+            </a:bodyPr>
+            <a:lstStyle/>
+            <a:p>
+              <a:r>
+                <a:rPr lang="en-US" b="1" dirty="0">
+                  <a:latin typeface="Times New Roman" panose="02020603050405020304" pitchFamily="18" charset="0"/>
+                  <a:cs typeface="Times New Roman" panose="02020603050405020304" pitchFamily="18" charset="0"/>
+                </a:rPr>
+                <a:t>Region 2</a:t>
+              </a:r>
+            </a:p>
+          </p:txBody>
+        </p:sp>
+        <p:sp>
+          <p:nvSpPr>
+            <p:cNvPr id="12" name="TextBox 11">
+              <a:extLst>
+                <a:ext uri="{FF2B5EF4-FFF2-40B4-BE49-F238E27FC236}">
+                  <a16:creationId xmlns:a16="http://schemas.microsoft.com/office/drawing/2014/main" id="{C1B0471B-CD6C-8577-356D-DA0225D81B13}"/>
+                </a:ext>
+              </a:extLst>
+            </p:cNvPr>
+            <p:cNvSpPr txBox="1"/>
+            <p:nvPr/>
+          </p:nvSpPr>
+          <p:spPr>
+            <a:xfrm>
+              <a:off x="7612325" y="3794077"/>
+              <a:ext cx="1058448" cy="369332"/>
+            </a:xfrm>
+            <a:prstGeom prst="rect">
+              <a:avLst/>
+            </a:prstGeom>
+            <a:noFill/>
+          </p:spPr>
+          <p:txBody>
+            <a:bodyPr wrap="square" rtlCol="0">
+              <a:spAutoFit/>
+            </a:bodyPr>
+            <a:lstStyle/>
+            <a:p>
+              <a:r>
+                <a:rPr lang="en-US" b="1" dirty="0">
+                  <a:latin typeface="Times New Roman" panose="02020603050405020304" pitchFamily="18" charset="0"/>
+                  <a:cs typeface="Times New Roman" panose="02020603050405020304" pitchFamily="18" charset="0"/>
+                </a:rPr>
+                <a:t>Region 3</a:t>
+              </a:r>
+            </a:p>
+          </p:txBody>
+        </p:sp>
+        <p:sp>
+          <p:nvSpPr>
+            <p:cNvPr id="27" name="TextBox 26">
+              <a:extLst>
+                <a:ext uri="{FF2B5EF4-FFF2-40B4-BE49-F238E27FC236}">
+                  <a16:creationId xmlns:a16="http://schemas.microsoft.com/office/drawing/2014/main" id="{FACB8059-8932-BA9A-7A11-A473BF2B50C0}"/>
+                </a:ext>
+              </a:extLst>
+            </p:cNvPr>
+            <p:cNvSpPr txBox="1"/>
+            <p:nvPr/>
+          </p:nvSpPr>
+          <p:spPr>
+            <a:xfrm>
+              <a:off x="7692174" y="1857810"/>
+              <a:ext cx="1171504" cy="261610"/>
+            </a:xfrm>
+            <a:prstGeom prst="rect">
+              <a:avLst/>
+            </a:prstGeom>
+            <a:noFill/>
+          </p:spPr>
+          <p:txBody>
+            <a:bodyPr wrap="square" rtlCol="0">
+              <a:spAutoFit/>
+            </a:bodyPr>
+            <a:lstStyle/>
+            <a:p>
+              <a:r>
+                <a:rPr lang="en-US" sz="1100" dirty="0">
+                  <a:latin typeface="Times New Roman" panose="02020603050405020304" pitchFamily="18" charset="0"/>
+                  <a:cs typeface="Times New Roman" panose="02020603050405020304" pitchFamily="18" charset="0"/>
+                </a:rPr>
+                <a:t>Beam Direction</a:t>
+              </a:r>
+            </a:p>
+          </p:txBody>
+        </p:sp>
+        <mc:AlternateContent xmlns:mc="http://schemas.openxmlformats.org/markup-compatibility/2006" xmlns:a14="http://schemas.microsoft.com/office/drawing/2010/main">
+          <mc:Choice Requires="a14">
             <p:sp>
               <p:nvSpPr>
                 <p:cNvPr id="14" name="TextBox 13">
@@ -3616,7 +3650,7 @@
               </p:nvSpPr>
               <p:spPr>
                 <a:xfrm>
-                  <a:off x="4289150" y="2834787"/>
+                  <a:off x="4454100" y="3136001"/>
                   <a:ext cx="504690" cy="215444"/>
                 </a:xfrm>
                 <a:prstGeom prst="rect">
@@ -3630,6 +3664,7 @@
                 </a:bodyPr>
                 <a:lstStyle/>
                 <a:p>
+                  <a:pPr/>
                   <a14:m>
                     <m:oMathPara xmlns:m="http://schemas.openxmlformats.org/officeDocument/2006/math">
                       <m:oMathParaPr>
@@ -3672,7 +3707,7 @@
               </p:txBody>
             </p:sp>
           </mc:Choice>
-          <mc:Fallback>
+          <mc:Fallback xmlns="">
             <p:sp>
               <p:nvSpPr>
                 <p:cNvPr id="14" name="TextBox 13">
@@ -3689,7 +3724,7 @@
               </p:nvSpPr>
               <p:spPr>
                 <a:xfrm>
-                  <a:off x="4289150" y="2834787"/>
+                  <a:off x="4454100" y="3136001"/>
                   <a:ext cx="504690" cy="215444"/>
                 </a:xfrm>
                 <a:prstGeom prst="rect">
@@ -3717,8 +3752,8 @@
             </p:sp>
           </mc:Fallback>
         </mc:AlternateContent>
-        <mc:AlternateContent xmlns:mc="http://schemas.openxmlformats.org/markup-compatibility/2006">
-          <mc:Choice xmlns:a14="http://schemas.microsoft.com/office/drawing/2010/main" Requires="a14">
+        <mc:AlternateContent xmlns:mc="http://schemas.openxmlformats.org/markup-compatibility/2006" xmlns:a14="http://schemas.microsoft.com/office/drawing/2010/main">
+          <mc:Choice Requires="a14">
             <p:sp>
               <p:nvSpPr>
                 <p:cNvPr id="15" name="TextBox 14">
@@ -3733,7 +3768,7 @@
               </p:nvSpPr>
               <p:spPr>
                 <a:xfrm>
-                  <a:off x="7280821" y="2834787"/>
+                  <a:off x="7445771" y="3136001"/>
                   <a:ext cx="304955" cy="215444"/>
                 </a:xfrm>
                 <a:prstGeom prst="rect">
@@ -3747,6 +3782,7 @@
                 </a:bodyPr>
                 <a:lstStyle/>
                 <a:p>
+                  <a:pPr/>
                   <a14:m>
                     <m:oMathPara xmlns:m="http://schemas.openxmlformats.org/officeDocument/2006/math">
                       <m:oMathParaPr>
@@ -3789,7 +3825,7 @@
               </p:txBody>
             </p:sp>
           </mc:Choice>
-          <mc:Fallback>
+          <mc:Fallback xmlns="">
             <p:sp>
               <p:nvSpPr>
                 <p:cNvPr id="15" name="TextBox 14">
@@ -3806,7 +3842,7 @@
               </p:nvSpPr>
               <p:spPr>
                 <a:xfrm>
-                  <a:off x="7280821" y="2834787"/>
+                  <a:off x="7445771" y="3136001"/>
                   <a:ext cx="304955" cy="215444"/>
                 </a:xfrm>
                 <a:prstGeom prst="rect">
@@ -3834,8 +3870,8 @@
             </p:sp>
           </mc:Fallback>
         </mc:AlternateContent>
-        <mc:AlternateContent xmlns:mc="http://schemas.openxmlformats.org/markup-compatibility/2006">
-          <mc:Choice xmlns:a14="http://schemas.microsoft.com/office/drawing/2010/main" Requires="a14">
+        <mc:AlternateContent xmlns:mc="http://schemas.openxmlformats.org/markup-compatibility/2006" xmlns:a14="http://schemas.microsoft.com/office/drawing/2010/main">
+          <mc:Choice Requires="a14">
             <p:sp>
               <p:nvSpPr>
                 <p:cNvPr id="16" name="TextBox 15">
@@ -3850,7 +3886,7 @@
               </p:nvSpPr>
               <p:spPr>
                 <a:xfrm>
-                  <a:off x="6042759" y="2834787"/>
+                  <a:off x="6207709" y="3136001"/>
                   <a:ext cx="294376" cy="215444"/>
                 </a:xfrm>
                 <a:prstGeom prst="rect">
@@ -3864,6 +3900,7 @@
                 </a:bodyPr>
                 <a:lstStyle/>
                 <a:p>
+                  <a:pPr/>
                   <a14:m>
                     <m:oMathPara xmlns:m="http://schemas.openxmlformats.org/officeDocument/2006/math">
                       <m:oMathParaPr>
@@ -3929,7 +3966,7 @@
               </p:txBody>
             </p:sp>
           </mc:Choice>
-          <mc:Fallback>
+          <mc:Fallback xmlns="">
             <p:sp>
               <p:nvSpPr>
                 <p:cNvPr id="16" name="TextBox 15">
@@ -3946,7 +3983,7 @@
               </p:nvSpPr>
               <p:spPr>
                 <a:xfrm>
-                  <a:off x="6042759" y="2834787"/>
+                  <a:off x="6207709" y="3136001"/>
                   <a:ext cx="294376" cy="215444"/>
                 </a:xfrm>
                 <a:prstGeom prst="rect">
@@ -3974,402 +4011,481 @@
             </p:sp>
           </mc:Fallback>
         </mc:AlternateContent>
-        <mc:AlternateContent xmlns:mc="http://schemas.openxmlformats.org/markup-compatibility/2006">
-          <mc:Choice xmlns:a14="http://schemas.microsoft.com/office/drawing/2010/main" Requires="a14">
-            <p:sp>
-              <p:nvSpPr>
-                <p:cNvPr id="17" name="TextBox 16">
-                  <a:extLst>
-                    <a:ext uri="{FF2B5EF4-FFF2-40B4-BE49-F238E27FC236}">
-                      <a16:creationId xmlns:a16="http://schemas.microsoft.com/office/drawing/2014/main" id="{6102197F-AECE-8954-4C9E-2CDE093EEE2C}"/>
-                    </a:ext>
-                  </a:extLst>
-                </p:cNvPr>
-                <p:cNvSpPr txBox="1"/>
-                <p:nvPr/>
-              </p:nvSpPr>
-              <p:spPr>
-                <a:xfrm>
-                  <a:off x="6475343" y="2508655"/>
-                  <a:ext cx="262892" cy="215444"/>
-                </a:xfrm>
-                <a:prstGeom prst="rect">
-                  <a:avLst/>
-                </a:prstGeom>
-                <a:noFill/>
-              </p:spPr>
-              <p:txBody>
-                <a:bodyPr wrap="none" lIns="0" tIns="0" rIns="0" bIns="0" rtlCol="0">
-                  <a:spAutoFit/>
-                </a:bodyPr>
-                <a:lstStyle/>
-                <a:p>
-                  <a:pPr/>
-                  <a14:m>
-                    <m:oMathPara xmlns:m="http://schemas.openxmlformats.org/officeDocument/2006/math">
-                      <m:oMathParaPr>
-                        <m:jc m:val="centerGroup"/>
-                      </m:oMathParaPr>
-                      <m:oMath xmlns:m="http://schemas.openxmlformats.org/officeDocument/2006/math">
-                        <m:sSub>
-                          <m:sSubPr>
-                            <m:ctrlPr>
-                              <a:rPr lang="en-US" sz="1400" b="0" i="1" smtClean="0">
-                                <a:solidFill>
-                                  <a:schemeClr val="accent6">
-                                    <a:lumMod val="75000"/>
-                                  </a:schemeClr>
-                                </a:solidFill>
-                                <a:latin typeface="Cambria Math" panose="02040503050406030204" pitchFamily="18" charset="0"/>
-                              </a:rPr>
-                            </m:ctrlPr>
-                          </m:sSubPr>
-                          <m:e>
-                            <m:r>
-                              <a:rPr lang="en-US" sz="1400" b="0" i="1" smtClean="0">
-                                <a:solidFill>
-                                  <a:schemeClr val="accent6">
-                                    <a:lumMod val="75000"/>
-                                  </a:schemeClr>
-                                </a:solidFill>
-                                <a:latin typeface="Cambria Math" panose="02040503050406030204" pitchFamily="18" charset="0"/>
-                              </a:rPr>
-                              <m:t>𝑡</m:t>
-                            </m:r>
-                          </m:e>
-                          <m:sub>
-                            <m:r>
-                              <a:rPr lang="en-US" sz="1400" b="0" i="1" smtClean="0">
-                                <a:solidFill>
-                                  <a:schemeClr val="accent6">
-                                    <a:lumMod val="75000"/>
-                                  </a:schemeClr>
-                                </a:solidFill>
-                                <a:latin typeface="Cambria Math" panose="02040503050406030204" pitchFamily="18" charset="0"/>
-                              </a:rPr>
-                              <m:t>23</m:t>
-                            </m:r>
-                          </m:sub>
-                        </m:sSub>
-                      </m:oMath>
-                    </m:oMathPara>
-                  </a14:m>
-                  <a:endParaRPr lang="en-US" sz="1400" dirty="0">
-                    <a:solidFill>
-                      <a:schemeClr val="accent6">
-                        <a:lumMod val="75000"/>
-                      </a:schemeClr>
-                    </a:solidFill>
-                  </a:endParaRPr>
-                </a:p>
-              </p:txBody>
-            </p:sp>
-          </mc:Choice>
-          <mc:Fallback>
-            <p:sp>
-              <p:nvSpPr>
-                <p:cNvPr id="17" name="TextBox 16">
-                  <a:extLst>
-                    <a:ext uri="{FF2B5EF4-FFF2-40B4-BE49-F238E27FC236}">
-                      <a16:creationId xmlns:a16="http://schemas.microsoft.com/office/drawing/2014/main" id="{6102197F-AECE-8954-4C9E-2CDE093EEE2C}"/>
-                    </a:ext>
-                  </a:extLst>
-                </p:cNvPr>
-                <p:cNvSpPr txBox="1">
-                  <a:spLocks noRot="1" noChangeAspect="1" noMove="1" noResize="1" noEditPoints="1" noAdjustHandles="1" noChangeArrowheads="1" noChangeShapeType="1" noTextEdit="1"/>
-                </p:cNvSpPr>
-                <p:nvPr/>
-              </p:nvSpPr>
-              <p:spPr>
-                <a:xfrm>
-                  <a:off x="6475343" y="2508655"/>
-                  <a:ext cx="262892" cy="215444"/>
-                </a:xfrm>
-                <a:prstGeom prst="rect">
-                  <a:avLst/>
-                </a:prstGeom>
-                <a:blipFill>
-                  <a:blip r:embed="rId6"/>
-                  <a:stretch>
-                    <a:fillRect l="-9091" r="-4545" b="-11111"/>
-                  </a:stretch>
-                </a:blipFill>
-              </p:spPr>
-              <p:txBody>
-                <a:bodyPr/>
-                <a:lstStyle/>
-                <a:p>
-                  <a:r>
-                    <a:rPr lang="en-US">
-                      <a:noFill/>
-                    </a:rPr>
-                    <a:t> </a:t>
-                  </a:r>
-                </a:p>
-              </p:txBody>
-            </p:sp>
-          </mc:Fallback>
-        </mc:AlternateContent>
-        <mc:AlternateContent xmlns:mc="http://schemas.openxmlformats.org/markup-compatibility/2006">
-          <mc:Choice xmlns:a14="http://schemas.microsoft.com/office/drawing/2010/main" Requires="a14">
-            <p:sp>
-              <p:nvSpPr>
-                <p:cNvPr id="18" name="TextBox 17">
-                  <a:extLst>
-                    <a:ext uri="{FF2B5EF4-FFF2-40B4-BE49-F238E27FC236}">
-                      <a16:creationId xmlns:a16="http://schemas.microsoft.com/office/drawing/2014/main" id="{BC69D0F7-A1E4-3073-2AF8-DB5ED3C155CF}"/>
-                    </a:ext>
-                  </a:extLst>
-                </p:cNvPr>
-                <p:cNvSpPr txBox="1"/>
-                <p:nvPr/>
-              </p:nvSpPr>
-              <p:spPr>
-                <a:xfrm>
-                  <a:off x="5366790" y="2508655"/>
-                  <a:ext cx="258725" cy="215444"/>
-                </a:xfrm>
-                <a:prstGeom prst="rect">
-                  <a:avLst/>
-                </a:prstGeom>
-                <a:noFill/>
-              </p:spPr>
-              <p:txBody>
-                <a:bodyPr wrap="none" lIns="0" tIns="0" rIns="0" bIns="0" rtlCol="0">
-                  <a:spAutoFit/>
-                </a:bodyPr>
-                <a:lstStyle/>
-                <a:p>
-                  <a14:m>
-                    <m:oMathPara xmlns:m="http://schemas.openxmlformats.org/officeDocument/2006/math">
-                      <m:oMathParaPr>
-                        <m:jc m:val="centerGroup"/>
-                      </m:oMathParaPr>
-                      <m:oMath xmlns:m="http://schemas.openxmlformats.org/officeDocument/2006/math">
-                        <m:sSub>
-                          <m:sSubPr>
-                            <m:ctrlPr>
-                              <a:rPr lang="en-US" sz="1400" b="0" i="1" smtClean="0">
-                                <a:solidFill>
-                                  <a:schemeClr val="accent6">
-                                    <a:lumMod val="75000"/>
-                                  </a:schemeClr>
-                                </a:solidFill>
-                                <a:latin typeface="Cambria Math" panose="02040503050406030204" pitchFamily="18" charset="0"/>
-                              </a:rPr>
-                            </m:ctrlPr>
-                          </m:sSubPr>
-                          <m:e>
-                            <m:r>
-                              <a:rPr lang="en-US" sz="1400" b="0" i="1" smtClean="0">
-                                <a:solidFill>
-                                  <a:schemeClr val="accent6">
-                                    <a:lumMod val="75000"/>
-                                  </a:schemeClr>
-                                </a:solidFill>
-                                <a:latin typeface="Cambria Math" panose="02040503050406030204" pitchFamily="18" charset="0"/>
-                              </a:rPr>
-                              <m:t>𝑡</m:t>
-                            </m:r>
-                          </m:e>
-                          <m:sub>
-                            <m:r>
-                              <a:rPr lang="en-US" sz="1400" b="0" i="1" smtClean="0">
-                                <a:solidFill>
-                                  <a:schemeClr val="accent6">
-                                    <a:lumMod val="75000"/>
-                                  </a:schemeClr>
-                                </a:solidFill>
-                                <a:latin typeface="Cambria Math" panose="02040503050406030204" pitchFamily="18" charset="0"/>
-                              </a:rPr>
-                              <m:t>12</m:t>
-                            </m:r>
-                          </m:sub>
-                        </m:sSub>
-                      </m:oMath>
-                    </m:oMathPara>
-                  </a14:m>
-                  <a:endParaRPr lang="en-US" sz="1400" dirty="0">
-                    <a:solidFill>
-                      <a:schemeClr val="accent6">
-                        <a:lumMod val="75000"/>
-                      </a:schemeClr>
-                    </a:solidFill>
-                  </a:endParaRPr>
-                </a:p>
-              </p:txBody>
-            </p:sp>
-          </mc:Choice>
-          <mc:Fallback>
-            <p:sp>
-              <p:nvSpPr>
-                <p:cNvPr id="18" name="TextBox 17">
-                  <a:extLst>
-                    <a:ext uri="{FF2B5EF4-FFF2-40B4-BE49-F238E27FC236}">
-                      <a16:creationId xmlns:a16="http://schemas.microsoft.com/office/drawing/2014/main" id="{BC69D0F7-A1E4-3073-2AF8-DB5ED3C155CF}"/>
-                    </a:ext>
-                  </a:extLst>
-                </p:cNvPr>
-                <p:cNvSpPr txBox="1">
-                  <a:spLocks noRot="1" noChangeAspect="1" noMove="1" noResize="1" noEditPoints="1" noAdjustHandles="1" noChangeArrowheads="1" noChangeShapeType="1" noTextEdit="1"/>
-                </p:cNvSpPr>
-                <p:nvPr/>
-              </p:nvSpPr>
-              <p:spPr>
-                <a:xfrm>
-                  <a:off x="5366790" y="2508655"/>
-                  <a:ext cx="258725" cy="215444"/>
-                </a:xfrm>
-                <a:prstGeom prst="rect">
-                  <a:avLst/>
-                </a:prstGeom>
-                <a:blipFill>
-                  <a:blip r:embed="rId7"/>
-                  <a:stretch>
-                    <a:fillRect l="-13636" b="-11111"/>
-                  </a:stretch>
-                </a:blipFill>
-              </p:spPr>
-              <p:txBody>
-                <a:bodyPr/>
-                <a:lstStyle/>
-                <a:p>
-                  <a:r>
-                    <a:rPr lang="en-US">
-                      <a:noFill/>
-                    </a:rPr>
-                    <a:t> </a:t>
-                  </a:r>
-                </a:p>
-              </p:txBody>
-            </p:sp>
-          </mc:Fallback>
-        </mc:AlternateContent>
-        <p:sp>
-          <p:nvSpPr>
-            <p:cNvPr id="20" name="Oval 19">
+        <p:cxnSp>
+          <p:nvCxnSpPr>
+            <p:cNvPr id="24" name="Straight Arrow Connector 23">
               <a:extLst>
                 <a:ext uri="{FF2B5EF4-FFF2-40B4-BE49-F238E27FC236}">
-                  <a16:creationId xmlns:a16="http://schemas.microsoft.com/office/drawing/2014/main" id="{F6F832DE-3731-EE49-4EDC-9A78CB9F72E6}"/>
+                  <a16:creationId xmlns:a16="http://schemas.microsoft.com/office/drawing/2014/main" id="{6B8F752A-86DA-C74E-4A1C-D3E3E9034368}"/>
                 </a:ext>
               </a:extLst>
             </p:cNvPr>
-            <p:cNvSpPr/>
+            <p:cNvCxnSpPr>
+              <a:cxnSpLocks/>
+            </p:cNvCxnSpPr>
             <p:nvPr/>
-          </p:nvSpPr>
+          </p:nvCxnSpPr>
           <p:spPr>
             <a:xfrm>
-              <a:off x="6705494" y="2744154"/>
-              <a:ext cx="57150" cy="57150"/>
+              <a:off x="7728837" y="2119420"/>
+              <a:ext cx="983908" cy="0"/>
             </a:xfrm>
-            <a:prstGeom prst="ellipse">
+            <a:prstGeom prst="straightConnector1">
               <a:avLst/>
             </a:prstGeom>
-            <a:solidFill>
-              <a:schemeClr val="accent6">
-                <a:lumMod val="75000"/>
-              </a:schemeClr>
-            </a:solidFill>
-            <a:ln>
-              <a:noFill/>
+            <a:ln w="15875">
+              <a:solidFill>
+                <a:schemeClr val="tx1"/>
+              </a:solidFill>
+              <a:tailEnd type="triangle"/>
             </a:ln>
           </p:spPr>
           <p:style>
             <a:lnRef idx="2">
-              <a:schemeClr val="accent1">
-                <a:shade val="15000"/>
-              </a:schemeClr>
+              <a:schemeClr val="accent1"/>
             </a:lnRef>
-            <a:fillRef idx="1">
+            <a:fillRef idx="0">
               <a:schemeClr val="accent1"/>
             </a:fillRef>
-            <a:effectRef idx="0">
+            <a:effectRef idx="1">
               <a:schemeClr val="accent1"/>
             </a:effectRef>
             <a:fontRef idx="minor">
-              <a:schemeClr val="lt1"/>
+              <a:schemeClr val="tx1"/>
             </a:fontRef>
           </p:style>
-          <p:txBody>
-            <a:bodyPr rtlCol="0" anchor="ctr"/>
-            <a:lstStyle/>
-            <a:p>
-              <a:pPr algn="ctr"/>
-              <a:endParaRPr lang="en-US">
-                <a:solidFill>
-                  <a:schemeClr val="accent6">
-                    <a:lumMod val="75000"/>
-                  </a:schemeClr>
-                </a:solidFill>
-              </a:endParaRPr>
-            </a:p>
-          </p:txBody>
-        </p:sp>
-        <p:sp>
-          <p:nvSpPr>
-            <p:cNvPr id="21" name="Oval 20">
-              <a:extLst>
-                <a:ext uri="{FF2B5EF4-FFF2-40B4-BE49-F238E27FC236}">
-                  <a16:creationId xmlns:a16="http://schemas.microsoft.com/office/drawing/2014/main" id="{C9BF9EA2-E820-9B15-8F88-6FE4916C9C66}"/>
-                </a:ext>
-              </a:extLst>
-            </p:cNvPr>
-            <p:cNvSpPr/>
-            <p:nvPr/>
-          </p:nvSpPr>
-          <p:spPr>
-            <a:xfrm>
-              <a:off x="5601042" y="2747740"/>
-              <a:ext cx="57150" cy="57150"/>
-            </a:xfrm>
-            <a:prstGeom prst="ellipse">
-              <a:avLst/>
-            </a:prstGeom>
-            <a:solidFill>
-              <a:schemeClr val="accent6">
-                <a:lumMod val="75000"/>
-              </a:schemeClr>
-            </a:solidFill>
-            <a:ln>
-              <a:noFill/>
-            </a:ln>
-          </p:spPr>
-          <p:style>
-            <a:lnRef idx="2">
-              <a:schemeClr val="accent1">
-                <a:shade val="15000"/>
-              </a:schemeClr>
-            </a:lnRef>
-            <a:fillRef idx="1">
-              <a:schemeClr val="accent1"/>
-            </a:fillRef>
-            <a:effectRef idx="0">
-              <a:schemeClr val="accent1"/>
-            </a:effectRef>
-            <a:fontRef idx="minor">
-              <a:schemeClr val="lt1"/>
-            </a:fontRef>
-          </p:style>
-          <p:txBody>
-            <a:bodyPr rtlCol="0" anchor="ctr"/>
-            <a:lstStyle/>
-            <a:p>
-              <a:pPr algn="ctr"/>
-              <a:endParaRPr lang="en-US">
-                <a:solidFill>
-                  <a:schemeClr val="accent6">
-                    <a:lumMod val="75000"/>
-                  </a:schemeClr>
-                </a:solidFill>
-              </a:endParaRPr>
-            </a:p>
-          </p:txBody>
-        </p:sp>
+        </p:cxnSp>
       </p:grpSp>
     </p:spTree>
     <p:extLst>
       <p:ext uri="{BB962C8B-B14F-4D97-AF65-F5344CB8AC3E}">
         <p14:creationId xmlns:p14="http://schemas.microsoft.com/office/powerpoint/2010/main" val="3726995218"/>
+      </p:ext>
+    </p:extLst>
+  </p:cSld>
+  <p:clrMapOvr>
+    <a:masterClrMapping/>
+  </p:clrMapOvr>
+</p:sld>
+</file>
+
+<file path=ppt/slides/slide10.xml><?xml version="1.0" encoding="utf-8"?>
+<p:sld xmlns:a="http://schemas.openxmlformats.org/drawingml/2006/main" xmlns:r="http://schemas.openxmlformats.org/officeDocument/2006/relationships" xmlns:p="http://schemas.openxmlformats.org/presentationml/2006/main">
+  <p:cSld>
+    <p:spTree>
+      <p:nvGrpSpPr>
+        <p:cNvPr id="1" name="">
+          <a:extLst>
+            <a:ext uri="{FF2B5EF4-FFF2-40B4-BE49-F238E27FC236}">
+              <a16:creationId xmlns:a16="http://schemas.microsoft.com/office/drawing/2014/main" id="{E5535860-EC23-C36F-1B60-7A77E5B16B56}"/>
+            </a:ext>
+          </a:extLst>
+        </p:cNvPr>
+        <p:cNvGrpSpPr/>
+        <p:nvPr/>
+      </p:nvGrpSpPr>
+      <p:grpSpPr>
+        <a:xfrm>
+          <a:off x="0" y="0"/>
+          <a:ext cx="0" cy="0"/>
+          <a:chOff x="0" y="0"/>
+          <a:chExt cx="0" cy="0"/>
+        </a:xfrm>
+      </p:grpSpPr>
+    </p:spTree>
+    <p:extLst>
+      <p:ext uri="{BB962C8B-B14F-4D97-AF65-F5344CB8AC3E}">
+        <p14:creationId xmlns:p14="http://schemas.microsoft.com/office/powerpoint/2010/main" val="2918220658"/>
+      </p:ext>
+    </p:extLst>
+  </p:cSld>
+  <p:clrMapOvr>
+    <a:masterClrMapping/>
+  </p:clrMapOvr>
+</p:sld>
+</file>
+
+<file path=ppt/slides/slide11.xml><?xml version="1.0" encoding="utf-8"?>
+<p:sld xmlns:a="http://schemas.openxmlformats.org/drawingml/2006/main" xmlns:r="http://schemas.openxmlformats.org/officeDocument/2006/relationships" xmlns:p="http://schemas.openxmlformats.org/presentationml/2006/main">
+  <p:cSld>
+    <p:spTree>
+      <p:nvGrpSpPr>
+        <p:cNvPr id="1" name="">
+          <a:extLst>
+            <a:ext uri="{FF2B5EF4-FFF2-40B4-BE49-F238E27FC236}">
+              <a16:creationId xmlns:a16="http://schemas.microsoft.com/office/drawing/2014/main" id="{496FDB36-97CF-C247-5639-827D76A77563}"/>
+            </a:ext>
+          </a:extLst>
+        </p:cNvPr>
+        <p:cNvGrpSpPr/>
+        <p:nvPr/>
+      </p:nvGrpSpPr>
+      <p:grpSpPr>
+        <a:xfrm>
+          <a:off x="0" y="0"/>
+          <a:ext cx="0" cy="0"/>
+          <a:chOff x="0" y="0"/>
+          <a:chExt cx="0" cy="0"/>
+        </a:xfrm>
+      </p:grpSpPr>
+    </p:spTree>
+    <p:extLst>
+      <p:ext uri="{BB962C8B-B14F-4D97-AF65-F5344CB8AC3E}">
+        <p14:creationId xmlns:p14="http://schemas.microsoft.com/office/powerpoint/2010/main" val="2677221690"/>
+      </p:ext>
+    </p:extLst>
+  </p:cSld>
+  <p:clrMapOvr>
+    <a:masterClrMapping/>
+  </p:clrMapOvr>
+</p:sld>
+</file>
+
+<file path=ppt/slides/slide12.xml><?xml version="1.0" encoding="utf-8"?>
+<p:sld xmlns:a="http://schemas.openxmlformats.org/drawingml/2006/main" xmlns:r="http://schemas.openxmlformats.org/officeDocument/2006/relationships" xmlns:p="http://schemas.openxmlformats.org/presentationml/2006/main">
+  <p:cSld>
+    <p:spTree>
+      <p:nvGrpSpPr>
+        <p:cNvPr id="1" name="">
+          <a:extLst>
+            <a:ext uri="{FF2B5EF4-FFF2-40B4-BE49-F238E27FC236}">
+              <a16:creationId xmlns:a16="http://schemas.microsoft.com/office/drawing/2014/main" id="{955D8107-6749-39A9-D0AA-C24E70F6F7B3}"/>
+            </a:ext>
+          </a:extLst>
+        </p:cNvPr>
+        <p:cNvGrpSpPr/>
+        <p:nvPr/>
+      </p:nvGrpSpPr>
+      <p:grpSpPr>
+        <a:xfrm>
+          <a:off x="0" y="0"/>
+          <a:ext cx="0" cy="0"/>
+          <a:chOff x="0" y="0"/>
+          <a:chExt cx="0" cy="0"/>
+        </a:xfrm>
+      </p:grpSpPr>
+    </p:spTree>
+    <p:extLst>
+      <p:ext uri="{BB962C8B-B14F-4D97-AF65-F5344CB8AC3E}">
+        <p14:creationId xmlns:p14="http://schemas.microsoft.com/office/powerpoint/2010/main" val="420145170"/>
+      </p:ext>
+    </p:extLst>
+  </p:cSld>
+  <p:clrMapOvr>
+    <a:masterClrMapping/>
+  </p:clrMapOvr>
+</p:sld>
+</file>
+
+<file path=ppt/slides/slide13.xml><?xml version="1.0" encoding="utf-8"?>
+<p:sld xmlns:a="http://schemas.openxmlformats.org/drawingml/2006/main" xmlns:r="http://schemas.openxmlformats.org/officeDocument/2006/relationships" xmlns:p="http://schemas.openxmlformats.org/presentationml/2006/main">
+  <p:cSld>
+    <p:spTree>
+      <p:nvGrpSpPr>
+        <p:cNvPr id="1" name="">
+          <a:extLst>
+            <a:ext uri="{FF2B5EF4-FFF2-40B4-BE49-F238E27FC236}">
+              <a16:creationId xmlns:a16="http://schemas.microsoft.com/office/drawing/2014/main" id="{73E74C5A-9BE5-FF8B-304F-E9FD773DA0F0}"/>
+            </a:ext>
+          </a:extLst>
+        </p:cNvPr>
+        <p:cNvGrpSpPr/>
+        <p:nvPr/>
+      </p:nvGrpSpPr>
+      <p:grpSpPr>
+        <a:xfrm>
+          <a:off x="0" y="0"/>
+          <a:ext cx="0" cy="0"/>
+          <a:chOff x="0" y="0"/>
+          <a:chExt cx="0" cy="0"/>
+        </a:xfrm>
+      </p:grpSpPr>
+    </p:spTree>
+    <p:extLst>
+      <p:ext uri="{BB962C8B-B14F-4D97-AF65-F5344CB8AC3E}">
+        <p14:creationId xmlns:p14="http://schemas.microsoft.com/office/powerpoint/2010/main" val="2984472261"/>
+      </p:ext>
+    </p:extLst>
+  </p:cSld>
+  <p:clrMapOvr>
+    <a:masterClrMapping/>
+  </p:clrMapOvr>
+</p:sld>
+</file>
+
+<file path=ppt/slides/slide2.xml><?xml version="1.0" encoding="utf-8"?>
+<p:sld xmlns:a="http://schemas.openxmlformats.org/drawingml/2006/main" xmlns:r="http://schemas.openxmlformats.org/officeDocument/2006/relationships" xmlns:p="http://schemas.openxmlformats.org/presentationml/2006/main">
+  <p:cSld>
+    <p:spTree>
+      <p:nvGrpSpPr>
+        <p:cNvPr id="1" name=""/>
+        <p:cNvGrpSpPr/>
+        <p:nvPr/>
+      </p:nvGrpSpPr>
+      <p:grpSpPr>
+        <a:xfrm>
+          <a:off x="0" y="0"/>
+          <a:ext cx="0" cy="0"/>
+          <a:chOff x="0" y="0"/>
+          <a:chExt cx="0" cy="0"/>
+        </a:xfrm>
+      </p:grpSpPr>
+    </p:spTree>
+    <p:extLst>
+      <p:ext uri="{BB962C8B-B14F-4D97-AF65-F5344CB8AC3E}">
+        <p14:creationId xmlns:p14="http://schemas.microsoft.com/office/powerpoint/2010/main" val="3284159016"/>
+      </p:ext>
+    </p:extLst>
+  </p:cSld>
+  <p:clrMapOvr>
+    <a:masterClrMapping/>
+  </p:clrMapOvr>
+</p:sld>
+</file>
+
+<file path=ppt/slides/slide3.xml><?xml version="1.0" encoding="utf-8"?>
+<p:sld xmlns:a="http://schemas.openxmlformats.org/drawingml/2006/main" xmlns:r="http://schemas.openxmlformats.org/officeDocument/2006/relationships" xmlns:p="http://schemas.openxmlformats.org/presentationml/2006/main">
+  <p:cSld>
+    <p:spTree>
+      <p:nvGrpSpPr>
+        <p:cNvPr id="1" name="">
+          <a:extLst>
+            <a:ext uri="{FF2B5EF4-FFF2-40B4-BE49-F238E27FC236}">
+              <a16:creationId xmlns:a16="http://schemas.microsoft.com/office/drawing/2014/main" id="{BF9882C0-7C71-66D1-292E-EAC0D9496173}"/>
+            </a:ext>
+          </a:extLst>
+        </p:cNvPr>
+        <p:cNvGrpSpPr/>
+        <p:nvPr/>
+      </p:nvGrpSpPr>
+      <p:grpSpPr>
+        <a:xfrm>
+          <a:off x="0" y="0"/>
+          <a:ext cx="0" cy="0"/>
+          <a:chOff x="0" y="0"/>
+          <a:chExt cx="0" cy="0"/>
+        </a:xfrm>
+      </p:grpSpPr>
+    </p:spTree>
+    <p:extLst>
+      <p:ext uri="{BB962C8B-B14F-4D97-AF65-F5344CB8AC3E}">
+        <p14:creationId xmlns:p14="http://schemas.microsoft.com/office/powerpoint/2010/main" val="4278434889"/>
+      </p:ext>
+    </p:extLst>
+  </p:cSld>
+  <p:clrMapOvr>
+    <a:masterClrMapping/>
+  </p:clrMapOvr>
+</p:sld>
+</file>
+
+<file path=ppt/slides/slide4.xml><?xml version="1.0" encoding="utf-8"?>
+<p:sld xmlns:a="http://schemas.openxmlformats.org/drawingml/2006/main" xmlns:r="http://schemas.openxmlformats.org/officeDocument/2006/relationships" xmlns:p="http://schemas.openxmlformats.org/presentationml/2006/main">
+  <p:cSld>
+    <p:spTree>
+      <p:nvGrpSpPr>
+        <p:cNvPr id="1" name="">
+          <a:extLst>
+            <a:ext uri="{FF2B5EF4-FFF2-40B4-BE49-F238E27FC236}">
+              <a16:creationId xmlns:a16="http://schemas.microsoft.com/office/drawing/2014/main" id="{2AE1BEBC-818F-2FBE-0CA0-3D71939263E1}"/>
+            </a:ext>
+          </a:extLst>
+        </p:cNvPr>
+        <p:cNvGrpSpPr/>
+        <p:nvPr/>
+      </p:nvGrpSpPr>
+      <p:grpSpPr>
+        <a:xfrm>
+          <a:off x="0" y="0"/>
+          <a:ext cx="0" cy="0"/>
+          <a:chOff x="0" y="0"/>
+          <a:chExt cx="0" cy="0"/>
+        </a:xfrm>
+      </p:grpSpPr>
+    </p:spTree>
+    <p:extLst>
+      <p:ext uri="{BB962C8B-B14F-4D97-AF65-F5344CB8AC3E}">
+        <p14:creationId xmlns:p14="http://schemas.microsoft.com/office/powerpoint/2010/main" val="3416406909"/>
+      </p:ext>
+    </p:extLst>
+  </p:cSld>
+  <p:clrMapOvr>
+    <a:masterClrMapping/>
+  </p:clrMapOvr>
+</p:sld>
+</file>
+
+<file path=ppt/slides/slide5.xml><?xml version="1.0" encoding="utf-8"?>
+<p:sld xmlns:a="http://schemas.openxmlformats.org/drawingml/2006/main" xmlns:r="http://schemas.openxmlformats.org/officeDocument/2006/relationships" xmlns:p="http://schemas.openxmlformats.org/presentationml/2006/main">
+  <p:cSld>
+    <p:spTree>
+      <p:nvGrpSpPr>
+        <p:cNvPr id="1" name="">
+          <a:extLst>
+            <a:ext uri="{FF2B5EF4-FFF2-40B4-BE49-F238E27FC236}">
+              <a16:creationId xmlns:a16="http://schemas.microsoft.com/office/drawing/2014/main" id="{1C0415A1-DD56-D95A-0EF8-D1CB0158D8DF}"/>
+            </a:ext>
+          </a:extLst>
+        </p:cNvPr>
+        <p:cNvGrpSpPr/>
+        <p:nvPr/>
+      </p:nvGrpSpPr>
+      <p:grpSpPr>
+        <a:xfrm>
+          <a:off x="0" y="0"/>
+          <a:ext cx="0" cy="0"/>
+          <a:chOff x="0" y="0"/>
+          <a:chExt cx="0" cy="0"/>
+        </a:xfrm>
+      </p:grpSpPr>
+    </p:spTree>
+    <p:extLst>
+      <p:ext uri="{BB962C8B-B14F-4D97-AF65-F5344CB8AC3E}">
+        <p14:creationId xmlns:p14="http://schemas.microsoft.com/office/powerpoint/2010/main" val="2190933413"/>
+      </p:ext>
+    </p:extLst>
+  </p:cSld>
+  <p:clrMapOvr>
+    <a:masterClrMapping/>
+  </p:clrMapOvr>
+</p:sld>
+</file>
+
+<file path=ppt/slides/slide6.xml><?xml version="1.0" encoding="utf-8"?>
+<p:sld xmlns:a="http://schemas.openxmlformats.org/drawingml/2006/main" xmlns:r="http://schemas.openxmlformats.org/officeDocument/2006/relationships" xmlns:p="http://schemas.openxmlformats.org/presentationml/2006/main">
+  <p:cSld>
+    <p:spTree>
+      <p:nvGrpSpPr>
+        <p:cNvPr id="1" name="">
+          <a:extLst>
+            <a:ext uri="{FF2B5EF4-FFF2-40B4-BE49-F238E27FC236}">
+              <a16:creationId xmlns:a16="http://schemas.microsoft.com/office/drawing/2014/main" id="{260C3A1A-A5DE-534F-A137-EA11F5590A50}"/>
+            </a:ext>
+          </a:extLst>
+        </p:cNvPr>
+        <p:cNvGrpSpPr/>
+        <p:nvPr/>
+      </p:nvGrpSpPr>
+      <p:grpSpPr>
+        <a:xfrm>
+          <a:off x="0" y="0"/>
+          <a:ext cx="0" cy="0"/>
+          <a:chOff x="0" y="0"/>
+          <a:chExt cx="0" cy="0"/>
+        </a:xfrm>
+      </p:grpSpPr>
+    </p:spTree>
+    <p:extLst>
+      <p:ext uri="{BB962C8B-B14F-4D97-AF65-F5344CB8AC3E}">
+        <p14:creationId xmlns:p14="http://schemas.microsoft.com/office/powerpoint/2010/main" val="290273321"/>
+      </p:ext>
+    </p:extLst>
+  </p:cSld>
+  <p:clrMapOvr>
+    <a:masterClrMapping/>
+  </p:clrMapOvr>
+</p:sld>
+</file>
+
+<file path=ppt/slides/slide7.xml><?xml version="1.0" encoding="utf-8"?>
+<p:sld xmlns:a="http://schemas.openxmlformats.org/drawingml/2006/main" xmlns:r="http://schemas.openxmlformats.org/officeDocument/2006/relationships" xmlns:p="http://schemas.openxmlformats.org/presentationml/2006/main">
+  <p:cSld>
+    <p:spTree>
+      <p:nvGrpSpPr>
+        <p:cNvPr id="1" name="">
+          <a:extLst>
+            <a:ext uri="{FF2B5EF4-FFF2-40B4-BE49-F238E27FC236}">
+              <a16:creationId xmlns:a16="http://schemas.microsoft.com/office/drawing/2014/main" id="{2B2DF562-AE33-F091-2C4F-9C78BACA0E6C}"/>
+            </a:ext>
+          </a:extLst>
+        </p:cNvPr>
+        <p:cNvGrpSpPr/>
+        <p:nvPr/>
+      </p:nvGrpSpPr>
+      <p:grpSpPr>
+        <a:xfrm>
+          <a:off x="0" y="0"/>
+          <a:ext cx="0" cy="0"/>
+          <a:chOff x="0" y="0"/>
+          <a:chExt cx="0" cy="0"/>
+        </a:xfrm>
+      </p:grpSpPr>
+    </p:spTree>
+    <p:extLst>
+      <p:ext uri="{BB962C8B-B14F-4D97-AF65-F5344CB8AC3E}">
+        <p14:creationId xmlns:p14="http://schemas.microsoft.com/office/powerpoint/2010/main" val="713177101"/>
+      </p:ext>
+    </p:extLst>
+  </p:cSld>
+  <p:clrMapOvr>
+    <a:masterClrMapping/>
+  </p:clrMapOvr>
+</p:sld>
+</file>
+
+<file path=ppt/slides/slide8.xml><?xml version="1.0" encoding="utf-8"?>
+<p:sld xmlns:a="http://schemas.openxmlformats.org/drawingml/2006/main" xmlns:r="http://schemas.openxmlformats.org/officeDocument/2006/relationships" xmlns:p="http://schemas.openxmlformats.org/presentationml/2006/main">
+  <p:cSld>
+    <p:spTree>
+      <p:nvGrpSpPr>
+        <p:cNvPr id="1" name="">
+          <a:extLst>
+            <a:ext uri="{FF2B5EF4-FFF2-40B4-BE49-F238E27FC236}">
+              <a16:creationId xmlns:a16="http://schemas.microsoft.com/office/drawing/2014/main" id="{0571F5BB-3EDC-51D3-29EA-61BDF0E03F14}"/>
+            </a:ext>
+          </a:extLst>
+        </p:cNvPr>
+        <p:cNvGrpSpPr/>
+        <p:nvPr/>
+      </p:nvGrpSpPr>
+      <p:grpSpPr>
+        <a:xfrm>
+          <a:off x="0" y="0"/>
+          <a:ext cx="0" cy="0"/>
+          <a:chOff x="0" y="0"/>
+          <a:chExt cx="0" cy="0"/>
+        </a:xfrm>
+      </p:grpSpPr>
+    </p:spTree>
+    <p:extLst>
+      <p:ext uri="{BB962C8B-B14F-4D97-AF65-F5344CB8AC3E}">
+        <p14:creationId xmlns:p14="http://schemas.microsoft.com/office/powerpoint/2010/main" val="4084525058"/>
+      </p:ext>
+    </p:extLst>
+  </p:cSld>
+  <p:clrMapOvr>
+    <a:masterClrMapping/>
+  </p:clrMapOvr>
+</p:sld>
+</file>
+
+<file path=ppt/slides/slide9.xml><?xml version="1.0" encoding="utf-8"?>
+<p:sld xmlns:a="http://schemas.openxmlformats.org/drawingml/2006/main" xmlns:r="http://schemas.openxmlformats.org/officeDocument/2006/relationships" xmlns:p="http://schemas.openxmlformats.org/presentationml/2006/main">
+  <p:cSld>
+    <p:spTree>
+      <p:nvGrpSpPr>
+        <p:cNvPr id="1" name="">
+          <a:extLst>
+            <a:ext uri="{FF2B5EF4-FFF2-40B4-BE49-F238E27FC236}">
+              <a16:creationId xmlns:a16="http://schemas.microsoft.com/office/drawing/2014/main" id="{1C4022D9-641D-71A7-D7DC-3570C5E6FD63}"/>
+            </a:ext>
+          </a:extLst>
+        </p:cNvPr>
+        <p:cNvGrpSpPr/>
+        <p:nvPr/>
+      </p:nvGrpSpPr>
+      <p:grpSpPr>
+        <a:xfrm>
+          <a:off x="0" y="0"/>
+          <a:ext cx="0" cy="0"/>
+          <a:chOff x="0" y="0"/>
+          <a:chExt cx="0" cy="0"/>
+        </a:xfrm>
+      </p:grpSpPr>
+    </p:spTree>
+    <p:extLst>
+      <p:ext uri="{BB962C8B-B14F-4D97-AF65-F5344CB8AC3E}">
+        <p14:creationId xmlns:p14="http://schemas.microsoft.com/office/powerpoint/2010/main" val="2371331095"/>
       </p:ext>
     </p:extLst>
   </p:cSld>

--- a/Figures/Final/Figure Edits.pptx
+++ b/Figures/Final/Figure Edits.pptx
@@ -6,10 +6,10 @@
   </p:sldMasterIdLst>
   <p:sldIdLst>
     <p:sldId id="256" r:id="rId2"/>
-    <p:sldId id="257" r:id="rId3"/>
-    <p:sldId id="258" r:id="rId4"/>
-    <p:sldId id="259" r:id="rId5"/>
-    <p:sldId id="260" r:id="rId6"/>
+    <p:sldId id="260" r:id="rId3"/>
+    <p:sldId id="257" r:id="rId4"/>
+    <p:sldId id="258" r:id="rId5"/>
+    <p:sldId id="259" r:id="rId6"/>
     <p:sldId id="261" r:id="rId7"/>
     <p:sldId id="262" r:id="rId8"/>
     <p:sldId id="263" r:id="rId9"/>
@@ -271,7 +271,7 @@
           <a:p>
             <a:fld id="{89ACA6FD-605E-624E-819A-5AEF303D7F38}" type="datetimeFigureOut">
               <a:rPr lang="en-US" smtClean="0"/>
-              <a:t>4/25/25</a:t>
+              <a:t>4/27/25</a:t>
             </a:fld>
             <a:endParaRPr lang="en-US"/>
           </a:p>
@@ -469,7 +469,7 @@
           <a:p>
             <a:fld id="{89ACA6FD-605E-624E-819A-5AEF303D7F38}" type="datetimeFigureOut">
               <a:rPr lang="en-US" smtClean="0"/>
-              <a:t>4/25/25</a:t>
+              <a:t>4/27/25</a:t>
             </a:fld>
             <a:endParaRPr lang="en-US"/>
           </a:p>
@@ -677,7 +677,7 @@
           <a:p>
             <a:fld id="{89ACA6FD-605E-624E-819A-5AEF303D7F38}" type="datetimeFigureOut">
               <a:rPr lang="en-US" smtClean="0"/>
-              <a:t>4/25/25</a:t>
+              <a:t>4/27/25</a:t>
             </a:fld>
             <a:endParaRPr lang="en-US"/>
           </a:p>
@@ -875,7 +875,7 @@
           <a:p>
             <a:fld id="{89ACA6FD-605E-624E-819A-5AEF303D7F38}" type="datetimeFigureOut">
               <a:rPr lang="en-US" smtClean="0"/>
-              <a:t>4/25/25</a:t>
+              <a:t>4/27/25</a:t>
             </a:fld>
             <a:endParaRPr lang="en-US"/>
           </a:p>
@@ -1150,7 +1150,7 @@
           <a:p>
             <a:fld id="{89ACA6FD-605E-624E-819A-5AEF303D7F38}" type="datetimeFigureOut">
               <a:rPr lang="en-US" smtClean="0"/>
-              <a:t>4/25/25</a:t>
+              <a:t>4/27/25</a:t>
             </a:fld>
             <a:endParaRPr lang="en-US"/>
           </a:p>
@@ -1415,7 +1415,7 @@
           <a:p>
             <a:fld id="{89ACA6FD-605E-624E-819A-5AEF303D7F38}" type="datetimeFigureOut">
               <a:rPr lang="en-US" smtClean="0"/>
-              <a:t>4/25/25</a:t>
+              <a:t>4/27/25</a:t>
             </a:fld>
             <a:endParaRPr lang="en-US"/>
           </a:p>
@@ -1827,7 +1827,7 @@
           <a:p>
             <a:fld id="{89ACA6FD-605E-624E-819A-5AEF303D7F38}" type="datetimeFigureOut">
               <a:rPr lang="en-US" smtClean="0"/>
-              <a:t>4/25/25</a:t>
+              <a:t>4/27/25</a:t>
             </a:fld>
             <a:endParaRPr lang="en-US"/>
           </a:p>
@@ -1968,7 +1968,7 @@
           <a:p>
             <a:fld id="{89ACA6FD-605E-624E-819A-5AEF303D7F38}" type="datetimeFigureOut">
               <a:rPr lang="en-US" smtClean="0"/>
-              <a:t>4/25/25</a:t>
+              <a:t>4/27/25</a:t>
             </a:fld>
             <a:endParaRPr lang="en-US"/>
           </a:p>
@@ -2081,7 +2081,7 @@
           <a:p>
             <a:fld id="{89ACA6FD-605E-624E-819A-5AEF303D7F38}" type="datetimeFigureOut">
               <a:rPr lang="en-US" smtClean="0"/>
-              <a:t>4/25/25</a:t>
+              <a:t>4/27/25</a:t>
             </a:fld>
             <a:endParaRPr lang="en-US"/>
           </a:p>
@@ -2392,7 +2392,7 @@
           <a:p>
             <a:fld id="{89ACA6FD-605E-624E-819A-5AEF303D7F38}" type="datetimeFigureOut">
               <a:rPr lang="en-US" smtClean="0"/>
-              <a:t>4/25/25</a:t>
+              <a:t>4/27/25</a:t>
             </a:fld>
             <a:endParaRPr lang="en-US"/>
           </a:p>
@@ -2680,7 +2680,7 @@
           <a:p>
             <a:fld id="{89ACA6FD-605E-624E-819A-5AEF303D7F38}" type="datetimeFigureOut">
               <a:rPr lang="en-US" smtClean="0"/>
-              <a:t>4/25/25</a:t>
+              <a:t>4/27/25</a:t>
             </a:fld>
             <a:endParaRPr lang="en-US"/>
           </a:p>
@@ -2921,7 +2921,7 @@
           <a:p>
             <a:fld id="{89ACA6FD-605E-624E-819A-5AEF303D7F38}" type="datetimeFigureOut">
               <a:rPr lang="en-US" smtClean="0"/>
-              <a:t>4/25/25</a:t>
+              <a:t>4/27/25</a:t>
             </a:fld>
             <a:endParaRPr lang="en-US"/>
           </a:p>
@@ -3412,7 +3412,7 @@
             </a:prstGeom>
             <a:ln w="19050" cap="flat" cmpd="sng" algn="ctr">
               <a:solidFill>
-                <a:schemeClr val="tx1"/>
+                <a:srgbClr val="FFC000"/>
               </a:solidFill>
               <a:prstDash val="dash"/>
               <a:round/>
@@ -3459,7 +3459,7 @@
             </a:prstGeom>
             <a:ln w="19050" cap="flat" cmpd="sng" algn="ctr">
               <a:solidFill>
-                <a:schemeClr val="tx1"/>
+                <a:srgbClr val="FFC000"/>
               </a:solidFill>
               <a:prstDash val="dash"/>
               <a:round/>
@@ -3512,6 +3512,9 @@
             <a:p>
               <a:r>
                 <a:rPr lang="en-US" b="1" dirty="0">
+                  <a:solidFill>
+                    <a:srgbClr val="FFC000"/>
+                  </a:solidFill>
                   <a:latin typeface="Times New Roman" panose="02020603050405020304" pitchFamily="18" charset="0"/>
                   <a:cs typeface="Times New Roman" panose="02020603050405020304" pitchFamily="18" charset="0"/>
                 </a:rPr>
@@ -3550,6 +3553,9 @@
             <a:p>
               <a:r>
                 <a:rPr lang="en-US" b="1" dirty="0">
+                  <a:solidFill>
+                    <a:srgbClr val="FFC000"/>
+                  </a:solidFill>
                   <a:latin typeface="Times New Roman" panose="02020603050405020304" pitchFamily="18" charset="0"/>
                   <a:cs typeface="Times New Roman" panose="02020603050405020304" pitchFamily="18" charset="0"/>
                 </a:rPr>
@@ -3588,6 +3594,9 @@
             <a:p>
               <a:r>
                 <a:rPr lang="en-US" b="1" dirty="0">
+                  <a:solidFill>
+                    <a:srgbClr val="FFC000"/>
+                  </a:solidFill>
                   <a:latin typeface="Times New Roman" panose="02020603050405020304" pitchFamily="18" charset="0"/>
                   <a:cs typeface="Times New Roman" panose="02020603050405020304" pitchFamily="18" charset="0"/>
                 </a:rPr>
@@ -4218,6 +4227,316 @@
   <p:cSld>
     <p:spTree>
       <p:nvGrpSpPr>
+        <p:cNvPr id="1" name="">
+          <a:extLst>
+            <a:ext uri="{FF2B5EF4-FFF2-40B4-BE49-F238E27FC236}">
+              <a16:creationId xmlns:a16="http://schemas.microsoft.com/office/drawing/2014/main" id="{1C0415A1-DD56-D95A-0EF8-D1CB0158D8DF}"/>
+            </a:ext>
+          </a:extLst>
+        </p:cNvPr>
+        <p:cNvGrpSpPr/>
+        <p:nvPr/>
+      </p:nvGrpSpPr>
+      <p:grpSpPr>
+        <a:xfrm>
+          <a:off x="0" y="0"/>
+          <a:ext cx="0" cy="0"/>
+          <a:chOff x="0" y="0"/>
+          <a:chExt cx="0" cy="0"/>
+        </a:xfrm>
+      </p:grpSpPr>
+      <p:pic>
+        <p:nvPicPr>
+          <p:cNvPr id="7" name="Picture 6">
+            <a:extLst>
+              <a:ext uri="{FF2B5EF4-FFF2-40B4-BE49-F238E27FC236}">
+                <a16:creationId xmlns:a16="http://schemas.microsoft.com/office/drawing/2014/main" id="{B9781A35-58F0-5BA6-CED8-2824B6824C5F}"/>
+              </a:ext>
+            </a:extLst>
+          </p:cNvPr>
+          <p:cNvPicPr>
+            <a:picLocks noChangeAspect="1"/>
+          </p:cNvPicPr>
+          <p:nvPr/>
+        </p:nvPicPr>
+        <p:blipFill>
+          <a:blip r:embed="rId2"/>
+          <a:stretch>
+            <a:fillRect/>
+          </a:stretch>
+        </p:blipFill>
+        <p:spPr>
+          <a:xfrm>
+            <a:off x="6414927" y="2044903"/>
+            <a:ext cx="3161797" cy="1723489"/>
+          </a:xfrm>
+          <a:prstGeom prst="rect">
+            <a:avLst/>
+          </a:prstGeom>
+        </p:spPr>
+      </p:pic>
+      <p:grpSp>
+        <p:nvGrpSpPr>
+          <p:cNvPr id="15" name="Group 14">
+            <a:extLst>
+              <a:ext uri="{FF2B5EF4-FFF2-40B4-BE49-F238E27FC236}">
+                <a16:creationId xmlns:a16="http://schemas.microsoft.com/office/drawing/2014/main" id="{6304DD12-6B64-D906-34E3-9D30D87C917A}"/>
+              </a:ext>
+            </a:extLst>
+          </p:cNvPr>
+          <p:cNvGrpSpPr/>
+          <p:nvPr/>
+        </p:nvGrpSpPr>
+        <p:grpSpPr>
+          <a:xfrm>
+            <a:off x="2106607" y="925991"/>
+            <a:ext cx="3397958" cy="4723884"/>
+            <a:chOff x="2106607" y="925991"/>
+            <a:chExt cx="3397958" cy="4723884"/>
+          </a:xfrm>
+        </p:grpSpPr>
+        <p:grpSp>
+          <p:nvGrpSpPr>
+            <p:cNvPr id="10" name="Group 9">
+              <a:extLst>
+                <a:ext uri="{FF2B5EF4-FFF2-40B4-BE49-F238E27FC236}">
+                  <a16:creationId xmlns:a16="http://schemas.microsoft.com/office/drawing/2014/main" id="{72515CC0-2092-E04A-6339-DD49582976C2}"/>
+                </a:ext>
+              </a:extLst>
+            </p:cNvPr>
+            <p:cNvGrpSpPr/>
+            <p:nvPr/>
+          </p:nvGrpSpPr>
+          <p:grpSpPr>
+            <a:xfrm>
+              <a:off x="2342769" y="956944"/>
+              <a:ext cx="3161796" cy="4692931"/>
+              <a:chOff x="1628205" y="206046"/>
+              <a:chExt cx="3161796" cy="4692931"/>
+            </a:xfrm>
+          </p:grpSpPr>
+          <p:pic>
+            <p:nvPicPr>
+              <p:cNvPr id="3" name="Picture 2">
+                <a:extLst>
+                  <a:ext uri="{FF2B5EF4-FFF2-40B4-BE49-F238E27FC236}">
+                    <a16:creationId xmlns:a16="http://schemas.microsoft.com/office/drawing/2014/main" id="{A0D509A4-659A-66B2-7245-B54A51965C96}"/>
+                  </a:ext>
+                </a:extLst>
+              </p:cNvPr>
+              <p:cNvPicPr>
+                <a:picLocks noChangeAspect="1"/>
+              </p:cNvPicPr>
+              <p:nvPr/>
+            </p:nvPicPr>
+            <p:blipFill>
+              <a:blip r:embed="rId3"/>
+              <a:stretch>
+                <a:fillRect/>
+              </a:stretch>
+            </p:blipFill>
+            <p:spPr>
+              <a:xfrm>
+                <a:off x="1628205" y="3175488"/>
+                <a:ext cx="3161796" cy="1723489"/>
+              </a:xfrm>
+              <a:prstGeom prst="rect">
+                <a:avLst/>
+              </a:prstGeom>
+            </p:spPr>
+          </p:pic>
+          <p:pic>
+            <p:nvPicPr>
+              <p:cNvPr id="5" name="Picture 4">
+                <a:extLst>
+                  <a:ext uri="{FF2B5EF4-FFF2-40B4-BE49-F238E27FC236}">
+                    <a16:creationId xmlns:a16="http://schemas.microsoft.com/office/drawing/2014/main" id="{B8AF1C94-BF75-3B0E-0102-779043F78E4C}"/>
+                  </a:ext>
+                </a:extLst>
+              </p:cNvPr>
+              <p:cNvPicPr>
+                <a:picLocks noChangeAspect="1"/>
+              </p:cNvPicPr>
+              <p:nvPr/>
+            </p:nvPicPr>
+            <p:blipFill>
+              <a:blip r:embed="rId4"/>
+              <a:srcRect b="13834"/>
+              <a:stretch/>
+            </p:blipFill>
+            <p:spPr>
+              <a:xfrm>
+                <a:off x="1628206" y="1691780"/>
+                <a:ext cx="3161795" cy="1485059"/>
+              </a:xfrm>
+              <a:prstGeom prst="rect">
+                <a:avLst/>
+              </a:prstGeom>
+            </p:spPr>
+          </p:pic>
+          <p:pic>
+            <p:nvPicPr>
+              <p:cNvPr id="9" name="Picture 8">
+                <a:extLst>
+                  <a:ext uri="{FF2B5EF4-FFF2-40B4-BE49-F238E27FC236}">
+                    <a16:creationId xmlns:a16="http://schemas.microsoft.com/office/drawing/2014/main" id="{B2104AA7-F7A1-2EA0-636B-A8670AED29A7}"/>
+                  </a:ext>
+                </a:extLst>
+              </p:cNvPr>
+              <p:cNvPicPr>
+                <a:picLocks noChangeAspect="1"/>
+              </p:cNvPicPr>
+              <p:nvPr/>
+            </p:nvPicPr>
+            <p:blipFill>
+              <a:blip r:embed="rId5"/>
+              <a:srcRect b="13834"/>
+              <a:stretch/>
+            </p:blipFill>
+            <p:spPr>
+              <a:xfrm>
+                <a:off x="1628205" y="206046"/>
+                <a:ext cx="3161795" cy="1485059"/>
+              </a:xfrm>
+              <a:prstGeom prst="rect">
+                <a:avLst/>
+              </a:prstGeom>
+            </p:spPr>
+          </p:pic>
+        </p:grpSp>
+        <p:sp>
+          <p:nvSpPr>
+            <p:cNvPr id="11" name="TextBox 10">
+              <a:extLst>
+                <a:ext uri="{FF2B5EF4-FFF2-40B4-BE49-F238E27FC236}">
+                  <a16:creationId xmlns:a16="http://schemas.microsoft.com/office/drawing/2014/main" id="{060C433C-4790-F276-280C-032C8F32F5DF}"/>
+                </a:ext>
+              </a:extLst>
+            </p:cNvPr>
+            <p:cNvSpPr txBox="1"/>
+            <p:nvPr/>
+          </p:nvSpPr>
+          <p:spPr>
+            <a:xfrm>
+              <a:off x="2106607" y="925991"/>
+              <a:ext cx="429950" cy="276999"/>
+            </a:xfrm>
+            <a:prstGeom prst="rect">
+              <a:avLst/>
+            </a:prstGeom>
+            <a:noFill/>
+          </p:spPr>
+          <p:txBody>
+            <a:bodyPr wrap="square" rtlCol="0">
+              <a:spAutoFit/>
+            </a:bodyPr>
+            <a:lstStyle/>
+            <a:p>
+              <a:r>
+                <a:rPr lang="en-US" sz="1200" dirty="0">
+                  <a:latin typeface="Times New Roman" panose="02020603050405020304" pitchFamily="18" charset="0"/>
+                  <a:cs typeface="Times New Roman" panose="02020603050405020304" pitchFamily="18" charset="0"/>
+                </a:rPr>
+                <a:t>(a)</a:t>
+              </a:r>
+            </a:p>
+          </p:txBody>
+        </p:sp>
+        <p:sp>
+          <p:nvSpPr>
+            <p:cNvPr id="13" name="TextBox 12">
+              <a:extLst>
+                <a:ext uri="{FF2B5EF4-FFF2-40B4-BE49-F238E27FC236}">
+                  <a16:creationId xmlns:a16="http://schemas.microsoft.com/office/drawing/2014/main" id="{10D05A76-D108-D74F-158B-3314C8B23300}"/>
+                </a:ext>
+              </a:extLst>
+            </p:cNvPr>
+            <p:cNvSpPr txBox="1"/>
+            <p:nvPr/>
+          </p:nvSpPr>
+          <p:spPr>
+            <a:xfrm>
+              <a:off x="2106607" y="2409699"/>
+              <a:ext cx="429950" cy="276999"/>
+            </a:xfrm>
+            <a:prstGeom prst="rect">
+              <a:avLst/>
+            </a:prstGeom>
+            <a:noFill/>
+          </p:spPr>
+          <p:txBody>
+            <a:bodyPr wrap="square" rtlCol="0">
+              <a:spAutoFit/>
+            </a:bodyPr>
+            <a:lstStyle/>
+            <a:p>
+              <a:r>
+                <a:rPr lang="en-US" sz="1200" dirty="0">
+                  <a:latin typeface="Times New Roman" panose="02020603050405020304" pitchFamily="18" charset="0"/>
+                  <a:cs typeface="Times New Roman" panose="02020603050405020304" pitchFamily="18" charset="0"/>
+                </a:rPr>
+                <a:t>(b)</a:t>
+              </a:r>
+            </a:p>
+          </p:txBody>
+        </p:sp>
+        <p:sp>
+          <p:nvSpPr>
+            <p:cNvPr id="14" name="TextBox 13">
+              <a:extLst>
+                <a:ext uri="{FF2B5EF4-FFF2-40B4-BE49-F238E27FC236}">
+                  <a16:creationId xmlns:a16="http://schemas.microsoft.com/office/drawing/2014/main" id="{83722DA3-91E3-DD1B-BA5A-F6FE5ACF3AF0}"/>
+                </a:ext>
+              </a:extLst>
+            </p:cNvPr>
+            <p:cNvSpPr txBox="1"/>
+            <p:nvPr/>
+          </p:nvSpPr>
+          <p:spPr>
+            <a:xfrm>
+              <a:off x="2106607" y="3893407"/>
+              <a:ext cx="429950" cy="276999"/>
+            </a:xfrm>
+            <a:prstGeom prst="rect">
+              <a:avLst/>
+            </a:prstGeom>
+            <a:noFill/>
+          </p:spPr>
+          <p:txBody>
+            <a:bodyPr wrap="square" rtlCol="0">
+              <a:spAutoFit/>
+            </a:bodyPr>
+            <a:lstStyle/>
+            <a:p>
+              <a:r>
+                <a:rPr lang="en-US" sz="1200" dirty="0">
+                  <a:latin typeface="Times New Roman" panose="02020603050405020304" pitchFamily="18" charset="0"/>
+                  <a:cs typeface="Times New Roman" panose="02020603050405020304" pitchFamily="18" charset="0"/>
+                </a:rPr>
+                <a:t>(c)</a:t>
+              </a:r>
+            </a:p>
+          </p:txBody>
+        </p:sp>
+      </p:grpSp>
+    </p:spTree>
+    <p:extLst>
+      <p:ext uri="{BB962C8B-B14F-4D97-AF65-F5344CB8AC3E}">
+        <p14:creationId xmlns:p14="http://schemas.microsoft.com/office/powerpoint/2010/main" val="2190933413"/>
+      </p:ext>
+    </p:extLst>
+  </p:cSld>
+  <p:clrMapOvr>
+    <a:masterClrMapping/>
+  </p:clrMapOvr>
+</p:sld>
+</file>
+
+<file path=ppt/slides/slide3.xml><?xml version="1.0" encoding="utf-8"?>
+<p:sld xmlns:a="http://schemas.openxmlformats.org/drawingml/2006/main" xmlns:r="http://schemas.openxmlformats.org/officeDocument/2006/relationships" xmlns:p="http://schemas.openxmlformats.org/presentationml/2006/main">
+  <p:cSld>
+    <p:spTree>
+      <p:nvGrpSpPr>
         <p:cNvPr id="1" name=""/>
         <p:cNvGrpSpPr/>
         <p:nvPr/>
@@ -4230,6 +4549,406 @@
           <a:chExt cx="0" cy="0"/>
         </a:xfrm>
       </p:grpSpPr>
+      <p:sp>
+        <p:nvSpPr>
+          <p:cNvPr id="8" name="TextBox 7">
+            <a:extLst>
+              <a:ext uri="{FF2B5EF4-FFF2-40B4-BE49-F238E27FC236}">
+                <a16:creationId xmlns:a16="http://schemas.microsoft.com/office/drawing/2014/main" id="{8BC7150D-69EA-567C-9CB9-839C9DC4DE0B}"/>
+              </a:ext>
+            </a:extLst>
+          </p:cNvPr>
+          <p:cNvSpPr txBox="1"/>
+          <p:nvPr/>
+        </p:nvSpPr>
+        <p:spPr>
+          <a:xfrm>
+            <a:off x="2579697" y="230222"/>
+            <a:ext cx="2248843" cy="646331"/>
+          </a:xfrm>
+          <a:prstGeom prst="rect">
+            <a:avLst/>
+          </a:prstGeom>
+          <a:noFill/>
+        </p:spPr>
+        <p:txBody>
+          <a:bodyPr wrap="square" rtlCol="0">
+            <a:spAutoFit/>
+          </a:bodyPr>
+          <a:lstStyle/>
+          <a:p>
+            <a:r>
+              <a:rPr lang="en-US" dirty="0"/>
+              <a:t>Experiment vs Simulated</a:t>
+            </a:r>
+          </a:p>
+        </p:txBody>
+      </p:sp>
+      <p:grpSp>
+        <p:nvGrpSpPr>
+          <p:cNvPr id="11" name="Group 10">
+            <a:extLst>
+              <a:ext uri="{FF2B5EF4-FFF2-40B4-BE49-F238E27FC236}">
+                <a16:creationId xmlns:a16="http://schemas.microsoft.com/office/drawing/2014/main" id="{0A05712A-9FBF-AF22-7EEC-D088DF9780B5}"/>
+              </a:ext>
+            </a:extLst>
+          </p:cNvPr>
+          <p:cNvGrpSpPr/>
+          <p:nvPr/>
+        </p:nvGrpSpPr>
+        <p:grpSpPr>
+          <a:xfrm>
+            <a:off x="6105917" y="1078835"/>
+            <a:ext cx="5643118" cy="4700330"/>
+            <a:chOff x="1089062" y="545709"/>
+            <a:chExt cx="6222499" cy="5182915"/>
+          </a:xfrm>
+        </p:grpSpPr>
+        <p:pic>
+          <p:nvPicPr>
+            <p:cNvPr id="3" name="Picture 2">
+              <a:extLst>
+                <a:ext uri="{FF2B5EF4-FFF2-40B4-BE49-F238E27FC236}">
+                  <a16:creationId xmlns:a16="http://schemas.microsoft.com/office/drawing/2014/main" id="{D39F8357-86F3-1634-4244-70C6A2D04567}"/>
+                </a:ext>
+              </a:extLst>
+            </p:cNvPr>
+            <p:cNvPicPr>
+              <a:picLocks noChangeAspect="1"/>
+            </p:cNvPicPr>
+            <p:nvPr/>
+          </p:nvPicPr>
+          <p:blipFill>
+            <a:blip r:embed="rId2"/>
+            <a:srcRect r="21593" b="21776"/>
+            <a:stretch/>
+          </p:blipFill>
+          <p:spPr>
+            <a:xfrm>
+              <a:off x="1130687" y="2144045"/>
+              <a:ext cx="4846219" cy="1586224"/>
+            </a:xfrm>
+            <a:prstGeom prst="rect">
+              <a:avLst/>
+            </a:prstGeom>
+          </p:spPr>
+        </p:pic>
+        <p:pic>
+          <p:nvPicPr>
+            <p:cNvPr id="7" name="Picture 6">
+              <a:extLst>
+                <a:ext uri="{FF2B5EF4-FFF2-40B4-BE49-F238E27FC236}">
+                  <a16:creationId xmlns:a16="http://schemas.microsoft.com/office/drawing/2014/main" id="{450C6C33-5935-E8CD-24D2-BC377A62E1D9}"/>
+                </a:ext>
+              </a:extLst>
+            </p:cNvPr>
+            <p:cNvPicPr>
+              <a:picLocks noChangeAspect="1"/>
+            </p:cNvPicPr>
+            <p:nvPr/>
+          </p:nvPicPr>
+          <p:blipFill>
+            <a:blip r:embed="rId3"/>
+            <a:srcRect b="21776"/>
+            <a:stretch/>
+          </p:blipFill>
+          <p:spPr>
+            <a:xfrm>
+              <a:off x="1198930" y="545709"/>
+              <a:ext cx="6112631" cy="1586224"/>
+            </a:xfrm>
+            <a:prstGeom prst="rect">
+              <a:avLst/>
+            </a:prstGeom>
+          </p:spPr>
+        </p:pic>
+        <p:grpSp>
+          <p:nvGrpSpPr>
+            <p:cNvPr id="10" name="Group 9">
+              <a:extLst>
+                <a:ext uri="{FF2B5EF4-FFF2-40B4-BE49-F238E27FC236}">
+                  <a16:creationId xmlns:a16="http://schemas.microsoft.com/office/drawing/2014/main" id="{132C6EAA-A542-D825-4C0A-68A877A48401}"/>
+                </a:ext>
+              </a:extLst>
+            </p:cNvPr>
+            <p:cNvGrpSpPr/>
+            <p:nvPr/>
+          </p:nvGrpSpPr>
+          <p:grpSpPr>
+            <a:xfrm>
+              <a:off x="1089062" y="3724213"/>
+              <a:ext cx="4938656" cy="2004411"/>
+              <a:chOff x="1089062" y="3966437"/>
+              <a:chExt cx="4929468" cy="2000682"/>
+            </a:xfrm>
+          </p:grpSpPr>
+          <p:pic>
+            <p:nvPicPr>
+              <p:cNvPr id="5" name="Picture 4">
+                <a:extLst>
+                  <a:ext uri="{FF2B5EF4-FFF2-40B4-BE49-F238E27FC236}">
+                    <a16:creationId xmlns:a16="http://schemas.microsoft.com/office/drawing/2014/main" id="{F400788F-708E-9303-5A09-0464B7840EF6}"/>
+                  </a:ext>
+                </a:extLst>
+              </p:cNvPr>
+              <p:cNvPicPr>
+                <a:picLocks noChangeAspect="1"/>
+              </p:cNvPicPr>
+              <p:nvPr/>
+            </p:nvPicPr>
+            <p:blipFill>
+              <a:blip r:embed="rId4"/>
+              <a:srcRect t="7476" r="20675"/>
+              <a:stretch/>
+            </p:blipFill>
+            <p:spPr>
+              <a:xfrm>
+                <a:off x="1089062" y="3966437"/>
+                <a:ext cx="4929468" cy="2000682"/>
+              </a:xfrm>
+              <a:prstGeom prst="rect">
+                <a:avLst/>
+              </a:prstGeom>
+            </p:spPr>
+          </p:pic>
+          <p:pic>
+            <p:nvPicPr>
+              <p:cNvPr id="9" name="Picture 8">
+                <a:extLst>
+                  <a:ext uri="{FF2B5EF4-FFF2-40B4-BE49-F238E27FC236}">
+                    <a16:creationId xmlns:a16="http://schemas.microsoft.com/office/drawing/2014/main" id="{3518DC9B-8C04-C748-71CF-3116E915DE92}"/>
+                  </a:ext>
+                </a:extLst>
+              </p:cNvPr>
+              <p:cNvPicPr>
+                <a:picLocks noChangeAspect="1"/>
+              </p:cNvPicPr>
+              <p:nvPr/>
+            </p:nvPicPr>
+            <p:blipFill>
+              <a:blip r:embed="rId4"/>
+              <a:srcRect l="8298" r="85271" b="91963"/>
+              <a:stretch/>
+            </p:blipFill>
+            <p:spPr>
+              <a:xfrm>
+                <a:off x="1641075" y="4010664"/>
+                <a:ext cx="357889" cy="155610"/>
+              </a:xfrm>
+              <a:prstGeom prst="rect">
+                <a:avLst/>
+              </a:prstGeom>
+            </p:spPr>
+          </p:pic>
+        </p:grpSp>
+      </p:grpSp>
+      <p:grpSp>
+        <p:nvGrpSpPr>
+          <p:cNvPr id="25" name="Group 24">
+            <a:extLst>
+              <a:ext uri="{FF2B5EF4-FFF2-40B4-BE49-F238E27FC236}">
+                <a16:creationId xmlns:a16="http://schemas.microsoft.com/office/drawing/2014/main" id="{F1028FA0-5510-13A1-2492-F8B1AC7A3ECE}"/>
+              </a:ext>
+            </a:extLst>
+          </p:cNvPr>
+          <p:cNvGrpSpPr/>
+          <p:nvPr/>
+        </p:nvGrpSpPr>
+        <p:grpSpPr>
+          <a:xfrm>
+            <a:off x="1175299" y="876553"/>
+            <a:ext cx="4968367" cy="4968367"/>
+            <a:chOff x="1018079" y="876553"/>
+            <a:chExt cx="4968367" cy="4968367"/>
+          </a:xfrm>
+        </p:grpSpPr>
+        <p:pic>
+          <p:nvPicPr>
+            <p:cNvPr id="19" name="Picture 18" descr="A graph of different colors and numbers&#10;&#10;AI-generated content may be incorrect.">
+              <a:extLst>
+                <a:ext uri="{FF2B5EF4-FFF2-40B4-BE49-F238E27FC236}">
+                  <a16:creationId xmlns:a16="http://schemas.microsoft.com/office/drawing/2014/main" id="{933E6184-5A34-1707-B90B-1158403AC2C4}"/>
+                </a:ext>
+              </a:extLst>
+            </p:cNvPr>
+            <p:cNvPicPr>
+              <a:picLocks noChangeAspect="1"/>
+            </p:cNvPicPr>
+            <p:nvPr/>
+          </p:nvPicPr>
+          <p:blipFill>
+            <a:blip r:embed="rId5"/>
+            <a:stretch>
+              <a:fillRect/>
+            </a:stretch>
+          </p:blipFill>
+          <p:spPr>
+            <a:xfrm>
+              <a:off x="1018079" y="876553"/>
+              <a:ext cx="4968367" cy="4968367"/>
+            </a:xfrm>
+            <a:prstGeom prst="rect">
+              <a:avLst/>
+            </a:prstGeom>
+          </p:spPr>
+        </p:pic>
+        <p:sp>
+          <p:nvSpPr>
+            <p:cNvPr id="22" name="Rectangle 21">
+              <a:extLst>
+                <a:ext uri="{FF2B5EF4-FFF2-40B4-BE49-F238E27FC236}">
+                  <a16:creationId xmlns:a16="http://schemas.microsoft.com/office/drawing/2014/main" id="{92DA51FE-B438-9345-59D8-317D08E758DB}"/>
+                </a:ext>
+              </a:extLst>
+            </p:cNvPr>
+            <p:cNvSpPr/>
+            <p:nvPr/>
+          </p:nvSpPr>
+          <p:spPr>
+            <a:xfrm>
+              <a:off x="1108180" y="910134"/>
+              <a:ext cx="224060" cy="205891"/>
+            </a:xfrm>
+            <a:prstGeom prst="rect">
+              <a:avLst/>
+            </a:prstGeom>
+            <a:solidFill>
+              <a:schemeClr val="bg1"/>
+            </a:solidFill>
+            <a:ln>
+              <a:noFill/>
+            </a:ln>
+          </p:spPr>
+          <p:style>
+            <a:lnRef idx="2">
+              <a:schemeClr val="accent1">
+                <a:shade val="15000"/>
+              </a:schemeClr>
+            </a:lnRef>
+            <a:fillRef idx="1">
+              <a:schemeClr val="accent1"/>
+            </a:fillRef>
+            <a:effectRef idx="0">
+              <a:schemeClr val="accent1"/>
+            </a:effectRef>
+            <a:fontRef idx="minor">
+              <a:schemeClr val="lt1"/>
+            </a:fontRef>
+          </p:style>
+          <p:txBody>
+            <a:bodyPr rtlCol="0" anchor="ctr"/>
+            <a:lstStyle/>
+            <a:p>
+              <a:pPr algn="ctr"/>
+              <a:endParaRPr lang="en-US"/>
+            </a:p>
+          </p:txBody>
+        </p:sp>
+        <p:sp>
+          <p:nvSpPr>
+            <p:cNvPr id="23" name="Rectangle 22">
+              <a:extLst>
+                <a:ext uri="{FF2B5EF4-FFF2-40B4-BE49-F238E27FC236}">
+                  <a16:creationId xmlns:a16="http://schemas.microsoft.com/office/drawing/2014/main" id="{9F881688-6360-676A-125A-1C87229BE475}"/>
+                </a:ext>
+              </a:extLst>
+            </p:cNvPr>
+            <p:cNvSpPr/>
+            <p:nvPr/>
+          </p:nvSpPr>
+          <p:spPr>
+            <a:xfrm>
+              <a:off x="1077902" y="2387707"/>
+              <a:ext cx="224060" cy="205891"/>
+            </a:xfrm>
+            <a:prstGeom prst="rect">
+              <a:avLst/>
+            </a:prstGeom>
+            <a:solidFill>
+              <a:schemeClr val="bg1"/>
+            </a:solidFill>
+            <a:ln>
+              <a:noFill/>
+            </a:ln>
+          </p:spPr>
+          <p:style>
+            <a:lnRef idx="2">
+              <a:schemeClr val="accent1">
+                <a:shade val="15000"/>
+              </a:schemeClr>
+            </a:lnRef>
+            <a:fillRef idx="1">
+              <a:schemeClr val="accent1"/>
+            </a:fillRef>
+            <a:effectRef idx="0">
+              <a:schemeClr val="accent1"/>
+            </a:effectRef>
+            <a:fontRef idx="minor">
+              <a:schemeClr val="lt1"/>
+            </a:fontRef>
+          </p:style>
+          <p:txBody>
+            <a:bodyPr rtlCol="0" anchor="ctr"/>
+            <a:lstStyle/>
+            <a:p>
+              <a:pPr algn="ctr"/>
+              <a:endParaRPr lang="en-US"/>
+            </a:p>
+          </p:txBody>
+        </p:sp>
+        <p:sp>
+          <p:nvSpPr>
+            <p:cNvPr id="24" name="Rectangle 23">
+              <a:extLst>
+                <a:ext uri="{FF2B5EF4-FFF2-40B4-BE49-F238E27FC236}">
+                  <a16:creationId xmlns:a16="http://schemas.microsoft.com/office/drawing/2014/main" id="{9E63626A-C0F2-0880-7195-0CA2B4C0E1A9}"/>
+                </a:ext>
+              </a:extLst>
+            </p:cNvPr>
+            <p:cNvSpPr/>
+            <p:nvPr/>
+          </p:nvSpPr>
+          <p:spPr>
+            <a:xfrm>
+              <a:off x="1077902" y="3901614"/>
+              <a:ext cx="224060" cy="205891"/>
+            </a:xfrm>
+            <a:prstGeom prst="rect">
+              <a:avLst/>
+            </a:prstGeom>
+            <a:solidFill>
+              <a:schemeClr val="bg1"/>
+            </a:solidFill>
+            <a:ln>
+              <a:noFill/>
+            </a:ln>
+          </p:spPr>
+          <p:style>
+            <a:lnRef idx="2">
+              <a:schemeClr val="accent1">
+                <a:shade val="15000"/>
+              </a:schemeClr>
+            </a:lnRef>
+            <a:fillRef idx="1">
+              <a:schemeClr val="accent1"/>
+            </a:fillRef>
+            <a:effectRef idx="0">
+              <a:schemeClr val="accent1"/>
+            </a:effectRef>
+            <a:fontRef idx="minor">
+              <a:schemeClr val="lt1"/>
+            </a:fontRef>
+          </p:style>
+          <p:txBody>
+            <a:bodyPr rtlCol="0" anchor="ctr"/>
+            <a:lstStyle/>
+            <a:p>
+              <a:pPr algn="ctr"/>
+              <a:endParaRPr lang="en-US"/>
+            </a:p>
+          </p:txBody>
+        </p:sp>
+      </p:grpSp>
     </p:spTree>
     <p:extLst>
       <p:ext uri="{BB962C8B-B14F-4D97-AF65-F5344CB8AC3E}">
@@ -4243,7 +4962,7 @@
 </p:sld>
 </file>
 
-<file path=ppt/slides/slide3.xml><?xml version="1.0" encoding="utf-8"?>
+<file path=ppt/slides/slide4.xml><?xml version="1.0" encoding="utf-8"?>
 <p:sld xmlns:a="http://schemas.openxmlformats.org/drawingml/2006/main" xmlns:r="http://schemas.openxmlformats.org/officeDocument/2006/relationships" xmlns:p="http://schemas.openxmlformats.org/presentationml/2006/main">
   <p:cSld>
     <p:spTree>
@@ -4266,6 +4985,415 @@
           <a:chExt cx="0" cy="0"/>
         </a:xfrm>
       </p:grpSpPr>
+      <p:sp>
+        <p:nvSpPr>
+          <p:cNvPr id="10" name="TextBox 9">
+            <a:extLst>
+              <a:ext uri="{FF2B5EF4-FFF2-40B4-BE49-F238E27FC236}">
+                <a16:creationId xmlns:a16="http://schemas.microsoft.com/office/drawing/2014/main" id="{AFBE2A76-646F-8905-921F-BF0475323347}"/>
+              </a:ext>
+            </a:extLst>
+          </p:cNvPr>
+          <p:cNvSpPr txBox="1"/>
+          <p:nvPr/>
+        </p:nvSpPr>
+        <p:spPr>
+          <a:xfrm>
+            <a:off x="157445" y="72668"/>
+            <a:ext cx="2248843" cy="369332"/>
+          </a:xfrm>
+          <a:prstGeom prst="rect">
+            <a:avLst/>
+          </a:prstGeom>
+          <a:noFill/>
+        </p:spPr>
+        <p:txBody>
+          <a:bodyPr wrap="square" rtlCol="0">
+            <a:spAutoFit/>
+          </a:bodyPr>
+          <a:lstStyle/>
+          <a:p>
+            <a:r>
+              <a:rPr lang="en-US" dirty="0"/>
+              <a:t>Simulated</a:t>
+            </a:r>
+          </a:p>
+        </p:txBody>
+      </p:sp>
+      <p:sp>
+        <p:nvSpPr>
+          <p:cNvPr id="11" name="TextBox 10">
+            <a:extLst>
+              <a:ext uri="{FF2B5EF4-FFF2-40B4-BE49-F238E27FC236}">
+                <a16:creationId xmlns:a16="http://schemas.microsoft.com/office/drawing/2014/main" id="{D6F0AB00-D54C-8E99-8B42-F2B8E2379987}"/>
+              </a:ext>
+            </a:extLst>
+          </p:cNvPr>
+          <p:cNvSpPr txBox="1"/>
+          <p:nvPr/>
+        </p:nvSpPr>
+        <p:spPr>
+          <a:xfrm>
+            <a:off x="7097196" y="114996"/>
+            <a:ext cx="2248843" cy="369332"/>
+          </a:xfrm>
+          <a:prstGeom prst="rect">
+            <a:avLst/>
+          </a:prstGeom>
+          <a:noFill/>
+        </p:spPr>
+        <p:txBody>
+          <a:bodyPr wrap="square" rtlCol="0">
+            <a:spAutoFit/>
+          </a:bodyPr>
+          <a:lstStyle/>
+          <a:p>
+            <a:r>
+              <a:rPr lang="en-US" dirty="0"/>
+              <a:t>Analytic</a:t>
+            </a:r>
+          </a:p>
+        </p:txBody>
+      </p:sp>
+      <p:grpSp>
+        <p:nvGrpSpPr>
+          <p:cNvPr id="19" name="Group 18">
+            <a:extLst>
+              <a:ext uri="{FF2B5EF4-FFF2-40B4-BE49-F238E27FC236}">
+                <a16:creationId xmlns:a16="http://schemas.microsoft.com/office/drawing/2014/main" id="{A137D02C-7628-19E1-0CE1-72A079C3572A}"/>
+              </a:ext>
+            </a:extLst>
+          </p:cNvPr>
+          <p:cNvGrpSpPr/>
+          <p:nvPr/>
+        </p:nvGrpSpPr>
+        <p:grpSpPr>
+          <a:xfrm>
+            <a:off x="494831" y="735501"/>
+            <a:ext cx="11202337" cy="5195027"/>
+            <a:chOff x="324786" y="602277"/>
+            <a:chExt cx="11202337" cy="5195027"/>
+          </a:xfrm>
+        </p:grpSpPr>
+        <p:grpSp>
+          <p:nvGrpSpPr>
+            <p:cNvPr id="18" name="Group 17">
+              <a:extLst>
+                <a:ext uri="{FF2B5EF4-FFF2-40B4-BE49-F238E27FC236}">
+                  <a16:creationId xmlns:a16="http://schemas.microsoft.com/office/drawing/2014/main" id="{973B38FC-E153-9649-BE3E-EC6AD45B8E4B}"/>
+                </a:ext>
+              </a:extLst>
+            </p:cNvPr>
+            <p:cNvGrpSpPr/>
+            <p:nvPr/>
+          </p:nvGrpSpPr>
+          <p:grpSpPr>
+            <a:xfrm>
+              <a:off x="5365131" y="602277"/>
+              <a:ext cx="6161992" cy="5184005"/>
+              <a:chOff x="5415943" y="662617"/>
+              <a:chExt cx="6382718" cy="5369698"/>
+            </a:xfrm>
+          </p:grpSpPr>
+          <p:pic>
+            <p:nvPicPr>
+              <p:cNvPr id="6" name="Picture 5">
+                <a:extLst>
+                  <a:ext uri="{FF2B5EF4-FFF2-40B4-BE49-F238E27FC236}">
+                    <a16:creationId xmlns:a16="http://schemas.microsoft.com/office/drawing/2014/main" id="{1C993659-2579-77D6-C727-D95747EFEEB5}"/>
+                  </a:ext>
+                </a:extLst>
+              </p:cNvPr>
+              <p:cNvPicPr>
+                <a:picLocks noChangeAspect="1"/>
+              </p:cNvPicPr>
+              <p:nvPr/>
+            </p:nvPicPr>
+            <p:blipFill>
+              <a:blip r:embed="rId2"/>
+              <a:srcRect r="21497" b="21105"/>
+              <a:stretch/>
+            </p:blipFill>
+            <p:spPr>
+              <a:xfrm>
+                <a:off x="5488611" y="662617"/>
+                <a:ext cx="4955780" cy="1652260"/>
+              </a:xfrm>
+              <a:prstGeom prst="rect">
+                <a:avLst/>
+              </a:prstGeom>
+            </p:spPr>
+          </p:pic>
+          <p:grpSp>
+            <p:nvGrpSpPr>
+              <p:cNvPr id="9" name="Group 8">
+                <a:extLst>
+                  <a:ext uri="{FF2B5EF4-FFF2-40B4-BE49-F238E27FC236}">
+                    <a16:creationId xmlns:a16="http://schemas.microsoft.com/office/drawing/2014/main" id="{1E91252A-2872-AAAC-94E1-7F19EE84B081}"/>
+                  </a:ext>
+                </a:extLst>
+              </p:cNvPr>
+              <p:cNvGrpSpPr>
+                <a:grpSpLocks noChangeAspect="1"/>
+              </p:cNvGrpSpPr>
+              <p:nvPr/>
+            </p:nvGrpSpPr>
+            <p:grpSpPr>
+              <a:xfrm>
+                <a:off x="5488611" y="3973307"/>
+                <a:ext cx="4948322" cy="2059008"/>
+                <a:chOff x="2467707" y="3839122"/>
+                <a:chExt cx="4892557" cy="2035804"/>
+              </a:xfrm>
+            </p:grpSpPr>
+            <p:pic>
+              <p:nvPicPr>
+                <p:cNvPr id="3" name="Picture 2">
+                  <a:extLst>
+                    <a:ext uri="{FF2B5EF4-FFF2-40B4-BE49-F238E27FC236}">
+                      <a16:creationId xmlns:a16="http://schemas.microsoft.com/office/drawing/2014/main" id="{38D037F7-E3D1-B9F9-1D9C-1B34E8024407}"/>
+                    </a:ext>
+                  </a:extLst>
+                </p:cNvPr>
+                <p:cNvPicPr>
+                  <a:picLocks noChangeAspect="1"/>
+                </p:cNvPicPr>
+                <p:nvPr/>
+              </p:nvPicPr>
+              <p:blipFill>
+                <a:blip r:embed="rId3"/>
+                <a:srcRect t="7899" r="21629"/>
+                <a:stretch/>
+              </p:blipFill>
+              <p:spPr>
+                <a:xfrm>
+                  <a:off x="2467707" y="3839122"/>
+                  <a:ext cx="4892557" cy="2035804"/>
+                </a:xfrm>
+                <a:prstGeom prst="rect">
+                  <a:avLst/>
+                </a:prstGeom>
+              </p:spPr>
+            </p:pic>
+            <p:pic>
+              <p:nvPicPr>
+                <p:cNvPr id="7" name="Picture 6">
+                  <a:extLst>
+                    <a:ext uri="{FF2B5EF4-FFF2-40B4-BE49-F238E27FC236}">
+                      <a16:creationId xmlns:a16="http://schemas.microsoft.com/office/drawing/2014/main" id="{99C7EEB7-6F10-1F91-5EC5-FEDB5D5D18E1}"/>
+                    </a:ext>
+                  </a:extLst>
+                </p:cNvPr>
+                <p:cNvPicPr>
+                  <a:picLocks noChangeAspect="1"/>
+                </p:cNvPicPr>
+                <p:nvPr/>
+              </p:nvPicPr>
+              <p:blipFill>
+                <a:blip r:embed="rId4"/>
+                <a:srcRect l="8298" r="85271" b="91963"/>
+                <a:stretch/>
+              </p:blipFill>
+              <p:spPr>
+                <a:xfrm>
+                  <a:off x="2913787" y="4022858"/>
+                  <a:ext cx="358556" cy="155900"/>
+                </a:xfrm>
+                <a:prstGeom prst="rect">
+                  <a:avLst/>
+                </a:prstGeom>
+              </p:spPr>
+            </p:pic>
+          </p:grpSp>
+          <p:pic>
+            <p:nvPicPr>
+              <p:cNvPr id="2" name="Picture 1">
+                <a:extLst>
+                  <a:ext uri="{FF2B5EF4-FFF2-40B4-BE49-F238E27FC236}">
+                    <a16:creationId xmlns:a16="http://schemas.microsoft.com/office/drawing/2014/main" id="{D89C3906-FF37-ED81-0DB3-DF12D060AD22}"/>
+                  </a:ext>
+                </a:extLst>
+              </p:cNvPr>
+              <p:cNvPicPr>
+                <a:picLocks noChangeAspect="1"/>
+              </p:cNvPicPr>
+              <p:nvPr/>
+            </p:nvPicPr>
+            <p:blipFill>
+              <a:blip r:embed="rId5"/>
+              <a:srcRect b="20519"/>
+              <a:stretch/>
+            </p:blipFill>
+            <p:spPr>
+              <a:xfrm>
+                <a:off x="5415943" y="2293428"/>
+                <a:ext cx="6382718" cy="1688360"/>
+              </a:xfrm>
+              <a:prstGeom prst="rect">
+                <a:avLst/>
+              </a:prstGeom>
+            </p:spPr>
+          </p:pic>
+        </p:grpSp>
+        <p:grpSp>
+          <p:nvGrpSpPr>
+            <p:cNvPr id="12" name="Group 11">
+              <a:extLst>
+                <a:ext uri="{FF2B5EF4-FFF2-40B4-BE49-F238E27FC236}">
+                  <a16:creationId xmlns:a16="http://schemas.microsoft.com/office/drawing/2014/main" id="{6891C747-36E9-8DFA-1B0B-79F29655D19F}"/>
+                </a:ext>
+              </a:extLst>
+            </p:cNvPr>
+            <p:cNvGrpSpPr/>
+            <p:nvPr/>
+          </p:nvGrpSpPr>
+          <p:grpSpPr>
+            <a:xfrm>
+              <a:off x="324786" y="602277"/>
+              <a:ext cx="4938656" cy="5195027"/>
+              <a:chOff x="1089062" y="545709"/>
+              <a:chExt cx="4938656" cy="5195027"/>
+            </a:xfrm>
+          </p:grpSpPr>
+          <p:pic>
+            <p:nvPicPr>
+              <p:cNvPr id="13" name="Picture 12">
+                <a:extLst>
+                  <a:ext uri="{FF2B5EF4-FFF2-40B4-BE49-F238E27FC236}">
+                    <a16:creationId xmlns:a16="http://schemas.microsoft.com/office/drawing/2014/main" id="{81F3812D-B3AA-C310-29BB-9D452D0A0956}"/>
+                  </a:ext>
+                </a:extLst>
+              </p:cNvPr>
+              <p:cNvPicPr>
+                <a:picLocks noChangeAspect="1"/>
+              </p:cNvPicPr>
+              <p:nvPr/>
+            </p:nvPicPr>
+            <p:blipFill>
+              <a:blip r:embed="rId6"/>
+              <a:srcRect r="21593" b="21776"/>
+              <a:stretch/>
+            </p:blipFill>
+            <p:spPr>
+              <a:xfrm>
+                <a:off x="1130687" y="2150101"/>
+                <a:ext cx="4846219" cy="1586224"/>
+              </a:xfrm>
+              <a:prstGeom prst="rect">
+                <a:avLst/>
+              </a:prstGeom>
+            </p:spPr>
+          </p:pic>
+          <p:pic>
+            <p:nvPicPr>
+              <p:cNvPr id="14" name="Picture 13">
+                <a:extLst>
+                  <a:ext uri="{FF2B5EF4-FFF2-40B4-BE49-F238E27FC236}">
+                    <a16:creationId xmlns:a16="http://schemas.microsoft.com/office/drawing/2014/main" id="{98B7E85A-B596-E205-2EDC-AFFFA5148269}"/>
+                  </a:ext>
+                </a:extLst>
+              </p:cNvPr>
+              <p:cNvPicPr>
+                <a:picLocks noChangeAspect="1"/>
+              </p:cNvPicPr>
+              <p:nvPr/>
+            </p:nvPicPr>
+            <p:blipFill>
+              <a:blip r:embed="rId7"/>
+              <a:srcRect r="22825" b="21776"/>
+              <a:stretch/>
+            </p:blipFill>
+            <p:spPr>
+              <a:xfrm>
+                <a:off x="1198930" y="545709"/>
+                <a:ext cx="4717419" cy="1586224"/>
+              </a:xfrm>
+              <a:prstGeom prst="rect">
+                <a:avLst/>
+              </a:prstGeom>
+            </p:spPr>
+          </p:pic>
+          <p:grpSp>
+            <p:nvGrpSpPr>
+              <p:cNvPr id="15" name="Group 14">
+                <a:extLst>
+                  <a:ext uri="{FF2B5EF4-FFF2-40B4-BE49-F238E27FC236}">
+                    <a16:creationId xmlns:a16="http://schemas.microsoft.com/office/drawing/2014/main" id="{671F9C5A-938C-CCE8-CC81-FB9E024355A9}"/>
+                  </a:ext>
+                </a:extLst>
+              </p:cNvPr>
+              <p:cNvGrpSpPr/>
+              <p:nvPr/>
+            </p:nvGrpSpPr>
+            <p:grpSpPr>
+              <a:xfrm>
+                <a:off x="1089062" y="3736325"/>
+                <a:ext cx="4938656" cy="2004411"/>
+                <a:chOff x="1089062" y="3978527"/>
+                <a:chExt cx="4929468" cy="2000682"/>
+              </a:xfrm>
+            </p:grpSpPr>
+            <p:pic>
+              <p:nvPicPr>
+                <p:cNvPr id="16" name="Picture 15">
+                  <a:extLst>
+                    <a:ext uri="{FF2B5EF4-FFF2-40B4-BE49-F238E27FC236}">
+                      <a16:creationId xmlns:a16="http://schemas.microsoft.com/office/drawing/2014/main" id="{B37A0898-36D5-DA6C-0EB9-6B7C25E385EE}"/>
+                    </a:ext>
+                  </a:extLst>
+                </p:cNvPr>
+                <p:cNvPicPr>
+                  <a:picLocks noChangeAspect="1"/>
+                </p:cNvPicPr>
+                <p:nvPr/>
+              </p:nvPicPr>
+              <p:blipFill>
+                <a:blip r:embed="rId4"/>
+                <a:srcRect t="7476" r="20675"/>
+                <a:stretch/>
+              </p:blipFill>
+              <p:spPr>
+                <a:xfrm>
+                  <a:off x="1089062" y="3978527"/>
+                  <a:ext cx="4929468" cy="2000682"/>
+                </a:xfrm>
+                <a:prstGeom prst="rect">
+                  <a:avLst/>
+                </a:prstGeom>
+              </p:spPr>
+            </p:pic>
+            <p:pic>
+              <p:nvPicPr>
+                <p:cNvPr id="17" name="Picture 16">
+                  <a:extLst>
+                    <a:ext uri="{FF2B5EF4-FFF2-40B4-BE49-F238E27FC236}">
+                      <a16:creationId xmlns:a16="http://schemas.microsoft.com/office/drawing/2014/main" id="{88157B62-CED9-479B-398A-769AD2A1B14F}"/>
+                    </a:ext>
+                  </a:extLst>
+                </p:cNvPr>
+                <p:cNvPicPr>
+                  <a:picLocks noChangeAspect="1"/>
+                </p:cNvPicPr>
+                <p:nvPr/>
+              </p:nvPicPr>
+              <p:blipFill>
+                <a:blip r:embed="rId4"/>
+                <a:srcRect l="8298" r="85271" b="91963"/>
+                <a:stretch/>
+              </p:blipFill>
+              <p:spPr>
+                <a:xfrm>
+                  <a:off x="1641075" y="4010664"/>
+                  <a:ext cx="357889" cy="155610"/>
+                </a:xfrm>
+                <a:prstGeom prst="rect">
+                  <a:avLst/>
+                </a:prstGeom>
+              </p:spPr>
+            </p:pic>
+          </p:grpSp>
+        </p:grpSp>
+      </p:grpSp>
     </p:spTree>
     <p:extLst>
       <p:ext uri="{BB962C8B-B14F-4D97-AF65-F5344CB8AC3E}">
@@ -4279,7 +5407,7 @@
 </p:sld>
 </file>
 
-<file path=ppt/slides/slide4.xml><?xml version="1.0" encoding="utf-8"?>
+<file path=ppt/slides/slide5.xml><?xml version="1.0" encoding="utf-8"?>
 <p:sld xmlns:a="http://schemas.openxmlformats.org/drawingml/2006/main" xmlns:r="http://schemas.openxmlformats.org/officeDocument/2006/relationships" xmlns:p="http://schemas.openxmlformats.org/presentationml/2006/main">
   <p:cSld>
     <p:spTree>
@@ -4302,46 +5430,358 @@
           <a:chExt cx="0" cy="0"/>
         </a:xfrm>
       </p:grpSpPr>
+      <p:grpSp>
+        <p:nvGrpSpPr>
+          <p:cNvPr id="14" name="Group 13">
+            <a:extLst>
+              <a:ext uri="{FF2B5EF4-FFF2-40B4-BE49-F238E27FC236}">
+                <a16:creationId xmlns:a16="http://schemas.microsoft.com/office/drawing/2014/main" id="{23C7ADE7-5811-9F4E-D59F-D6177267285C}"/>
+              </a:ext>
+            </a:extLst>
+          </p:cNvPr>
+          <p:cNvGrpSpPr/>
+          <p:nvPr/>
+        </p:nvGrpSpPr>
+        <p:grpSpPr>
+          <a:xfrm>
+            <a:off x="1710294" y="1767993"/>
+            <a:ext cx="8894577" cy="2846398"/>
+            <a:chOff x="1710294" y="1767993"/>
+            <a:chExt cx="8894577" cy="2846398"/>
+          </a:xfrm>
+        </p:grpSpPr>
+        <p:grpSp>
+          <p:nvGrpSpPr>
+            <p:cNvPr id="10" name="Group 9">
+              <a:extLst>
+                <a:ext uri="{FF2B5EF4-FFF2-40B4-BE49-F238E27FC236}">
+                  <a16:creationId xmlns:a16="http://schemas.microsoft.com/office/drawing/2014/main" id="{63D86EB9-504D-19A4-9E1F-23DAB9C6AC48}"/>
+                </a:ext>
+              </a:extLst>
+            </p:cNvPr>
+            <p:cNvGrpSpPr/>
+            <p:nvPr/>
+          </p:nvGrpSpPr>
+          <p:grpSpPr>
+            <a:xfrm>
+              <a:off x="1710294" y="1767993"/>
+              <a:ext cx="8894577" cy="2846398"/>
+              <a:chOff x="414390" y="538699"/>
+              <a:chExt cx="8894577" cy="2846398"/>
+            </a:xfrm>
+          </p:grpSpPr>
+          <p:pic>
+            <p:nvPicPr>
+              <p:cNvPr id="3" name="Picture 2">
+                <a:extLst>
+                  <a:ext uri="{FF2B5EF4-FFF2-40B4-BE49-F238E27FC236}">
+                    <a16:creationId xmlns:a16="http://schemas.microsoft.com/office/drawing/2014/main" id="{BB29887D-FE3F-7453-0DAB-BC195EC1C1E1}"/>
+                  </a:ext>
+                </a:extLst>
+              </p:cNvPr>
+              <p:cNvPicPr>
+                <a:picLocks noChangeAspect="1"/>
+              </p:cNvPicPr>
+              <p:nvPr/>
+            </p:nvPicPr>
+            <p:blipFill>
+              <a:blip r:embed="rId2"/>
+              <a:stretch>
+                <a:fillRect/>
+              </a:stretch>
+            </p:blipFill>
+            <p:spPr>
+              <a:xfrm>
+                <a:off x="414390" y="538699"/>
+                <a:ext cx="3233663" cy="2846398"/>
+              </a:xfrm>
+              <a:prstGeom prst="rect">
+                <a:avLst/>
+              </a:prstGeom>
+            </p:spPr>
+          </p:pic>
+          <p:pic>
+            <p:nvPicPr>
+              <p:cNvPr id="5" name="Picture 4">
+                <a:extLst>
+                  <a:ext uri="{FF2B5EF4-FFF2-40B4-BE49-F238E27FC236}">
+                    <a16:creationId xmlns:a16="http://schemas.microsoft.com/office/drawing/2014/main" id="{44AC1BB5-45C3-ECB7-4D17-5447BB3D2744}"/>
+                  </a:ext>
+                </a:extLst>
+              </p:cNvPr>
+              <p:cNvPicPr>
+                <a:picLocks noChangeAspect="1"/>
+              </p:cNvPicPr>
+              <p:nvPr/>
+            </p:nvPicPr>
+            <p:blipFill>
+              <a:blip r:embed="rId3"/>
+              <a:srcRect l="12469"/>
+              <a:stretch/>
+            </p:blipFill>
+            <p:spPr>
+              <a:xfrm>
+                <a:off x="3648053" y="538699"/>
+                <a:ext cx="2830457" cy="2846398"/>
+              </a:xfrm>
+              <a:prstGeom prst="rect">
+                <a:avLst/>
+              </a:prstGeom>
+            </p:spPr>
+          </p:pic>
+          <p:pic>
+            <p:nvPicPr>
+              <p:cNvPr id="7" name="Picture 6">
+                <a:extLst>
+                  <a:ext uri="{FF2B5EF4-FFF2-40B4-BE49-F238E27FC236}">
+                    <a16:creationId xmlns:a16="http://schemas.microsoft.com/office/drawing/2014/main" id="{BE9AFA83-B257-7DEB-AF61-FB04B05A136C}"/>
+                  </a:ext>
+                </a:extLst>
+              </p:cNvPr>
+              <p:cNvPicPr>
+                <a:picLocks noChangeAspect="1"/>
+              </p:cNvPicPr>
+              <p:nvPr/>
+            </p:nvPicPr>
+            <p:blipFill>
+              <a:blip r:embed="rId4"/>
+              <a:srcRect l="12470"/>
+              <a:stretch/>
+            </p:blipFill>
+            <p:spPr>
+              <a:xfrm>
+                <a:off x="6478510" y="538699"/>
+                <a:ext cx="2830457" cy="2846398"/>
+              </a:xfrm>
+              <a:prstGeom prst="rect">
+                <a:avLst/>
+              </a:prstGeom>
+            </p:spPr>
+          </p:pic>
+          <p:sp>
+            <p:nvSpPr>
+              <p:cNvPr id="8" name="Rectangle 7">
+                <a:extLst>
+                  <a:ext uri="{FF2B5EF4-FFF2-40B4-BE49-F238E27FC236}">
+                    <a16:creationId xmlns:a16="http://schemas.microsoft.com/office/drawing/2014/main" id="{CCA50E39-95DB-485A-7332-DFD96B7876EC}"/>
+                  </a:ext>
+                </a:extLst>
+              </p:cNvPr>
+              <p:cNvSpPr/>
+              <p:nvPr/>
+            </p:nvSpPr>
+            <p:spPr>
+              <a:xfrm>
+                <a:off x="6478510" y="3011438"/>
+                <a:ext cx="224060" cy="205891"/>
+              </a:xfrm>
+              <a:prstGeom prst="rect">
+                <a:avLst/>
+              </a:prstGeom>
+              <a:solidFill>
+                <a:schemeClr val="bg1"/>
+              </a:solidFill>
+              <a:ln>
+                <a:noFill/>
+              </a:ln>
+            </p:spPr>
+            <p:style>
+              <a:lnRef idx="2">
+                <a:schemeClr val="accent1">
+                  <a:shade val="15000"/>
+                </a:schemeClr>
+              </a:lnRef>
+              <a:fillRef idx="1">
+                <a:schemeClr val="accent1"/>
+              </a:fillRef>
+              <a:effectRef idx="0">
+                <a:schemeClr val="accent1"/>
+              </a:effectRef>
+              <a:fontRef idx="minor">
+                <a:schemeClr val="lt1"/>
+              </a:fontRef>
+            </p:style>
+            <p:txBody>
+              <a:bodyPr rtlCol="0" anchor="ctr"/>
+              <a:lstStyle/>
+              <a:p>
+                <a:pPr algn="ctr"/>
+                <a:endParaRPr lang="en-US"/>
+              </a:p>
+            </p:txBody>
+          </p:sp>
+          <p:sp>
+            <p:nvSpPr>
+              <p:cNvPr id="9" name="Rectangle 8">
+                <a:extLst>
+                  <a:ext uri="{FF2B5EF4-FFF2-40B4-BE49-F238E27FC236}">
+                    <a16:creationId xmlns:a16="http://schemas.microsoft.com/office/drawing/2014/main" id="{C09560B6-CA99-CEFD-9A14-61BE5F619738}"/>
+                  </a:ext>
+                </a:extLst>
+              </p:cNvPr>
+              <p:cNvSpPr/>
+              <p:nvPr/>
+            </p:nvSpPr>
+            <p:spPr>
+              <a:xfrm>
+                <a:off x="3648053" y="3019283"/>
+                <a:ext cx="224060" cy="205891"/>
+              </a:xfrm>
+              <a:prstGeom prst="rect">
+                <a:avLst/>
+              </a:prstGeom>
+              <a:solidFill>
+                <a:schemeClr val="bg1"/>
+              </a:solidFill>
+              <a:ln>
+                <a:noFill/>
+              </a:ln>
+            </p:spPr>
+            <p:style>
+              <a:lnRef idx="2">
+                <a:schemeClr val="accent1">
+                  <a:shade val="15000"/>
+                </a:schemeClr>
+              </a:lnRef>
+              <a:fillRef idx="1">
+                <a:schemeClr val="accent1"/>
+              </a:fillRef>
+              <a:effectRef idx="0">
+                <a:schemeClr val="accent1"/>
+              </a:effectRef>
+              <a:fontRef idx="minor">
+                <a:schemeClr val="lt1"/>
+              </a:fontRef>
+            </p:style>
+            <p:txBody>
+              <a:bodyPr rtlCol="0" anchor="ctr"/>
+              <a:lstStyle/>
+              <a:p>
+                <a:pPr algn="ctr"/>
+                <a:endParaRPr lang="en-US"/>
+              </a:p>
+            </p:txBody>
+          </p:sp>
+        </p:grpSp>
+        <p:sp>
+          <p:nvSpPr>
+            <p:cNvPr id="11" name="TextBox 10">
+              <a:extLst>
+                <a:ext uri="{FF2B5EF4-FFF2-40B4-BE49-F238E27FC236}">
+                  <a16:creationId xmlns:a16="http://schemas.microsoft.com/office/drawing/2014/main" id="{2DDCE3C8-903D-C2B7-791E-0484D5BFA9F6}"/>
+                </a:ext>
+              </a:extLst>
+            </p:cNvPr>
+            <p:cNvSpPr txBox="1"/>
+            <p:nvPr/>
+          </p:nvSpPr>
+          <p:spPr>
+            <a:xfrm>
+              <a:off x="4457992" y="1858557"/>
+              <a:ext cx="429950" cy="276999"/>
+            </a:xfrm>
+            <a:prstGeom prst="rect">
+              <a:avLst/>
+            </a:prstGeom>
+            <a:noFill/>
+          </p:spPr>
+          <p:txBody>
+            <a:bodyPr wrap="square" rtlCol="0">
+              <a:spAutoFit/>
+            </a:bodyPr>
+            <a:lstStyle/>
+            <a:p>
+              <a:r>
+                <a:rPr lang="en-US" sz="1200" dirty="0">
+                  <a:latin typeface="Times New Roman" panose="02020603050405020304" pitchFamily="18" charset="0"/>
+                  <a:cs typeface="Times New Roman" panose="02020603050405020304" pitchFamily="18" charset="0"/>
+                </a:rPr>
+                <a:t>(a)</a:t>
+              </a:r>
+            </a:p>
+          </p:txBody>
+        </p:sp>
+        <p:sp>
+          <p:nvSpPr>
+            <p:cNvPr id="12" name="TextBox 11">
+              <a:extLst>
+                <a:ext uri="{FF2B5EF4-FFF2-40B4-BE49-F238E27FC236}">
+                  <a16:creationId xmlns:a16="http://schemas.microsoft.com/office/drawing/2014/main" id="{25C755A3-CB44-2E73-A8CA-E9A78AB34A04}"/>
+                </a:ext>
+              </a:extLst>
+            </p:cNvPr>
+            <p:cNvSpPr txBox="1"/>
+            <p:nvPr/>
+          </p:nvSpPr>
+          <p:spPr>
+            <a:xfrm>
+              <a:off x="5055987" y="1858557"/>
+              <a:ext cx="429950" cy="276999"/>
+            </a:xfrm>
+            <a:prstGeom prst="rect">
+              <a:avLst/>
+            </a:prstGeom>
+            <a:noFill/>
+          </p:spPr>
+          <p:txBody>
+            <a:bodyPr wrap="square" rtlCol="0">
+              <a:spAutoFit/>
+            </a:bodyPr>
+            <a:lstStyle/>
+            <a:p>
+              <a:r>
+                <a:rPr lang="en-US" sz="1200" dirty="0">
+                  <a:latin typeface="Times New Roman" panose="02020603050405020304" pitchFamily="18" charset="0"/>
+                  <a:cs typeface="Times New Roman" panose="02020603050405020304" pitchFamily="18" charset="0"/>
+                </a:rPr>
+                <a:t>(b)</a:t>
+              </a:r>
+            </a:p>
+          </p:txBody>
+        </p:sp>
+        <p:sp>
+          <p:nvSpPr>
+            <p:cNvPr id="13" name="TextBox 12">
+              <a:extLst>
+                <a:ext uri="{FF2B5EF4-FFF2-40B4-BE49-F238E27FC236}">
+                  <a16:creationId xmlns:a16="http://schemas.microsoft.com/office/drawing/2014/main" id="{CACDF418-C4D2-A0C3-38E7-F3BEB7DE7D5C}"/>
+                </a:ext>
+              </a:extLst>
+            </p:cNvPr>
+            <p:cNvSpPr txBox="1"/>
+            <p:nvPr/>
+          </p:nvSpPr>
+          <p:spPr>
+            <a:xfrm>
+              <a:off x="7877359" y="1858557"/>
+              <a:ext cx="429950" cy="276999"/>
+            </a:xfrm>
+            <a:prstGeom prst="rect">
+              <a:avLst/>
+            </a:prstGeom>
+            <a:noFill/>
+          </p:spPr>
+          <p:txBody>
+            <a:bodyPr wrap="square" rtlCol="0">
+              <a:spAutoFit/>
+            </a:bodyPr>
+            <a:lstStyle/>
+            <a:p>
+              <a:r>
+                <a:rPr lang="en-US" sz="1200" dirty="0">
+                  <a:latin typeface="Times New Roman" panose="02020603050405020304" pitchFamily="18" charset="0"/>
+                  <a:cs typeface="Times New Roman" panose="02020603050405020304" pitchFamily="18" charset="0"/>
+                </a:rPr>
+                <a:t>(c)</a:t>
+              </a:r>
+            </a:p>
+          </p:txBody>
+        </p:sp>
+      </p:grpSp>
     </p:spTree>
     <p:extLst>
       <p:ext uri="{BB962C8B-B14F-4D97-AF65-F5344CB8AC3E}">
         <p14:creationId xmlns:p14="http://schemas.microsoft.com/office/powerpoint/2010/main" val="3416406909"/>
-      </p:ext>
-    </p:extLst>
-  </p:cSld>
-  <p:clrMapOvr>
-    <a:masterClrMapping/>
-  </p:clrMapOvr>
-</p:sld>
-</file>
-
-<file path=ppt/slides/slide5.xml><?xml version="1.0" encoding="utf-8"?>
-<p:sld xmlns:a="http://schemas.openxmlformats.org/drawingml/2006/main" xmlns:r="http://schemas.openxmlformats.org/officeDocument/2006/relationships" xmlns:p="http://schemas.openxmlformats.org/presentationml/2006/main">
-  <p:cSld>
-    <p:spTree>
-      <p:nvGrpSpPr>
-        <p:cNvPr id="1" name="">
-          <a:extLst>
-            <a:ext uri="{FF2B5EF4-FFF2-40B4-BE49-F238E27FC236}">
-              <a16:creationId xmlns:a16="http://schemas.microsoft.com/office/drawing/2014/main" id="{1C0415A1-DD56-D95A-0EF8-D1CB0158D8DF}"/>
-            </a:ext>
-          </a:extLst>
-        </p:cNvPr>
-        <p:cNvGrpSpPr/>
-        <p:nvPr/>
-      </p:nvGrpSpPr>
-      <p:grpSpPr>
-        <a:xfrm>
-          <a:off x="0" y="0"/>
-          <a:ext cx="0" cy="0"/>
-          <a:chOff x="0" y="0"/>
-          <a:chExt cx="0" cy="0"/>
-        </a:xfrm>
-      </p:grpSpPr>
-    </p:spTree>
-    <p:extLst>
-      <p:ext uri="{BB962C8B-B14F-4D97-AF65-F5344CB8AC3E}">
-        <p14:creationId xmlns:p14="http://schemas.microsoft.com/office/powerpoint/2010/main" val="2190933413"/>
       </p:ext>
     </p:extLst>
   </p:cSld>
@@ -4374,6 +5814,454 @@
           <a:chExt cx="0" cy="0"/>
         </a:xfrm>
       </p:grpSpPr>
+      <p:sp>
+        <p:nvSpPr>
+          <p:cNvPr id="4" name="TextBox 3">
+            <a:extLst>
+              <a:ext uri="{FF2B5EF4-FFF2-40B4-BE49-F238E27FC236}">
+                <a16:creationId xmlns:a16="http://schemas.microsoft.com/office/drawing/2014/main" id="{4B9DB1DE-7C57-CE77-0528-82D9D01DFAAC}"/>
+              </a:ext>
+            </a:extLst>
+          </p:cNvPr>
+          <p:cNvSpPr txBox="1"/>
+          <p:nvPr/>
+        </p:nvSpPr>
+        <p:spPr>
+          <a:xfrm>
+            <a:off x="7661379" y="776621"/>
+            <a:ext cx="756955" cy="369332"/>
+          </a:xfrm>
+          <a:prstGeom prst="rect">
+            <a:avLst/>
+          </a:prstGeom>
+          <a:noFill/>
+        </p:spPr>
+        <p:txBody>
+          <a:bodyPr wrap="square" rtlCol="0">
+            <a:spAutoFit/>
+          </a:bodyPr>
+          <a:lstStyle/>
+          <a:p>
+            <a:r>
+              <a:rPr lang="en-US" dirty="0"/>
+              <a:t>After</a:t>
+            </a:r>
+          </a:p>
+        </p:txBody>
+      </p:sp>
+      <p:sp>
+        <p:nvSpPr>
+          <p:cNvPr id="15" name="TextBox 14">
+            <a:extLst>
+              <a:ext uri="{FF2B5EF4-FFF2-40B4-BE49-F238E27FC236}">
+                <a16:creationId xmlns:a16="http://schemas.microsoft.com/office/drawing/2014/main" id="{07343547-29B0-CECA-CAC4-555010665DA4}"/>
+              </a:ext>
+            </a:extLst>
+          </p:cNvPr>
+          <p:cNvSpPr txBox="1"/>
+          <p:nvPr/>
+        </p:nvSpPr>
+        <p:spPr>
+          <a:xfrm>
+            <a:off x="1963032" y="591955"/>
+            <a:ext cx="1204062" cy="369332"/>
+          </a:xfrm>
+          <a:prstGeom prst="rect">
+            <a:avLst/>
+          </a:prstGeom>
+          <a:noFill/>
+        </p:spPr>
+        <p:txBody>
+          <a:bodyPr wrap="square" rtlCol="0">
+            <a:spAutoFit/>
+          </a:bodyPr>
+          <a:lstStyle/>
+          <a:p>
+            <a:r>
+              <a:rPr lang="en-US" dirty="0"/>
+              <a:t>Original</a:t>
+            </a:r>
+          </a:p>
+        </p:txBody>
+      </p:sp>
+      <p:sp>
+        <p:nvSpPr>
+          <p:cNvPr id="16" name="TextBox 15">
+            <a:extLst>
+              <a:ext uri="{FF2B5EF4-FFF2-40B4-BE49-F238E27FC236}">
+                <a16:creationId xmlns:a16="http://schemas.microsoft.com/office/drawing/2014/main" id="{E9EA3DF5-2B20-2648-01E0-3D8FE8C7C5F2}"/>
+              </a:ext>
+            </a:extLst>
+          </p:cNvPr>
+          <p:cNvSpPr txBox="1"/>
+          <p:nvPr/>
+        </p:nvSpPr>
+        <p:spPr>
+          <a:xfrm>
+            <a:off x="4791011" y="678233"/>
+            <a:ext cx="1204062" cy="369332"/>
+          </a:xfrm>
+          <a:prstGeom prst="rect">
+            <a:avLst/>
+          </a:prstGeom>
+          <a:noFill/>
+        </p:spPr>
+        <p:txBody>
+          <a:bodyPr wrap="square" rtlCol="0">
+            <a:spAutoFit/>
+          </a:bodyPr>
+          <a:lstStyle/>
+          <a:p>
+            <a:r>
+              <a:rPr lang="en-US" dirty="0"/>
+              <a:t>Before</a:t>
+            </a:r>
+          </a:p>
+        </p:txBody>
+      </p:sp>
+      <p:grpSp>
+        <p:nvGrpSpPr>
+          <p:cNvPr id="21" name="Group 20">
+            <a:extLst>
+              <a:ext uri="{FF2B5EF4-FFF2-40B4-BE49-F238E27FC236}">
+                <a16:creationId xmlns:a16="http://schemas.microsoft.com/office/drawing/2014/main" id="{D804F6ED-8698-17D8-05AE-0DC17BC80EEB}"/>
+              </a:ext>
+            </a:extLst>
+          </p:cNvPr>
+          <p:cNvGrpSpPr/>
+          <p:nvPr/>
+        </p:nvGrpSpPr>
+        <p:grpSpPr>
+          <a:xfrm>
+            <a:off x="674995" y="1435096"/>
+            <a:ext cx="9298626" cy="3415492"/>
+            <a:chOff x="656828" y="1592543"/>
+            <a:chExt cx="9298626" cy="3415492"/>
+          </a:xfrm>
+        </p:grpSpPr>
+        <p:pic>
+          <p:nvPicPr>
+            <p:cNvPr id="3" name="Picture 2">
+              <a:extLst>
+                <a:ext uri="{FF2B5EF4-FFF2-40B4-BE49-F238E27FC236}">
+                  <a16:creationId xmlns:a16="http://schemas.microsoft.com/office/drawing/2014/main" id="{3E3046E6-C236-134C-F191-8292BDBEFEE2}"/>
+                </a:ext>
+              </a:extLst>
+            </p:cNvPr>
+            <p:cNvPicPr>
+              <a:picLocks noChangeAspect="1"/>
+            </p:cNvPicPr>
+            <p:nvPr/>
+          </p:nvPicPr>
+          <p:blipFill>
+            <a:blip r:embed="rId2"/>
+            <a:srcRect l="11102"/>
+            <a:stretch/>
+          </p:blipFill>
+          <p:spPr>
+            <a:xfrm>
+              <a:off x="6570357" y="1849966"/>
+              <a:ext cx="3149640" cy="3158069"/>
+            </a:xfrm>
+            <a:prstGeom prst="rect">
+              <a:avLst/>
+            </a:prstGeom>
+          </p:spPr>
+        </p:pic>
+        <p:pic>
+          <p:nvPicPr>
+            <p:cNvPr id="12" name="Picture 11">
+              <a:extLst>
+                <a:ext uri="{FF2B5EF4-FFF2-40B4-BE49-F238E27FC236}">
+                  <a16:creationId xmlns:a16="http://schemas.microsoft.com/office/drawing/2014/main" id="{63D930F5-6280-A99D-6151-E69196A37009}"/>
+                </a:ext>
+              </a:extLst>
+            </p:cNvPr>
+            <p:cNvPicPr>
+              <a:picLocks noChangeAspect="1"/>
+            </p:cNvPicPr>
+            <p:nvPr/>
+          </p:nvPicPr>
+          <p:blipFill>
+            <a:blip r:embed="rId3"/>
+            <a:srcRect r="10175"/>
+            <a:stretch/>
+          </p:blipFill>
+          <p:spPr>
+            <a:xfrm>
+              <a:off x="656828" y="1849966"/>
+              <a:ext cx="3182441" cy="3158068"/>
+            </a:xfrm>
+            <a:prstGeom prst="rect">
+              <a:avLst/>
+            </a:prstGeom>
+          </p:spPr>
+        </p:pic>
+        <p:pic>
+          <p:nvPicPr>
+            <p:cNvPr id="14" name="Picture 13">
+              <a:extLst>
+                <a:ext uri="{FF2B5EF4-FFF2-40B4-BE49-F238E27FC236}">
+                  <a16:creationId xmlns:a16="http://schemas.microsoft.com/office/drawing/2014/main" id="{97E8772C-48AB-0BC4-6A5E-F1ED99BBEF80}"/>
+                </a:ext>
+              </a:extLst>
+            </p:cNvPr>
+            <p:cNvPicPr>
+              <a:picLocks noChangeAspect="1"/>
+            </p:cNvPicPr>
+            <p:nvPr/>
+          </p:nvPicPr>
+          <p:blipFill>
+            <a:blip r:embed="rId4"/>
+            <a:srcRect l="11521" r="10175"/>
+            <a:stretch/>
+          </p:blipFill>
+          <p:spPr>
+            <a:xfrm>
+              <a:off x="3827157" y="1849966"/>
+              <a:ext cx="2774281" cy="3158068"/>
+            </a:xfrm>
+            <a:prstGeom prst="rect">
+              <a:avLst/>
+            </a:prstGeom>
+          </p:spPr>
+        </p:pic>
+        <p:sp>
+          <p:nvSpPr>
+            <p:cNvPr id="17" name="TextBox 16">
+              <a:extLst>
+                <a:ext uri="{FF2B5EF4-FFF2-40B4-BE49-F238E27FC236}">
+                  <a16:creationId xmlns:a16="http://schemas.microsoft.com/office/drawing/2014/main" id="{A92373E2-C8C6-5E8C-FEFC-88F4224A8D49}"/>
+                </a:ext>
+              </a:extLst>
+            </p:cNvPr>
+            <p:cNvSpPr txBox="1"/>
+            <p:nvPr/>
+          </p:nvSpPr>
+          <p:spPr>
+            <a:xfrm>
+              <a:off x="1205070" y="1949913"/>
+              <a:ext cx="429950" cy="338554"/>
+            </a:xfrm>
+            <a:prstGeom prst="rect">
+              <a:avLst/>
+            </a:prstGeom>
+            <a:noFill/>
+          </p:spPr>
+          <p:txBody>
+            <a:bodyPr wrap="square" rtlCol="0">
+              <a:spAutoFit/>
+            </a:bodyPr>
+            <a:lstStyle/>
+            <a:p>
+              <a:r>
+                <a:rPr lang="en-US" sz="1600" dirty="0">
+                  <a:solidFill>
+                    <a:schemeClr val="bg1"/>
+                  </a:solidFill>
+                  <a:latin typeface="Times New Roman" panose="02020603050405020304" pitchFamily="18" charset="0"/>
+                  <a:cs typeface="Times New Roman" panose="02020603050405020304" pitchFamily="18" charset="0"/>
+                </a:rPr>
+                <a:t>(a)</a:t>
+              </a:r>
+            </a:p>
+          </p:txBody>
+        </p:sp>
+        <p:sp>
+          <p:nvSpPr>
+            <p:cNvPr id="18" name="TextBox 17">
+              <a:extLst>
+                <a:ext uri="{FF2B5EF4-FFF2-40B4-BE49-F238E27FC236}">
+                  <a16:creationId xmlns:a16="http://schemas.microsoft.com/office/drawing/2014/main" id="{EF85929B-7F3A-9BE2-F9A5-93B6BB2CF259}"/>
+                </a:ext>
+              </a:extLst>
+            </p:cNvPr>
+            <p:cNvSpPr txBox="1"/>
+            <p:nvPr/>
+          </p:nvSpPr>
+          <p:spPr>
+            <a:xfrm>
+              <a:off x="3957561" y="1949913"/>
+              <a:ext cx="429950" cy="338554"/>
+            </a:xfrm>
+            <a:prstGeom prst="rect">
+              <a:avLst/>
+            </a:prstGeom>
+            <a:noFill/>
+          </p:spPr>
+          <p:txBody>
+            <a:bodyPr wrap="square" rtlCol="0">
+              <a:spAutoFit/>
+            </a:bodyPr>
+            <a:lstStyle/>
+            <a:p>
+              <a:r>
+                <a:rPr lang="en-US" sz="1600" dirty="0">
+                  <a:solidFill>
+                    <a:schemeClr val="bg1"/>
+                  </a:solidFill>
+                  <a:latin typeface="Times New Roman" panose="02020603050405020304" pitchFamily="18" charset="0"/>
+                  <a:cs typeface="Times New Roman" panose="02020603050405020304" pitchFamily="18" charset="0"/>
+                </a:rPr>
+                <a:t>(b)</a:t>
+              </a:r>
+            </a:p>
+          </p:txBody>
+        </p:sp>
+        <p:sp>
+          <p:nvSpPr>
+            <p:cNvPr id="19" name="TextBox 18">
+              <a:extLst>
+                <a:ext uri="{FF2B5EF4-FFF2-40B4-BE49-F238E27FC236}">
+                  <a16:creationId xmlns:a16="http://schemas.microsoft.com/office/drawing/2014/main" id="{D6BD3CC7-B2D0-A358-F520-3D0338F4EECC}"/>
+                </a:ext>
+              </a:extLst>
+            </p:cNvPr>
+            <p:cNvSpPr txBox="1"/>
+            <p:nvPr/>
+          </p:nvSpPr>
+          <p:spPr>
+            <a:xfrm>
+              <a:off x="6719730" y="1949913"/>
+              <a:ext cx="429950" cy="338554"/>
+            </a:xfrm>
+            <a:prstGeom prst="rect">
+              <a:avLst/>
+            </a:prstGeom>
+            <a:noFill/>
+          </p:spPr>
+          <p:txBody>
+            <a:bodyPr wrap="square" rtlCol="0">
+              <a:spAutoFit/>
+            </a:bodyPr>
+            <a:lstStyle/>
+            <a:p>
+              <a:r>
+                <a:rPr lang="en-US" sz="1600" dirty="0">
+                  <a:solidFill>
+                    <a:schemeClr val="bg1"/>
+                  </a:solidFill>
+                  <a:latin typeface="Times New Roman" panose="02020603050405020304" pitchFamily="18" charset="0"/>
+                  <a:cs typeface="Times New Roman" panose="02020603050405020304" pitchFamily="18" charset="0"/>
+                </a:rPr>
+                <a:t>(c)</a:t>
+              </a:r>
+            </a:p>
+          </p:txBody>
+        </p:sp>
+        <mc:AlternateContent xmlns:mc="http://schemas.openxmlformats.org/markup-compatibility/2006" xmlns:a14="http://schemas.microsoft.com/office/drawing/2010/main">
+          <mc:Choice Requires="a14">
+            <p:sp>
+              <p:nvSpPr>
+                <p:cNvPr id="20" name="TextBox 19">
+                  <a:extLst>
+                    <a:ext uri="{FF2B5EF4-FFF2-40B4-BE49-F238E27FC236}">
+                      <a16:creationId xmlns:a16="http://schemas.microsoft.com/office/drawing/2014/main" id="{55092DBB-51BA-B6F8-4C08-F4A07541B727}"/>
+                    </a:ext>
+                  </a:extLst>
+                </p:cNvPr>
+                <p:cNvSpPr txBox="1"/>
+                <p:nvPr/>
+              </p:nvSpPr>
+              <p:spPr>
+                <a:xfrm>
+                  <a:off x="9036156" y="1592543"/>
+                  <a:ext cx="919298" cy="276999"/>
+                </a:xfrm>
+                <a:prstGeom prst="rect">
+                  <a:avLst/>
+                </a:prstGeom>
+                <a:noFill/>
+              </p:spPr>
+              <p:txBody>
+                <a:bodyPr wrap="square" rtlCol="0">
+                  <a:spAutoFit/>
+                </a:bodyPr>
+                <a:lstStyle/>
+                <a:p>
+                  <a14:m>
+                    <m:oMath xmlns:m="http://schemas.openxmlformats.org/officeDocument/2006/math">
+                      <m:r>
+                        <a:rPr lang="en-US" sz="1200" b="0" i="1" smtClean="0">
+                          <a:latin typeface="Cambria Math" panose="02040503050406030204" pitchFamily="18" charset="0"/>
+                          <a:cs typeface="Times New Roman" panose="02020603050405020304" pitchFamily="18" charset="0"/>
+                        </a:rPr>
+                        <m:t>𝑊</m:t>
+                      </m:r>
+                      <m:r>
+                        <a:rPr lang="en-US" sz="1200" b="0" i="1" smtClean="0">
+                          <a:latin typeface="Cambria Math" panose="02040503050406030204" pitchFamily="18" charset="0"/>
+                          <a:cs typeface="Times New Roman" panose="02020603050405020304" pitchFamily="18" charset="0"/>
+                        </a:rPr>
+                        <m:t>/2</m:t>
+                      </m:r>
+                      <m:r>
+                        <a:rPr lang="en-US" sz="1200" b="0" i="1" smtClean="0">
+                          <a:latin typeface="Cambria Math" panose="02040503050406030204" pitchFamily="18" charset="0"/>
+                          <a:ea typeface="Cambria Math" panose="02040503050406030204" pitchFamily="18" charset="0"/>
+                          <a:cs typeface="Times New Roman" panose="02020603050405020304" pitchFamily="18" charset="0"/>
+                        </a:rPr>
+                        <m:t>𝜋</m:t>
+                      </m:r>
+                    </m:oMath>
+                  </a14:m>
+                  <a:r>
+                    <a:rPr lang="en-US" sz="1200" dirty="0">
+                      <a:latin typeface="Times New Roman" panose="02020603050405020304" pitchFamily="18" charset="0"/>
+                      <a:cs typeface="Times New Roman" panose="02020603050405020304" pitchFamily="18" charset="0"/>
+                    </a:rPr>
+                    <a:t> [Hz]</a:t>
+                  </a:r>
+                </a:p>
+              </p:txBody>
+            </p:sp>
+          </mc:Choice>
+          <mc:Fallback xmlns="">
+            <p:sp>
+              <p:nvSpPr>
+                <p:cNvPr id="20" name="TextBox 19">
+                  <a:extLst>
+                    <a:ext uri="{FF2B5EF4-FFF2-40B4-BE49-F238E27FC236}">
+                      <a16:creationId xmlns:a16="http://schemas.microsoft.com/office/drawing/2014/main" id="{55092DBB-51BA-B6F8-4C08-F4A07541B727}"/>
+                    </a:ext>
+                  </a:extLst>
+                </p:cNvPr>
+                <p:cNvSpPr txBox="1">
+                  <a:spLocks noRot="1" noChangeAspect="1" noMove="1" noResize="1" noEditPoints="1" noAdjustHandles="1" noChangeArrowheads="1" noChangeShapeType="1" noTextEdit="1"/>
+                </p:cNvSpPr>
+                <p:nvPr/>
+              </p:nvSpPr>
+              <p:spPr>
+                <a:xfrm>
+                  <a:off x="9036156" y="1592543"/>
+                  <a:ext cx="919298" cy="276999"/>
+                </a:xfrm>
+                <a:prstGeom prst="rect">
+                  <a:avLst/>
+                </a:prstGeom>
+                <a:blipFill>
+                  <a:blip r:embed="rId5"/>
+                  <a:stretch>
+                    <a:fillRect b="-17391"/>
+                  </a:stretch>
+                </a:blipFill>
+              </p:spPr>
+              <p:txBody>
+                <a:bodyPr/>
+                <a:lstStyle/>
+                <a:p>
+                  <a:r>
+                    <a:rPr lang="en-US">
+                      <a:noFill/>
+                    </a:rPr>
+                    <a:t> </a:t>
+                  </a:r>
+                </a:p>
+              </p:txBody>
+            </p:sp>
+          </mc:Fallback>
+        </mc:AlternateContent>
+      </p:grpSp>
     </p:spTree>
     <p:extLst>
       <p:ext uri="{BB962C8B-B14F-4D97-AF65-F5344CB8AC3E}">
@@ -4410,6 +6298,349 @@
           <a:chExt cx="0" cy="0"/>
         </a:xfrm>
       </p:grpSpPr>
+      <p:sp>
+        <p:nvSpPr>
+          <p:cNvPr id="4" name="TextBox 3">
+            <a:extLst>
+              <a:ext uri="{FF2B5EF4-FFF2-40B4-BE49-F238E27FC236}">
+                <a16:creationId xmlns:a16="http://schemas.microsoft.com/office/drawing/2014/main" id="{D27503A9-486D-0049-C9E4-ECB42EF1129B}"/>
+              </a:ext>
+            </a:extLst>
+          </p:cNvPr>
+          <p:cNvSpPr txBox="1"/>
+          <p:nvPr/>
+        </p:nvSpPr>
+        <p:spPr>
+          <a:xfrm>
+            <a:off x="4978736" y="591955"/>
+            <a:ext cx="756955" cy="369332"/>
+          </a:xfrm>
+          <a:prstGeom prst="rect">
+            <a:avLst/>
+          </a:prstGeom>
+          <a:noFill/>
+        </p:spPr>
+        <p:txBody>
+          <a:bodyPr wrap="square" rtlCol="0">
+            <a:spAutoFit/>
+          </a:bodyPr>
+          <a:lstStyle/>
+          <a:p>
+            <a:r>
+              <a:rPr lang="en-US" dirty="0"/>
+              <a:t>Mod</a:t>
+            </a:r>
+          </a:p>
+        </p:txBody>
+      </p:sp>
+      <p:sp>
+        <p:nvSpPr>
+          <p:cNvPr id="5" name="TextBox 4">
+            <a:extLst>
+              <a:ext uri="{FF2B5EF4-FFF2-40B4-BE49-F238E27FC236}">
+                <a16:creationId xmlns:a16="http://schemas.microsoft.com/office/drawing/2014/main" id="{E1ED2E2E-B030-4C2C-80C0-42834E072A14}"/>
+              </a:ext>
+            </a:extLst>
+          </p:cNvPr>
+          <p:cNvSpPr txBox="1"/>
+          <p:nvPr/>
+        </p:nvSpPr>
+        <p:spPr>
+          <a:xfrm>
+            <a:off x="1963032" y="591955"/>
+            <a:ext cx="1204062" cy="369332"/>
+          </a:xfrm>
+          <a:prstGeom prst="rect">
+            <a:avLst/>
+          </a:prstGeom>
+          <a:noFill/>
+        </p:spPr>
+        <p:txBody>
+          <a:bodyPr wrap="square" rtlCol="0">
+            <a:spAutoFit/>
+          </a:bodyPr>
+          <a:lstStyle/>
+          <a:p>
+            <a:r>
+              <a:rPr lang="en-US" dirty="0"/>
+              <a:t>Original</a:t>
+            </a:r>
+          </a:p>
+        </p:txBody>
+      </p:sp>
+      <p:grpSp>
+        <p:nvGrpSpPr>
+          <p:cNvPr id="12" name="Group 11">
+            <a:extLst>
+              <a:ext uri="{FF2B5EF4-FFF2-40B4-BE49-F238E27FC236}">
+                <a16:creationId xmlns:a16="http://schemas.microsoft.com/office/drawing/2014/main" id="{78C53C2C-E611-15AB-4C50-F5059DDF4552}"/>
+              </a:ext>
+            </a:extLst>
+          </p:cNvPr>
+          <p:cNvGrpSpPr/>
+          <p:nvPr/>
+        </p:nvGrpSpPr>
+        <p:grpSpPr>
+          <a:xfrm>
+            <a:off x="674995" y="1415520"/>
+            <a:ext cx="6549371" cy="3435067"/>
+            <a:chOff x="674995" y="1415520"/>
+            <a:chExt cx="6549371" cy="3435067"/>
+          </a:xfrm>
+        </p:grpSpPr>
+        <p:pic>
+          <p:nvPicPr>
+            <p:cNvPr id="7" name="Picture 6">
+              <a:extLst>
+                <a:ext uri="{FF2B5EF4-FFF2-40B4-BE49-F238E27FC236}">
+                  <a16:creationId xmlns:a16="http://schemas.microsoft.com/office/drawing/2014/main" id="{3335D3A9-1EAF-4AA8-A418-7E4B25EEF803}"/>
+                </a:ext>
+              </a:extLst>
+            </p:cNvPr>
+            <p:cNvPicPr>
+              <a:picLocks noChangeAspect="1"/>
+            </p:cNvPicPr>
+            <p:nvPr/>
+          </p:nvPicPr>
+          <p:blipFill>
+            <a:blip r:embed="rId2"/>
+            <a:srcRect l="11757"/>
+            <a:stretch/>
+          </p:blipFill>
+          <p:spPr>
+            <a:xfrm>
+              <a:off x="3857436" y="1692519"/>
+              <a:ext cx="3126423" cy="3158068"/>
+            </a:xfrm>
+            <a:prstGeom prst="rect">
+              <a:avLst/>
+            </a:prstGeom>
+          </p:spPr>
+        </p:pic>
+        <p:pic>
+          <p:nvPicPr>
+            <p:cNvPr id="8" name="Picture 7">
+              <a:extLst>
+                <a:ext uri="{FF2B5EF4-FFF2-40B4-BE49-F238E27FC236}">
+                  <a16:creationId xmlns:a16="http://schemas.microsoft.com/office/drawing/2014/main" id="{A1E7EB5C-99CF-271D-7ACD-7B0BD3B66194}"/>
+                </a:ext>
+              </a:extLst>
+            </p:cNvPr>
+            <p:cNvPicPr>
+              <a:picLocks noChangeAspect="1"/>
+            </p:cNvPicPr>
+            <p:nvPr/>
+          </p:nvPicPr>
+          <p:blipFill>
+            <a:blip r:embed="rId3"/>
+            <a:srcRect r="10175"/>
+            <a:stretch/>
+          </p:blipFill>
+          <p:spPr>
+            <a:xfrm>
+              <a:off x="674995" y="1692519"/>
+              <a:ext cx="3182441" cy="3158068"/>
+            </a:xfrm>
+            <a:prstGeom prst="rect">
+              <a:avLst/>
+            </a:prstGeom>
+          </p:spPr>
+        </p:pic>
+        <p:sp>
+          <p:nvSpPr>
+            <p:cNvPr id="9" name="TextBox 8">
+              <a:extLst>
+                <a:ext uri="{FF2B5EF4-FFF2-40B4-BE49-F238E27FC236}">
+                  <a16:creationId xmlns:a16="http://schemas.microsoft.com/office/drawing/2014/main" id="{2E808D79-B0DA-9D89-A59F-CC3CA1185481}"/>
+                </a:ext>
+              </a:extLst>
+            </p:cNvPr>
+            <p:cNvSpPr txBox="1"/>
+            <p:nvPr/>
+          </p:nvSpPr>
+          <p:spPr>
+            <a:xfrm>
+              <a:off x="1223237" y="1792466"/>
+              <a:ext cx="429950" cy="338554"/>
+            </a:xfrm>
+            <a:prstGeom prst="rect">
+              <a:avLst/>
+            </a:prstGeom>
+            <a:noFill/>
+          </p:spPr>
+          <p:txBody>
+            <a:bodyPr wrap="square" rtlCol="0">
+              <a:spAutoFit/>
+            </a:bodyPr>
+            <a:lstStyle/>
+            <a:p>
+              <a:r>
+                <a:rPr lang="en-US" sz="1600" dirty="0">
+                  <a:solidFill>
+                    <a:schemeClr val="bg1"/>
+                  </a:solidFill>
+                  <a:latin typeface="Times New Roman" panose="02020603050405020304" pitchFamily="18" charset="0"/>
+                  <a:cs typeface="Times New Roman" panose="02020603050405020304" pitchFamily="18" charset="0"/>
+                </a:rPr>
+                <a:t>(a)</a:t>
+              </a:r>
+            </a:p>
+          </p:txBody>
+        </p:sp>
+        <p:sp>
+          <p:nvSpPr>
+            <p:cNvPr id="10" name="TextBox 9">
+              <a:extLst>
+                <a:ext uri="{FF2B5EF4-FFF2-40B4-BE49-F238E27FC236}">
+                  <a16:creationId xmlns:a16="http://schemas.microsoft.com/office/drawing/2014/main" id="{E8BEDC22-A6E0-D181-B6F3-B1ACAB881A13}"/>
+                </a:ext>
+              </a:extLst>
+            </p:cNvPr>
+            <p:cNvSpPr txBox="1"/>
+            <p:nvPr/>
+          </p:nvSpPr>
+          <p:spPr>
+            <a:xfrm>
+              <a:off x="3975728" y="1792466"/>
+              <a:ext cx="429950" cy="338554"/>
+            </a:xfrm>
+            <a:prstGeom prst="rect">
+              <a:avLst/>
+            </a:prstGeom>
+            <a:noFill/>
+          </p:spPr>
+          <p:txBody>
+            <a:bodyPr wrap="square" rtlCol="0">
+              <a:spAutoFit/>
+            </a:bodyPr>
+            <a:lstStyle/>
+            <a:p>
+              <a:r>
+                <a:rPr lang="en-US" sz="1600" dirty="0">
+                  <a:solidFill>
+                    <a:schemeClr val="bg1"/>
+                  </a:solidFill>
+                  <a:latin typeface="Times New Roman" panose="02020603050405020304" pitchFamily="18" charset="0"/>
+                  <a:cs typeface="Times New Roman" panose="02020603050405020304" pitchFamily="18" charset="0"/>
+                </a:rPr>
+                <a:t>(b)</a:t>
+              </a:r>
+            </a:p>
+          </p:txBody>
+        </p:sp>
+        <mc:AlternateContent xmlns:mc="http://schemas.openxmlformats.org/markup-compatibility/2006" xmlns:a14="http://schemas.microsoft.com/office/drawing/2010/main">
+          <mc:Choice Requires="a14">
+            <p:sp>
+              <p:nvSpPr>
+                <p:cNvPr id="11" name="TextBox 10">
+                  <a:extLst>
+                    <a:ext uri="{FF2B5EF4-FFF2-40B4-BE49-F238E27FC236}">
+                      <a16:creationId xmlns:a16="http://schemas.microsoft.com/office/drawing/2014/main" id="{A5A40569-E1EC-E442-443D-F501D82FB600}"/>
+                    </a:ext>
+                  </a:extLst>
+                </p:cNvPr>
+                <p:cNvSpPr txBox="1"/>
+                <p:nvPr/>
+              </p:nvSpPr>
+              <p:spPr>
+                <a:xfrm>
+                  <a:off x="6305068" y="1415520"/>
+                  <a:ext cx="919298" cy="276999"/>
+                </a:xfrm>
+                <a:prstGeom prst="rect">
+                  <a:avLst/>
+                </a:prstGeom>
+                <a:noFill/>
+              </p:spPr>
+              <p:txBody>
+                <a:bodyPr wrap="square" rtlCol="0">
+                  <a:spAutoFit/>
+                </a:bodyPr>
+                <a:lstStyle/>
+                <a:p>
+                  <a14:m>
+                    <m:oMath xmlns:m="http://schemas.openxmlformats.org/officeDocument/2006/math">
+                      <m:r>
+                        <a:rPr lang="en-US" sz="1200" b="0" i="1" smtClean="0">
+                          <a:latin typeface="Cambria Math" panose="02040503050406030204" pitchFamily="18" charset="0"/>
+                          <a:cs typeface="Times New Roman" panose="02020603050405020304" pitchFamily="18" charset="0"/>
+                        </a:rPr>
+                        <m:t>𝑊</m:t>
+                      </m:r>
+                      <m:r>
+                        <a:rPr lang="en-US" sz="1200" b="0" i="1" smtClean="0">
+                          <a:latin typeface="Cambria Math" panose="02040503050406030204" pitchFamily="18" charset="0"/>
+                          <a:cs typeface="Times New Roman" panose="02020603050405020304" pitchFamily="18" charset="0"/>
+                        </a:rPr>
+                        <m:t>/2</m:t>
+                      </m:r>
+                      <m:r>
+                        <a:rPr lang="en-US" sz="1200" b="0" i="1" smtClean="0">
+                          <a:latin typeface="Cambria Math" panose="02040503050406030204" pitchFamily="18" charset="0"/>
+                          <a:ea typeface="Cambria Math" panose="02040503050406030204" pitchFamily="18" charset="0"/>
+                          <a:cs typeface="Times New Roman" panose="02020603050405020304" pitchFamily="18" charset="0"/>
+                        </a:rPr>
+                        <m:t>𝜋</m:t>
+                      </m:r>
+                    </m:oMath>
+                  </a14:m>
+                  <a:r>
+                    <a:rPr lang="en-US" sz="1200" dirty="0">
+                      <a:latin typeface="Times New Roman" panose="02020603050405020304" pitchFamily="18" charset="0"/>
+                      <a:cs typeface="Times New Roman" panose="02020603050405020304" pitchFamily="18" charset="0"/>
+                    </a:rPr>
+                    <a:t> [Hz]</a:t>
+                  </a:r>
+                </a:p>
+              </p:txBody>
+            </p:sp>
+          </mc:Choice>
+          <mc:Fallback xmlns="">
+            <p:sp>
+              <p:nvSpPr>
+                <p:cNvPr id="11" name="TextBox 10">
+                  <a:extLst>
+                    <a:ext uri="{FF2B5EF4-FFF2-40B4-BE49-F238E27FC236}">
+                      <a16:creationId xmlns:a16="http://schemas.microsoft.com/office/drawing/2014/main" id="{A5A40569-E1EC-E442-443D-F501D82FB600}"/>
+                    </a:ext>
+                  </a:extLst>
+                </p:cNvPr>
+                <p:cNvSpPr txBox="1">
+                  <a:spLocks noRot="1" noChangeAspect="1" noMove="1" noResize="1" noEditPoints="1" noAdjustHandles="1" noChangeArrowheads="1" noChangeShapeType="1" noTextEdit="1"/>
+                </p:cNvSpPr>
+                <p:nvPr/>
+              </p:nvSpPr>
+              <p:spPr>
+                <a:xfrm>
+                  <a:off x="6305068" y="1415520"/>
+                  <a:ext cx="919298" cy="276999"/>
+                </a:xfrm>
+                <a:prstGeom prst="rect">
+                  <a:avLst/>
+                </a:prstGeom>
+                <a:blipFill>
+                  <a:blip r:embed="rId4"/>
+                  <a:stretch>
+                    <a:fillRect b="-17391"/>
+                  </a:stretch>
+                </a:blipFill>
+              </p:spPr>
+              <p:txBody>
+                <a:bodyPr/>
+                <a:lstStyle/>
+                <a:p>
+                  <a:r>
+                    <a:rPr lang="en-US">
+                      <a:noFill/>
+                    </a:rPr>
+                    <a:t> </a:t>
+                  </a:r>
+                </a:p>
+              </p:txBody>
+            </p:sp>
+          </mc:Fallback>
+        </mc:AlternateContent>
+      </p:grpSp>
     </p:spTree>
     <p:extLst>
       <p:ext uri="{BB962C8B-B14F-4D97-AF65-F5344CB8AC3E}">

--- a/Figures/Final/Figure Edits.pptx
+++ b/Figures/Final/Figure Edits.pptx
@@ -4267,7 +4267,7 @@
         </p:blipFill>
         <p:spPr>
           <a:xfrm>
-            <a:off x="6414927" y="2044903"/>
+            <a:off x="8708361" y="1792238"/>
             <a:ext cx="3161797" cy="1723489"/>
           </a:xfrm>
           <a:prstGeom prst="rect">
@@ -4277,10 +4277,10 @@
       </p:pic>
       <p:grpSp>
         <p:nvGrpSpPr>
-          <p:cNvPr id="15" name="Group 14">
-            <a:extLst>
-              <a:ext uri="{FF2B5EF4-FFF2-40B4-BE49-F238E27FC236}">
-                <a16:creationId xmlns:a16="http://schemas.microsoft.com/office/drawing/2014/main" id="{6304DD12-6B64-D906-34E3-9D30D87C917A}"/>
+          <p:cNvPr id="17" name="Group 16">
+            <a:extLst>
+              <a:ext uri="{FF2B5EF4-FFF2-40B4-BE49-F238E27FC236}">
+                <a16:creationId xmlns:a16="http://schemas.microsoft.com/office/drawing/2014/main" id="{34879CC4-04BA-74DB-1849-DB2FECB716ED}"/>
               </a:ext>
             </a:extLst>
           </p:cNvPr>
@@ -4289,121 +4289,100 @@
         </p:nvGrpSpPr>
         <p:grpSpPr>
           <a:xfrm>
-            <a:off x="2106607" y="925991"/>
-            <a:ext cx="3397958" cy="4723884"/>
-            <a:chOff x="2106607" y="925991"/>
-            <a:chExt cx="3397958" cy="4723884"/>
+            <a:off x="2188424" y="895592"/>
+            <a:ext cx="3316140" cy="4877035"/>
+            <a:chOff x="2188424" y="895592"/>
+            <a:chExt cx="3316140" cy="4877035"/>
           </a:xfrm>
         </p:grpSpPr>
-        <p:grpSp>
-          <p:nvGrpSpPr>
-            <p:cNvPr id="10" name="Group 9">
+        <p:pic>
+          <p:nvPicPr>
+            <p:cNvPr id="4" name="Picture 3">
               <a:extLst>
                 <a:ext uri="{FF2B5EF4-FFF2-40B4-BE49-F238E27FC236}">
-                  <a16:creationId xmlns:a16="http://schemas.microsoft.com/office/drawing/2014/main" id="{72515CC0-2092-E04A-6339-DD49582976C2}"/>
+                  <a16:creationId xmlns:a16="http://schemas.microsoft.com/office/drawing/2014/main" id="{3F29600C-9569-A582-F292-EFF6AF76578F}"/>
                 </a:ext>
               </a:extLst>
             </p:cNvPr>
-            <p:cNvGrpSpPr/>
+            <p:cNvPicPr>
+              <a:picLocks noChangeAspect="1"/>
+            </p:cNvPicPr>
             <p:nvPr/>
-          </p:nvGrpSpPr>
-          <p:grpSpPr>
+          </p:nvPicPr>
+          <p:blipFill>
+            <a:blip r:embed="rId3"/>
+            <a:stretch>
+              <a:fillRect/>
+            </a:stretch>
+          </p:blipFill>
+          <p:spPr>
             <a:xfrm>
-              <a:off x="2342769" y="956944"/>
-              <a:ext cx="3161796" cy="4692931"/>
-              <a:chOff x="1628205" y="206046"/>
-              <a:chExt cx="3161796" cy="4692931"/>
+              <a:off x="2342764" y="4018138"/>
+              <a:ext cx="3161800" cy="1754489"/>
             </a:xfrm>
-          </p:grpSpPr>
-          <p:pic>
-            <p:nvPicPr>
-              <p:cNvPr id="3" name="Picture 2">
-                <a:extLst>
-                  <a:ext uri="{FF2B5EF4-FFF2-40B4-BE49-F238E27FC236}">
-                    <a16:creationId xmlns:a16="http://schemas.microsoft.com/office/drawing/2014/main" id="{A0D509A4-659A-66B2-7245-B54A51965C96}"/>
-                  </a:ext>
-                </a:extLst>
-              </p:cNvPr>
-              <p:cNvPicPr>
-                <a:picLocks noChangeAspect="1"/>
-              </p:cNvPicPr>
-              <p:nvPr/>
-            </p:nvPicPr>
-            <p:blipFill>
-              <a:blip r:embed="rId3"/>
-              <a:stretch>
-                <a:fillRect/>
-              </a:stretch>
-            </p:blipFill>
-            <p:spPr>
-              <a:xfrm>
-                <a:off x="1628205" y="3175488"/>
-                <a:ext cx="3161796" cy="1723489"/>
-              </a:xfrm>
-              <a:prstGeom prst="rect">
-                <a:avLst/>
-              </a:prstGeom>
-            </p:spPr>
-          </p:pic>
-          <p:pic>
-            <p:nvPicPr>
-              <p:cNvPr id="5" name="Picture 4">
-                <a:extLst>
-                  <a:ext uri="{FF2B5EF4-FFF2-40B4-BE49-F238E27FC236}">
-                    <a16:creationId xmlns:a16="http://schemas.microsoft.com/office/drawing/2014/main" id="{B8AF1C94-BF75-3B0E-0102-779043F78E4C}"/>
-                  </a:ext>
-                </a:extLst>
-              </p:cNvPr>
-              <p:cNvPicPr>
-                <a:picLocks noChangeAspect="1"/>
-              </p:cNvPicPr>
-              <p:nvPr/>
-            </p:nvPicPr>
-            <p:blipFill>
-              <a:blip r:embed="rId4"/>
-              <a:srcRect b="13834"/>
-              <a:stretch/>
-            </p:blipFill>
-            <p:spPr>
-              <a:xfrm>
-                <a:off x="1628206" y="1691780"/>
-                <a:ext cx="3161795" cy="1485059"/>
-              </a:xfrm>
-              <a:prstGeom prst="rect">
-                <a:avLst/>
-              </a:prstGeom>
-            </p:spPr>
-          </p:pic>
-          <p:pic>
-            <p:nvPicPr>
-              <p:cNvPr id="9" name="Picture 8">
-                <a:extLst>
-                  <a:ext uri="{FF2B5EF4-FFF2-40B4-BE49-F238E27FC236}">
-                    <a16:creationId xmlns:a16="http://schemas.microsoft.com/office/drawing/2014/main" id="{B2104AA7-F7A1-2EA0-636B-A8670AED29A7}"/>
-                  </a:ext>
-                </a:extLst>
-              </p:cNvPr>
-              <p:cNvPicPr>
-                <a:picLocks noChangeAspect="1"/>
-              </p:cNvPicPr>
-              <p:nvPr/>
-            </p:nvPicPr>
-            <p:blipFill>
-              <a:blip r:embed="rId5"/>
-              <a:srcRect b="13834"/>
-              <a:stretch/>
-            </p:blipFill>
-            <p:spPr>
-              <a:xfrm>
-                <a:off x="1628205" y="206046"/>
-                <a:ext cx="3161795" cy="1485059"/>
-              </a:xfrm>
-              <a:prstGeom prst="rect">
-                <a:avLst/>
-              </a:prstGeom>
-            </p:spPr>
-          </p:pic>
-        </p:grpSp>
+            <a:prstGeom prst="rect">
+              <a:avLst/>
+            </a:prstGeom>
+          </p:spPr>
+        </p:pic>
+        <p:pic>
+          <p:nvPicPr>
+            <p:cNvPr id="8" name="Picture 7">
+              <a:extLst>
+                <a:ext uri="{FF2B5EF4-FFF2-40B4-BE49-F238E27FC236}">
+                  <a16:creationId xmlns:a16="http://schemas.microsoft.com/office/drawing/2014/main" id="{D1501A44-CC7C-1FE8-B987-260C29EC8350}"/>
+                </a:ext>
+              </a:extLst>
+            </p:cNvPr>
+            <p:cNvPicPr>
+              <a:picLocks noChangeAspect="1"/>
+            </p:cNvPicPr>
+            <p:nvPr/>
+          </p:nvPicPr>
+          <p:blipFill>
+            <a:blip r:embed="rId4"/>
+            <a:srcRect b="12007"/>
+            <a:stretch/>
+          </p:blipFill>
+          <p:spPr>
+            <a:xfrm>
+              <a:off x="2342765" y="2442003"/>
+              <a:ext cx="3161799" cy="1543831"/>
+            </a:xfrm>
+            <a:prstGeom prst="rect">
+              <a:avLst/>
+            </a:prstGeom>
+          </p:spPr>
+        </p:pic>
+        <p:pic>
+          <p:nvPicPr>
+            <p:cNvPr id="16" name="Picture 15">
+              <a:extLst>
+                <a:ext uri="{FF2B5EF4-FFF2-40B4-BE49-F238E27FC236}">
+                  <a16:creationId xmlns:a16="http://schemas.microsoft.com/office/drawing/2014/main" id="{0CF045C0-2A15-98AF-24D1-CC683EBD5B05}"/>
+                </a:ext>
+              </a:extLst>
+            </p:cNvPr>
+            <p:cNvPicPr>
+              <a:picLocks noChangeAspect="1"/>
+            </p:cNvPicPr>
+            <p:nvPr/>
+          </p:nvPicPr>
+          <p:blipFill>
+            <a:blip r:embed="rId5"/>
+            <a:srcRect t="1" b="12007"/>
+            <a:stretch/>
+          </p:blipFill>
+          <p:spPr>
+            <a:xfrm>
+              <a:off x="2342766" y="895592"/>
+              <a:ext cx="3161798" cy="1543831"/>
+            </a:xfrm>
+            <a:prstGeom prst="rect">
+              <a:avLst/>
+            </a:prstGeom>
+          </p:spPr>
+        </p:pic>
         <p:sp>
           <p:nvSpPr>
             <p:cNvPr id="11" name="TextBox 10">
@@ -4418,8 +4397,8 @@
           </p:nvSpPr>
           <p:spPr>
             <a:xfrm>
-              <a:off x="2106607" y="925991"/>
-              <a:ext cx="429950" cy="276999"/>
+              <a:off x="2188424" y="940430"/>
+              <a:ext cx="429950" cy="261610"/>
             </a:xfrm>
             <a:prstGeom prst="rect">
               <a:avLst/>
@@ -4433,7 +4412,7 @@
             <a:lstStyle/>
             <a:p>
               <a:r>
-                <a:rPr lang="en-US" sz="1200" dirty="0">
+                <a:rPr lang="en-US" sz="1100" dirty="0">
                   <a:latin typeface="Times New Roman" panose="02020603050405020304" pitchFamily="18" charset="0"/>
                   <a:cs typeface="Times New Roman" panose="02020603050405020304" pitchFamily="18" charset="0"/>
                 </a:rPr>
@@ -4456,8 +4435,8 @@
           </p:nvSpPr>
           <p:spPr>
             <a:xfrm>
-              <a:off x="2106607" y="2409699"/>
-              <a:ext cx="429950" cy="276999"/>
+              <a:off x="2188424" y="2484097"/>
+              <a:ext cx="429950" cy="261610"/>
             </a:xfrm>
             <a:prstGeom prst="rect">
               <a:avLst/>
@@ -4471,7 +4450,7 @@
             <a:lstStyle/>
             <a:p>
               <a:r>
-                <a:rPr lang="en-US" sz="1200" dirty="0">
+                <a:rPr lang="en-US" sz="1100" dirty="0">
                   <a:latin typeface="Times New Roman" panose="02020603050405020304" pitchFamily="18" charset="0"/>
                   <a:cs typeface="Times New Roman" panose="02020603050405020304" pitchFamily="18" charset="0"/>
                 </a:rPr>
@@ -4494,8 +4473,8 @@
           </p:nvSpPr>
           <p:spPr>
             <a:xfrm>
-              <a:off x="2106607" y="3893407"/>
-              <a:ext cx="429950" cy="276999"/>
+              <a:off x="2188424" y="4018138"/>
+              <a:ext cx="429950" cy="261610"/>
             </a:xfrm>
             <a:prstGeom prst="rect">
               <a:avLst/>
@@ -4509,7 +4488,7 @@
             <a:lstStyle/>
             <a:p>
               <a:r>
-                <a:rPr lang="en-US" sz="1200" dirty="0">
+                <a:rPr lang="en-US" sz="1100" dirty="0">
                   <a:latin typeface="Times New Roman" panose="02020603050405020304" pitchFamily="18" charset="0"/>
                   <a:cs typeface="Times New Roman" panose="02020603050405020304" pitchFamily="18" charset="0"/>
                 </a:rPr>

--- a/Figures/Final/Figure Edits.pptx
+++ b/Figures/Final/Figure Edits.pptx
@@ -271,7 +271,7 @@
           <a:p>
             <a:fld id="{89ACA6FD-605E-624E-819A-5AEF303D7F38}" type="datetimeFigureOut">
               <a:rPr lang="en-US" smtClean="0"/>
-              <a:t>4/27/25</a:t>
+              <a:t>4/29/25</a:t>
             </a:fld>
             <a:endParaRPr lang="en-US"/>
           </a:p>
@@ -469,7 +469,7 @@
           <a:p>
             <a:fld id="{89ACA6FD-605E-624E-819A-5AEF303D7F38}" type="datetimeFigureOut">
               <a:rPr lang="en-US" smtClean="0"/>
-              <a:t>4/27/25</a:t>
+              <a:t>4/29/25</a:t>
             </a:fld>
             <a:endParaRPr lang="en-US"/>
           </a:p>
@@ -677,7 +677,7 @@
           <a:p>
             <a:fld id="{89ACA6FD-605E-624E-819A-5AEF303D7F38}" type="datetimeFigureOut">
               <a:rPr lang="en-US" smtClean="0"/>
-              <a:t>4/27/25</a:t>
+              <a:t>4/29/25</a:t>
             </a:fld>
             <a:endParaRPr lang="en-US"/>
           </a:p>
@@ -875,7 +875,7 @@
           <a:p>
             <a:fld id="{89ACA6FD-605E-624E-819A-5AEF303D7F38}" type="datetimeFigureOut">
               <a:rPr lang="en-US" smtClean="0"/>
-              <a:t>4/27/25</a:t>
+              <a:t>4/29/25</a:t>
             </a:fld>
             <a:endParaRPr lang="en-US"/>
           </a:p>
@@ -1150,7 +1150,7 @@
           <a:p>
             <a:fld id="{89ACA6FD-605E-624E-819A-5AEF303D7F38}" type="datetimeFigureOut">
               <a:rPr lang="en-US" smtClean="0"/>
-              <a:t>4/27/25</a:t>
+              <a:t>4/29/25</a:t>
             </a:fld>
             <a:endParaRPr lang="en-US"/>
           </a:p>
@@ -1415,7 +1415,7 @@
           <a:p>
             <a:fld id="{89ACA6FD-605E-624E-819A-5AEF303D7F38}" type="datetimeFigureOut">
               <a:rPr lang="en-US" smtClean="0"/>
-              <a:t>4/27/25</a:t>
+              <a:t>4/29/25</a:t>
             </a:fld>
             <a:endParaRPr lang="en-US"/>
           </a:p>
@@ -1827,7 +1827,7 @@
           <a:p>
             <a:fld id="{89ACA6FD-605E-624E-819A-5AEF303D7F38}" type="datetimeFigureOut">
               <a:rPr lang="en-US" smtClean="0"/>
-              <a:t>4/27/25</a:t>
+              <a:t>4/29/25</a:t>
             </a:fld>
             <a:endParaRPr lang="en-US"/>
           </a:p>
@@ -1968,7 +1968,7 @@
           <a:p>
             <a:fld id="{89ACA6FD-605E-624E-819A-5AEF303D7F38}" type="datetimeFigureOut">
               <a:rPr lang="en-US" smtClean="0"/>
-              <a:t>4/27/25</a:t>
+              <a:t>4/29/25</a:t>
             </a:fld>
             <a:endParaRPr lang="en-US"/>
           </a:p>
@@ -2081,7 +2081,7 @@
           <a:p>
             <a:fld id="{89ACA6FD-605E-624E-819A-5AEF303D7F38}" type="datetimeFigureOut">
               <a:rPr lang="en-US" smtClean="0"/>
-              <a:t>4/27/25</a:t>
+              <a:t>4/29/25</a:t>
             </a:fld>
             <a:endParaRPr lang="en-US"/>
           </a:p>
@@ -2392,7 +2392,7 @@
           <a:p>
             <a:fld id="{89ACA6FD-605E-624E-819A-5AEF303D7F38}" type="datetimeFigureOut">
               <a:rPr lang="en-US" smtClean="0"/>
-              <a:t>4/27/25</a:t>
+              <a:t>4/29/25</a:t>
             </a:fld>
             <a:endParaRPr lang="en-US"/>
           </a:p>
@@ -2680,7 +2680,7 @@
           <a:p>
             <a:fld id="{89ACA6FD-605E-624E-819A-5AEF303D7F38}" type="datetimeFigureOut">
               <a:rPr lang="en-US" smtClean="0"/>
-              <a:t>4/27/25</a:t>
+              <a:t>4/29/25</a:t>
             </a:fld>
             <a:endParaRPr lang="en-US"/>
           </a:p>
@@ -2921,7 +2921,7 @@
           <a:p>
             <a:fld id="{89ACA6FD-605E-624E-819A-5AEF303D7F38}" type="datetimeFigureOut">
               <a:rPr lang="en-US" smtClean="0"/>
-              <a:t>4/27/25</a:t>
+              <a:t>4/29/25</a:t>
             </a:fld>
             <a:endParaRPr lang="en-US"/>
           </a:p>
@@ -5036,10 +5036,10 @@
       </p:sp>
       <p:grpSp>
         <p:nvGrpSpPr>
-          <p:cNvPr id="19" name="Group 18">
+          <p:cNvPr id="8" name="Group 7">
             <a:extLst>
               <a:ext uri="{FF2B5EF4-FFF2-40B4-BE49-F238E27FC236}">
-                <a16:creationId xmlns:a16="http://schemas.microsoft.com/office/drawing/2014/main" id="{A137D02C-7628-19E1-0CE1-72A079C3572A}"/>
+                <a16:creationId xmlns:a16="http://schemas.microsoft.com/office/drawing/2014/main" id="{0CDAB640-0062-200E-033B-3582A5F049F1}"/>
               </a:ext>
             </a:extLst>
           </p:cNvPr>
@@ -5048,18 +5048,18 @@
         </p:nvGrpSpPr>
         <p:grpSpPr>
           <a:xfrm>
-            <a:off x="494831" y="735501"/>
-            <a:ext cx="11202337" cy="5195027"/>
-            <a:chOff x="324786" y="602277"/>
-            <a:chExt cx="11202337" cy="5195027"/>
+            <a:off x="394815" y="614386"/>
+            <a:ext cx="11302353" cy="5316142"/>
+            <a:chOff x="394815" y="614386"/>
+            <a:chExt cx="11302353" cy="5316142"/>
           </a:xfrm>
         </p:grpSpPr>
         <p:grpSp>
           <p:nvGrpSpPr>
-            <p:cNvPr id="18" name="Group 17">
+            <p:cNvPr id="19" name="Group 18">
               <a:extLst>
                 <a:ext uri="{FF2B5EF4-FFF2-40B4-BE49-F238E27FC236}">
-                  <a16:creationId xmlns:a16="http://schemas.microsoft.com/office/drawing/2014/main" id="{973B38FC-E153-9649-BE3E-EC6AD45B8E4B}"/>
+                  <a16:creationId xmlns:a16="http://schemas.microsoft.com/office/drawing/2014/main" id="{A137D02C-7628-19E1-0CE1-72A079C3572A}"/>
                 </a:ext>
               </a:extLst>
             </p:cNvPr>
@@ -5068,69 +5068,38 @@
           </p:nvGrpSpPr>
           <p:grpSpPr>
             <a:xfrm>
-              <a:off x="5365131" y="602277"/>
-              <a:ext cx="6161992" cy="5184005"/>
-              <a:chOff x="5415943" y="662617"/>
-              <a:chExt cx="6382718" cy="5369698"/>
+              <a:off x="494831" y="735501"/>
+              <a:ext cx="11202337" cy="5195027"/>
+              <a:chOff x="324786" y="602277"/>
+              <a:chExt cx="11202337" cy="5195027"/>
             </a:xfrm>
           </p:grpSpPr>
-          <p:pic>
-            <p:nvPicPr>
-              <p:cNvPr id="6" name="Picture 5">
+          <p:grpSp>
+            <p:nvGrpSpPr>
+              <p:cNvPr id="18" name="Group 17">
                 <a:extLst>
                   <a:ext uri="{FF2B5EF4-FFF2-40B4-BE49-F238E27FC236}">
-                    <a16:creationId xmlns:a16="http://schemas.microsoft.com/office/drawing/2014/main" id="{1C993659-2579-77D6-C727-D95747EFEEB5}"/>
+                    <a16:creationId xmlns:a16="http://schemas.microsoft.com/office/drawing/2014/main" id="{973B38FC-E153-9649-BE3E-EC6AD45B8E4B}"/>
                   </a:ext>
                 </a:extLst>
               </p:cNvPr>
-              <p:cNvPicPr>
-                <a:picLocks noChangeAspect="1"/>
-              </p:cNvPicPr>
-              <p:nvPr/>
-            </p:nvPicPr>
-            <p:blipFill>
-              <a:blip r:embed="rId2"/>
-              <a:srcRect r="21497" b="21105"/>
-              <a:stretch/>
-            </p:blipFill>
-            <p:spPr>
-              <a:xfrm>
-                <a:off x="5488611" y="662617"/>
-                <a:ext cx="4955780" cy="1652260"/>
-              </a:xfrm>
-              <a:prstGeom prst="rect">
-                <a:avLst/>
-              </a:prstGeom>
-            </p:spPr>
-          </p:pic>
-          <p:grpSp>
-            <p:nvGrpSpPr>
-              <p:cNvPr id="9" name="Group 8">
-                <a:extLst>
-                  <a:ext uri="{FF2B5EF4-FFF2-40B4-BE49-F238E27FC236}">
-                    <a16:creationId xmlns:a16="http://schemas.microsoft.com/office/drawing/2014/main" id="{1E91252A-2872-AAAC-94E1-7F19EE84B081}"/>
-                  </a:ext>
-                </a:extLst>
-              </p:cNvPr>
-              <p:cNvGrpSpPr>
-                <a:grpSpLocks noChangeAspect="1"/>
-              </p:cNvGrpSpPr>
+              <p:cNvGrpSpPr/>
               <p:nvPr/>
             </p:nvGrpSpPr>
             <p:grpSpPr>
               <a:xfrm>
-                <a:off x="5488611" y="3973307"/>
-                <a:ext cx="4948322" cy="2059008"/>
-                <a:chOff x="2467707" y="3839122"/>
-                <a:chExt cx="4892557" cy="2035804"/>
+                <a:off x="5365131" y="602277"/>
+                <a:ext cx="6161992" cy="5184005"/>
+                <a:chOff x="5415943" y="662617"/>
+                <a:chExt cx="6382718" cy="5369698"/>
               </a:xfrm>
             </p:grpSpPr>
             <p:pic>
               <p:nvPicPr>
-                <p:cNvPr id="3" name="Picture 2">
+                <p:cNvPr id="6" name="Picture 5">
                   <a:extLst>
                     <a:ext uri="{FF2B5EF4-FFF2-40B4-BE49-F238E27FC236}">
-                      <a16:creationId xmlns:a16="http://schemas.microsoft.com/office/drawing/2014/main" id="{38D037F7-E3D1-B9F9-1D9C-1B34E8024407}"/>
+                      <a16:creationId xmlns:a16="http://schemas.microsoft.com/office/drawing/2014/main" id="{1C993659-2579-77D6-C727-D95747EFEEB5}"/>
                     </a:ext>
                   </a:extLst>
                 </p:cNvPr>
@@ -5140,26 +5109,107 @@
                 <p:nvPr/>
               </p:nvPicPr>
               <p:blipFill>
-                <a:blip r:embed="rId3"/>
-                <a:srcRect t="7899" r="21629"/>
+                <a:blip r:embed="rId2"/>
+                <a:srcRect r="21497" b="21105"/>
                 <a:stretch/>
               </p:blipFill>
               <p:spPr>
                 <a:xfrm>
-                  <a:off x="2467707" y="3839122"/>
-                  <a:ext cx="4892557" cy="2035804"/>
+                  <a:off x="5488611" y="662617"/>
+                  <a:ext cx="4955780" cy="1652260"/>
                 </a:xfrm>
                 <a:prstGeom prst="rect">
                   <a:avLst/>
                 </a:prstGeom>
               </p:spPr>
             </p:pic>
+            <p:grpSp>
+              <p:nvGrpSpPr>
+                <p:cNvPr id="9" name="Group 8">
+                  <a:extLst>
+                    <a:ext uri="{FF2B5EF4-FFF2-40B4-BE49-F238E27FC236}">
+                      <a16:creationId xmlns:a16="http://schemas.microsoft.com/office/drawing/2014/main" id="{1E91252A-2872-AAAC-94E1-7F19EE84B081}"/>
+                    </a:ext>
+                  </a:extLst>
+                </p:cNvPr>
+                <p:cNvGrpSpPr>
+                  <a:grpSpLocks noChangeAspect="1"/>
+                </p:cNvGrpSpPr>
+                <p:nvPr/>
+              </p:nvGrpSpPr>
+              <p:grpSpPr>
+                <a:xfrm>
+                  <a:off x="5488611" y="3973307"/>
+                  <a:ext cx="4948322" cy="2059008"/>
+                  <a:chOff x="2467707" y="3839122"/>
+                  <a:chExt cx="4892557" cy="2035804"/>
+                </a:xfrm>
+              </p:grpSpPr>
+              <p:pic>
+                <p:nvPicPr>
+                  <p:cNvPr id="3" name="Picture 2">
+                    <a:extLst>
+                      <a:ext uri="{FF2B5EF4-FFF2-40B4-BE49-F238E27FC236}">
+                        <a16:creationId xmlns:a16="http://schemas.microsoft.com/office/drawing/2014/main" id="{38D037F7-E3D1-B9F9-1D9C-1B34E8024407}"/>
+                      </a:ext>
+                    </a:extLst>
+                  </p:cNvPr>
+                  <p:cNvPicPr>
+                    <a:picLocks noChangeAspect="1"/>
+                  </p:cNvPicPr>
+                  <p:nvPr/>
+                </p:nvPicPr>
+                <p:blipFill>
+                  <a:blip r:embed="rId3"/>
+                  <a:srcRect t="7899" r="21629"/>
+                  <a:stretch/>
+                </p:blipFill>
+                <p:spPr>
+                  <a:xfrm>
+                    <a:off x="2467707" y="3839122"/>
+                    <a:ext cx="4892557" cy="2035804"/>
+                  </a:xfrm>
+                  <a:prstGeom prst="rect">
+                    <a:avLst/>
+                  </a:prstGeom>
+                </p:spPr>
+              </p:pic>
+              <p:pic>
+                <p:nvPicPr>
+                  <p:cNvPr id="7" name="Picture 6">
+                    <a:extLst>
+                      <a:ext uri="{FF2B5EF4-FFF2-40B4-BE49-F238E27FC236}">
+                        <a16:creationId xmlns:a16="http://schemas.microsoft.com/office/drawing/2014/main" id="{99C7EEB7-6F10-1F91-5EC5-FEDB5D5D18E1}"/>
+                      </a:ext>
+                    </a:extLst>
+                  </p:cNvPr>
+                  <p:cNvPicPr>
+                    <a:picLocks noChangeAspect="1"/>
+                  </p:cNvPicPr>
+                  <p:nvPr/>
+                </p:nvPicPr>
+                <p:blipFill>
+                  <a:blip r:embed="rId4"/>
+                  <a:srcRect l="8298" r="85271" b="91963"/>
+                  <a:stretch/>
+                </p:blipFill>
+                <p:spPr>
+                  <a:xfrm>
+                    <a:off x="2913787" y="4022858"/>
+                    <a:ext cx="358556" cy="155900"/>
+                  </a:xfrm>
+                  <a:prstGeom prst="rect">
+                    <a:avLst/>
+                  </a:prstGeom>
+                </p:spPr>
+              </p:pic>
+            </p:grpSp>
             <p:pic>
               <p:nvPicPr>
-                <p:cNvPr id="7" name="Picture 6">
+                <p:cNvPr id="2" name="Picture 1">
                   <a:extLst>
                     <a:ext uri="{FF2B5EF4-FFF2-40B4-BE49-F238E27FC236}">
-                      <a16:creationId xmlns:a16="http://schemas.microsoft.com/office/drawing/2014/main" id="{99C7EEB7-6F10-1F91-5EC5-FEDB5D5D18E1}"/>
+                      <a16:creationId xmlns:a16="http://schemas.microsoft.com/office/drawing/2014/main" id="{D89C3906-FF37-ED81-0DB3-DF12D060AD22}"/>
                     </a:ext>
                   </a:extLst>
                 </p:cNvPr>
@@ -5169,14 +5219,14 @@
                 <p:nvPr/>
               </p:nvPicPr>
               <p:blipFill>
-                <a:blip r:embed="rId4"/>
-                <a:srcRect l="8298" r="85271" b="91963"/>
+                <a:blip r:embed="rId5"/>
+                <a:srcRect b="20519"/>
                 <a:stretch/>
               </p:blipFill>
               <p:spPr>
                 <a:xfrm>
-                  <a:off x="2913787" y="4022858"/>
-                  <a:ext cx="358556" cy="155900"/>
+                  <a:off x="5415943" y="2293428"/>
+                  <a:ext cx="6382718" cy="1688360"/>
                 </a:xfrm>
                 <a:prstGeom prst="rect">
                   <a:avLst/>
@@ -5184,120 +5234,12 @@
               </p:spPr>
             </p:pic>
           </p:grpSp>
-          <p:pic>
-            <p:nvPicPr>
-              <p:cNvPr id="2" name="Picture 1">
+          <p:grpSp>
+            <p:nvGrpSpPr>
+              <p:cNvPr id="12" name="Group 11">
                 <a:extLst>
                   <a:ext uri="{FF2B5EF4-FFF2-40B4-BE49-F238E27FC236}">
-                    <a16:creationId xmlns:a16="http://schemas.microsoft.com/office/drawing/2014/main" id="{D89C3906-FF37-ED81-0DB3-DF12D060AD22}"/>
-                  </a:ext>
-                </a:extLst>
-              </p:cNvPr>
-              <p:cNvPicPr>
-                <a:picLocks noChangeAspect="1"/>
-              </p:cNvPicPr>
-              <p:nvPr/>
-            </p:nvPicPr>
-            <p:blipFill>
-              <a:blip r:embed="rId5"/>
-              <a:srcRect b="20519"/>
-              <a:stretch/>
-            </p:blipFill>
-            <p:spPr>
-              <a:xfrm>
-                <a:off x="5415943" y="2293428"/>
-                <a:ext cx="6382718" cy="1688360"/>
-              </a:xfrm>
-              <a:prstGeom prst="rect">
-                <a:avLst/>
-              </a:prstGeom>
-            </p:spPr>
-          </p:pic>
-        </p:grpSp>
-        <p:grpSp>
-          <p:nvGrpSpPr>
-            <p:cNvPr id="12" name="Group 11">
-              <a:extLst>
-                <a:ext uri="{FF2B5EF4-FFF2-40B4-BE49-F238E27FC236}">
-                  <a16:creationId xmlns:a16="http://schemas.microsoft.com/office/drawing/2014/main" id="{6891C747-36E9-8DFA-1B0B-79F29655D19F}"/>
-                </a:ext>
-              </a:extLst>
-            </p:cNvPr>
-            <p:cNvGrpSpPr/>
-            <p:nvPr/>
-          </p:nvGrpSpPr>
-          <p:grpSpPr>
-            <a:xfrm>
-              <a:off x="324786" y="602277"/>
-              <a:ext cx="4938656" cy="5195027"/>
-              <a:chOff x="1089062" y="545709"/>
-              <a:chExt cx="4938656" cy="5195027"/>
-            </a:xfrm>
-          </p:grpSpPr>
-          <p:pic>
-            <p:nvPicPr>
-              <p:cNvPr id="13" name="Picture 12">
-                <a:extLst>
-                  <a:ext uri="{FF2B5EF4-FFF2-40B4-BE49-F238E27FC236}">
-                    <a16:creationId xmlns:a16="http://schemas.microsoft.com/office/drawing/2014/main" id="{81F3812D-B3AA-C310-29BB-9D452D0A0956}"/>
-                  </a:ext>
-                </a:extLst>
-              </p:cNvPr>
-              <p:cNvPicPr>
-                <a:picLocks noChangeAspect="1"/>
-              </p:cNvPicPr>
-              <p:nvPr/>
-            </p:nvPicPr>
-            <p:blipFill>
-              <a:blip r:embed="rId6"/>
-              <a:srcRect r="21593" b="21776"/>
-              <a:stretch/>
-            </p:blipFill>
-            <p:spPr>
-              <a:xfrm>
-                <a:off x="1130687" y="2150101"/>
-                <a:ext cx="4846219" cy="1586224"/>
-              </a:xfrm>
-              <a:prstGeom prst="rect">
-                <a:avLst/>
-              </a:prstGeom>
-            </p:spPr>
-          </p:pic>
-          <p:pic>
-            <p:nvPicPr>
-              <p:cNvPr id="14" name="Picture 13">
-                <a:extLst>
-                  <a:ext uri="{FF2B5EF4-FFF2-40B4-BE49-F238E27FC236}">
-                    <a16:creationId xmlns:a16="http://schemas.microsoft.com/office/drawing/2014/main" id="{98B7E85A-B596-E205-2EDC-AFFFA5148269}"/>
-                  </a:ext>
-                </a:extLst>
-              </p:cNvPr>
-              <p:cNvPicPr>
-                <a:picLocks noChangeAspect="1"/>
-              </p:cNvPicPr>
-              <p:nvPr/>
-            </p:nvPicPr>
-            <p:blipFill>
-              <a:blip r:embed="rId7"/>
-              <a:srcRect r="22825" b="21776"/>
-              <a:stretch/>
-            </p:blipFill>
-            <p:spPr>
-              <a:xfrm>
-                <a:off x="1198930" y="545709"/>
-                <a:ext cx="4717419" cy="1586224"/>
-              </a:xfrm>
-              <a:prstGeom prst="rect">
-                <a:avLst/>
-              </a:prstGeom>
-            </p:spPr>
-          </p:pic>
-          <p:grpSp>
-            <p:nvGrpSpPr>
-              <p:cNvPr id="15" name="Group 14">
-                <a:extLst>
-                  <a:ext uri="{FF2B5EF4-FFF2-40B4-BE49-F238E27FC236}">
-                    <a16:creationId xmlns:a16="http://schemas.microsoft.com/office/drawing/2014/main" id="{671F9C5A-938C-CCE8-CC81-FB9E024355A9}"/>
+                    <a16:creationId xmlns:a16="http://schemas.microsoft.com/office/drawing/2014/main" id="{6891C747-36E9-8DFA-1B0B-79F29655D19F}"/>
                   </a:ext>
                 </a:extLst>
               </p:cNvPr>
@@ -5306,18 +5248,18 @@
             </p:nvGrpSpPr>
             <p:grpSpPr>
               <a:xfrm>
-                <a:off x="1089062" y="3736325"/>
-                <a:ext cx="4938656" cy="2004411"/>
-                <a:chOff x="1089062" y="3978527"/>
-                <a:chExt cx="4929468" cy="2000682"/>
+                <a:off x="324786" y="602277"/>
+                <a:ext cx="4938656" cy="5195027"/>
+                <a:chOff x="1089062" y="545709"/>
+                <a:chExt cx="4938656" cy="5195027"/>
               </a:xfrm>
             </p:grpSpPr>
             <p:pic>
               <p:nvPicPr>
-                <p:cNvPr id="16" name="Picture 15">
+                <p:cNvPr id="13" name="Picture 12">
                   <a:extLst>
                     <a:ext uri="{FF2B5EF4-FFF2-40B4-BE49-F238E27FC236}">
-                      <a16:creationId xmlns:a16="http://schemas.microsoft.com/office/drawing/2014/main" id="{B37A0898-36D5-DA6C-0EB9-6B7C25E385EE}"/>
+                      <a16:creationId xmlns:a16="http://schemas.microsoft.com/office/drawing/2014/main" id="{81F3812D-B3AA-C310-29BB-9D452D0A0956}"/>
                     </a:ext>
                   </a:extLst>
                 </p:cNvPr>
@@ -5327,14 +5269,14 @@
                 <p:nvPr/>
               </p:nvPicPr>
               <p:blipFill>
-                <a:blip r:embed="rId4"/>
-                <a:srcRect t="7476" r="20675"/>
+                <a:blip r:embed="rId6"/>
+                <a:srcRect r="21593" b="21776"/>
                 <a:stretch/>
               </p:blipFill>
               <p:spPr>
                 <a:xfrm>
-                  <a:off x="1089062" y="3978527"/>
-                  <a:ext cx="4929468" cy="2000682"/>
+                  <a:off x="1130687" y="2150101"/>
+                  <a:ext cx="4846219" cy="1586224"/>
                 </a:xfrm>
                 <a:prstGeom prst="rect">
                   <a:avLst/>
@@ -5343,10 +5285,10 @@
             </p:pic>
             <p:pic>
               <p:nvPicPr>
-                <p:cNvPr id="17" name="Picture 16">
+                <p:cNvPr id="14" name="Picture 13">
                   <a:extLst>
                     <a:ext uri="{FF2B5EF4-FFF2-40B4-BE49-F238E27FC236}">
-                      <a16:creationId xmlns:a16="http://schemas.microsoft.com/office/drawing/2014/main" id="{88157B62-CED9-479B-398A-769AD2A1B14F}"/>
+                      <a16:creationId xmlns:a16="http://schemas.microsoft.com/office/drawing/2014/main" id="{98B7E85A-B596-E205-2EDC-AFFFA5148269}"/>
                     </a:ext>
                   </a:extLst>
                 </p:cNvPr>
@@ -5356,22 +5298,177 @@
                 <p:nvPr/>
               </p:nvPicPr>
               <p:blipFill>
-                <a:blip r:embed="rId4"/>
-                <a:srcRect l="8298" r="85271" b="91963"/>
+                <a:blip r:embed="rId7"/>
+                <a:srcRect r="22825" b="21776"/>
                 <a:stretch/>
               </p:blipFill>
               <p:spPr>
                 <a:xfrm>
-                  <a:off x="1641075" y="4010664"/>
-                  <a:ext cx="357889" cy="155610"/>
+                  <a:off x="1198930" y="545709"/>
+                  <a:ext cx="4717419" cy="1586224"/>
                 </a:xfrm>
                 <a:prstGeom prst="rect">
                   <a:avLst/>
                 </a:prstGeom>
               </p:spPr>
             </p:pic>
+            <p:grpSp>
+              <p:nvGrpSpPr>
+                <p:cNvPr id="15" name="Group 14">
+                  <a:extLst>
+                    <a:ext uri="{FF2B5EF4-FFF2-40B4-BE49-F238E27FC236}">
+                      <a16:creationId xmlns:a16="http://schemas.microsoft.com/office/drawing/2014/main" id="{671F9C5A-938C-CCE8-CC81-FB9E024355A9}"/>
+                    </a:ext>
+                  </a:extLst>
+                </p:cNvPr>
+                <p:cNvGrpSpPr/>
+                <p:nvPr/>
+              </p:nvGrpSpPr>
+              <p:grpSpPr>
+                <a:xfrm>
+                  <a:off x="1089062" y="3736325"/>
+                  <a:ext cx="4938656" cy="2004411"/>
+                  <a:chOff x="1089062" y="3978527"/>
+                  <a:chExt cx="4929468" cy="2000682"/>
+                </a:xfrm>
+              </p:grpSpPr>
+              <p:pic>
+                <p:nvPicPr>
+                  <p:cNvPr id="16" name="Picture 15">
+                    <a:extLst>
+                      <a:ext uri="{FF2B5EF4-FFF2-40B4-BE49-F238E27FC236}">
+                        <a16:creationId xmlns:a16="http://schemas.microsoft.com/office/drawing/2014/main" id="{B37A0898-36D5-DA6C-0EB9-6B7C25E385EE}"/>
+                      </a:ext>
+                    </a:extLst>
+                  </p:cNvPr>
+                  <p:cNvPicPr>
+                    <a:picLocks noChangeAspect="1"/>
+                  </p:cNvPicPr>
+                  <p:nvPr/>
+                </p:nvPicPr>
+                <p:blipFill>
+                  <a:blip r:embed="rId4"/>
+                  <a:srcRect t="7476" r="20675"/>
+                  <a:stretch/>
+                </p:blipFill>
+                <p:spPr>
+                  <a:xfrm>
+                    <a:off x="1089062" y="3978527"/>
+                    <a:ext cx="4929468" cy="2000682"/>
+                  </a:xfrm>
+                  <a:prstGeom prst="rect">
+                    <a:avLst/>
+                  </a:prstGeom>
+                </p:spPr>
+              </p:pic>
+              <p:pic>
+                <p:nvPicPr>
+                  <p:cNvPr id="17" name="Picture 16">
+                    <a:extLst>
+                      <a:ext uri="{FF2B5EF4-FFF2-40B4-BE49-F238E27FC236}">
+                        <a16:creationId xmlns:a16="http://schemas.microsoft.com/office/drawing/2014/main" id="{88157B62-CED9-479B-398A-769AD2A1B14F}"/>
+                      </a:ext>
+                    </a:extLst>
+                  </p:cNvPr>
+                  <p:cNvPicPr>
+                    <a:picLocks noChangeAspect="1"/>
+                  </p:cNvPicPr>
+                  <p:nvPr/>
+                </p:nvPicPr>
+                <p:blipFill>
+                  <a:blip r:embed="rId4"/>
+                  <a:srcRect l="8298" r="85271" b="91963"/>
+                  <a:stretch/>
+                </p:blipFill>
+                <p:spPr>
+                  <a:xfrm>
+                    <a:off x="1641075" y="4010664"/>
+                    <a:ext cx="357889" cy="155610"/>
+                  </a:xfrm>
+                  <a:prstGeom prst="rect">
+                    <a:avLst/>
+                  </a:prstGeom>
+                </p:spPr>
+              </p:pic>
+            </p:grpSp>
           </p:grpSp>
         </p:grpSp>
+        <p:sp>
+          <p:nvSpPr>
+            <p:cNvPr id="4" name="TextBox 3">
+              <a:extLst>
+                <a:ext uri="{FF2B5EF4-FFF2-40B4-BE49-F238E27FC236}">
+                  <a16:creationId xmlns:a16="http://schemas.microsoft.com/office/drawing/2014/main" id="{B203973D-BC5A-CF0B-79B4-6CC4236D6F1F}"/>
+                </a:ext>
+              </a:extLst>
+            </p:cNvPr>
+            <p:cNvSpPr txBox="1"/>
+            <p:nvPr/>
+          </p:nvSpPr>
+          <p:spPr>
+            <a:xfrm>
+              <a:off x="394815" y="614386"/>
+              <a:ext cx="429950" cy="338554"/>
+            </a:xfrm>
+            <a:prstGeom prst="rect">
+              <a:avLst/>
+            </a:prstGeom>
+            <a:noFill/>
+          </p:spPr>
+          <p:txBody>
+            <a:bodyPr wrap="square" rtlCol="0">
+              <a:spAutoFit/>
+            </a:bodyPr>
+            <a:lstStyle/>
+            <a:p>
+              <a:r>
+                <a:rPr lang="en-US" sz="1600" dirty="0">
+                  <a:latin typeface="Times New Roman" panose="02020603050405020304" pitchFamily="18" charset="0"/>
+                  <a:cs typeface="Times New Roman" panose="02020603050405020304" pitchFamily="18" charset="0"/>
+                </a:rPr>
+                <a:t>(a)</a:t>
+              </a:r>
+            </a:p>
+          </p:txBody>
+        </p:sp>
+        <p:sp>
+          <p:nvSpPr>
+            <p:cNvPr id="5" name="TextBox 4">
+              <a:extLst>
+                <a:ext uri="{FF2B5EF4-FFF2-40B4-BE49-F238E27FC236}">
+                  <a16:creationId xmlns:a16="http://schemas.microsoft.com/office/drawing/2014/main" id="{BF211872-5FDF-D15A-CF32-5627FDDD1D23}"/>
+                </a:ext>
+              </a:extLst>
+            </p:cNvPr>
+            <p:cNvSpPr txBox="1"/>
+            <p:nvPr/>
+          </p:nvSpPr>
+          <p:spPr>
+            <a:xfrm>
+              <a:off x="5392273" y="614386"/>
+              <a:ext cx="429950" cy="338554"/>
+            </a:xfrm>
+            <a:prstGeom prst="rect">
+              <a:avLst/>
+            </a:prstGeom>
+            <a:noFill/>
+          </p:spPr>
+          <p:txBody>
+            <a:bodyPr wrap="square" rtlCol="0">
+              <a:spAutoFit/>
+            </a:bodyPr>
+            <a:lstStyle/>
+            <a:p>
+              <a:r>
+                <a:rPr lang="en-US" sz="1600" dirty="0">
+                  <a:latin typeface="Times New Roman" panose="02020603050405020304" pitchFamily="18" charset="0"/>
+                  <a:cs typeface="Times New Roman" panose="02020603050405020304" pitchFamily="18" charset="0"/>
+                </a:rPr>
+                <a:t>(b)</a:t>
+              </a:r>
+            </a:p>
+          </p:txBody>
+        </p:sp>
       </p:grpSp>
     </p:spTree>
     <p:extLst>
@@ -6656,6 +6753,169 @@
           <a:chExt cx="0" cy="0"/>
         </a:xfrm>
       </p:grpSpPr>
+      <p:grpSp>
+        <p:nvGrpSpPr>
+          <p:cNvPr id="5" name="Group 4">
+            <a:extLst>
+              <a:ext uri="{FF2B5EF4-FFF2-40B4-BE49-F238E27FC236}">
+                <a16:creationId xmlns:a16="http://schemas.microsoft.com/office/drawing/2014/main" id="{63BF4EBB-4AB3-899F-0E0A-A56D19B026C1}"/>
+              </a:ext>
+            </a:extLst>
+          </p:cNvPr>
+          <p:cNvGrpSpPr/>
+          <p:nvPr/>
+        </p:nvGrpSpPr>
+        <p:grpSpPr>
+          <a:xfrm>
+            <a:off x="1193800" y="2093750"/>
+            <a:ext cx="8010757" cy="1993313"/>
+            <a:chOff x="1193800" y="2093750"/>
+            <a:chExt cx="8010757" cy="1993313"/>
+          </a:xfrm>
+        </p:grpSpPr>
+        <p:pic>
+          <p:nvPicPr>
+            <p:cNvPr id="3" name="Picture 2">
+              <a:extLst>
+                <a:ext uri="{FF2B5EF4-FFF2-40B4-BE49-F238E27FC236}">
+                  <a16:creationId xmlns:a16="http://schemas.microsoft.com/office/drawing/2014/main" id="{D6F505FA-35B5-15BF-F6A3-D5B05FCE5094}"/>
+                </a:ext>
+              </a:extLst>
+            </p:cNvPr>
+            <p:cNvPicPr>
+              <a:picLocks noChangeAspect="1"/>
+            </p:cNvPicPr>
+            <p:nvPr/>
+          </p:nvPicPr>
+          <p:blipFill>
+            <a:blip r:embed="rId2"/>
+            <a:stretch>
+              <a:fillRect/>
+            </a:stretch>
+          </p:blipFill>
+          <p:spPr>
+            <a:xfrm>
+              <a:off x="1193800" y="2305050"/>
+              <a:ext cx="7772400" cy="1782013"/>
+            </a:xfrm>
+            <a:prstGeom prst="rect">
+              <a:avLst/>
+            </a:prstGeom>
+          </p:spPr>
+        </p:pic>
+        <mc:AlternateContent xmlns:mc="http://schemas.openxmlformats.org/markup-compatibility/2006" xmlns:a14="http://schemas.microsoft.com/office/drawing/2010/main">
+          <mc:Choice Requires="a14">
+            <p:sp>
+              <p:nvSpPr>
+                <p:cNvPr id="4" name="TextBox 3">
+                  <a:extLst>
+                    <a:ext uri="{FF2B5EF4-FFF2-40B4-BE49-F238E27FC236}">
+                      <a16:creationId xmlns:a16="http://schemas.microsoft.com/office/drawing/2014/main" id="{1CA016AC-4F99-344A-F92A-1B0FE0BED138}"/>
+                    </a:ext>
+                  </a:extLst>
+                </p:cNvPr>
+                <p:cNvSpPr txBox="1"/>
+                <p:nvPr/>
+              </p:nvSpPr>
+              <p:spPr>
+                <a:xfrm>
+                  <a:off x="8285259" y="2093750"/>
+                  <a:ext cx="919298" cy="276999"/>
+                </a:xfrm>
+                <a:prstGeom prst="rect">
+                  <a:avLst/>
+                </a:prstGeom>
+                <a:noFill/>
+              </p:spPr>
+              <p:txBody>
+                <a:bodyPr wrap="square" rtlCol="0">
+                  <a:spAutoFit/>
+                </a:bodyPr>
+                <a:lstStyle/>
+                <a:p>
+                  <a14:m>
+                    <m:oMath xmlns:m="http://schemas.openxmlformats.org/officeDocument/2006/math">
+                      <m:r>
+                        <a:rPr lang="en-US" sz="1200" b="0" i="1" smtClean="0">
+                          <a:latin typeface="Cambria Math" panose="02040503050406030204" pitchFamily="18" charset="0"/>
+                          <a:cs typeface="Times New Roman" panose="02020603050405020304" pitchFamily="18" charset="0"/>
+                        </a:rPr>
+                        <m:t>𝑊</m:t>
+                      </m:r>
+                      <m:r>
+                        <a:rPr lang="en-US" sz="1200" b="0" i="1" smtClean="0">
+                          <a:latin typeface="Cambria Math" panose="02040503050406030204" pitchFamily="18" charset="0"/>
+                          <a:cs typeface="Times New Roman" panose="02020603050405020304" pitchFamily="18" charset="0"/>
+                        </a:rPr>
+                        <m:t>/2</m:t>
+                      </m:r>
+                      <m:r>
+                        <a:rPr lang="en-US" sz="1200" b="0" i="1" smtClean="0">
+                          <a:latin typeface="Cambria Math" panose="02040503050406030204" pitchFamily="18" charset="0"/>
+                          <a:ea typeface="Cambria Math" panose="02040503050406030204" pitchFamily="18" charset="0"/>
+                          <a:cs typeface="Times New Roman" panose="02020603050405020304" pitchFamily="18" charset="0"/>
+                        </a:rPr>
+                        <m:t>𝜋</m:t>
+                      </m:r>
+                    </m:oMath>
+                  </a14:m>
+                  <a:r>
+                    <a:rPr lang="en-US" sz="1200" dirty="0">
+                      <a:latin typeface="Times New Roman" panose="02020603050405020304" pitchFamily="18" charset="0"/>
+                      <a:cs typeface="Times New Roman" panose="02020603050405020304" pitchFamily="18" charset="0"/>
+                    </a:rPr>
+                    <a:t> [Hz]</a:t>
+                  </a:r>
+                </a:p>
+              </p:txBody>
+            </p:sp>
+          </mc:Choice>
+          <mc:Fallback xmlns="">
+            <p:sp>
+              <p:nvSpPr>
+                <p:cNvPr id="4" name="TextBox 3">
+                  <a:extLst>
+                    <a:ext uri="{FF2B5EF4-FFF2-40B4-BE49-F238E27FC236}">
+                      <a16:creationId xmlns:a16="http://schemas.microsoft.com/office/drawing/2014/main" id="{1CA016AC-4F99-344A-F92A-1B0FE0BED138}"/>
+                    </a:ext>
+                  </a:extLst>
+                </p:cNvPr>
+                <p:cNvSpPr txBox="1">
+                  <a:spLocks noRot="1" noChangeAspect="1" noMove="1" noResize="1" noEditPoints="1" noAdjustHandles="1" noChangeArrowheads="1" noChangeShapeType="1" noTextEdit="1"/>
+                </p:cNvSpPr>
+                <p:nvPr/>
+              </p:nvSpPr>
+              <p:spPr>
+                <a:xfrm>
+                  <a:off x="8285259" y="2093750"/>
+                  <a:ext cx="919298" cy="276999"/>
+                </a:xfrm>
+                <a:prstGeom prst="rect">
+                  <a:avLst/>
+                </a:prstGeom>
+                <a:blipFill>
+                  <a:blip r:embed="rId3"/>
+                  <a:stretch>
+                    <a:fillRect b="-17391"/>
+                  </a:stretch>
+                </a:blipFill>
+              </p:spPr>
+              <p:txBody>
+                <a:bodyPr/>
+                <a:lstStyle/>
+                <a:p>
+                  <a:r>
+                    <a:rPr lang="en-US">
+                      <a:noFill/>
+                    </a:rPr>
+                    <a:t> </a:t>
+                  </a:r>
+                </a:p>
+              </p:txBody>
+            </p:sp>
+          </mc:Fallback>
+        </mc:AlternateContent>
+      </p:grpSp>
     </p:spTree>
     <p:extLst>
       <p:ext uri="{BB962C8B-B14F-4D97-AF65-F5344CB8AC3E}">
@@ -6692,6 +6952,2633 @@
           <a:chExt cx="0" cy="0"/>
         </a:xfrm>
       </p:grpSpPr>
+      <mc:AlternateContent xmlns:mc="http://schemas.openxmlformats.org/markup-compatibility/2006" xmlns:a14="http://schemas.microsoft.com/office/drawing/2010/main">
+        <mc:Choice Requires="a14">
+          <p:sp>
+            <p:nvSpPr>
+              <p:cNvPr id="14" name="TextBox 13">
+                <a:extLst>
+                  <a:ext uri="{FF2B5EF4-FFF2-40B4-BE49-F238E27FC236}">
+                    <a16:creationId xmlns:a16="http://schemas.microsoft.com/office/drawing/2014/main" id="{42792514-5ECB-2017-5601-2AAEA3CEFA5F}"/>
+                  </a:ext>
+                </a:extLst>
+              </p:cNvPr>
+              <p:cNvSpPr txBox="1"/>
+              <p:nvPr/>
+            </p:nvSpPr>
+            <p:spPr>
+              <a:xfrm>
+                <a:off x="104105" y="1731155"/>
+                <a:ext cx="919298" cy="276999"/>
+              </a:xfrm>
+              <a:prstGeom prst="rect">
+                <a:avLst/>
+              </a:prstGeom>
+              <a:noFill/>
+            </p:spPr>
+            <p:txBody>
+              <a:bodyPr wrap="square" rtlCol="0">
+                <a:spAutoFit/>
+              </a:bodyPr>
+              <a:lstStyle/>
+              <a:p>
+                <a14:m>
+                  <m:oMath xmlns:m="http://schemas.openxmlformats.org/officeDocument/2006/math">
+                    <m:r>
+                      <a:rPr lang="en-US" sz="1200" b="0" i="1" smtClean="0">
+                        <a:latin typeface="Cambria Math" panose="02040503050406030204" pitchFamily="18" charset="0"/>
+                        <a:cs typeface="Times New Roman" panose="02020603050405020304" pitchFamily="18" charset="0"/>
+                      </a:rPr>
+                      <m:t>𝐸𝑛𝑟</m:t>
+                    </m:r>
+                  </m:oMath>
+                </a14:m>
+                <a:r>
+                  <a:rPr lang="en-US" sz="1200" dirty="0">
+                    <a:latin typeface="Times New Roman" panose="02020603050405020304" pitchFamily="18" charset="0"/>
+                    <a:cs typeface="Times New Roman" panose="02020603050405020304" pitchFamily="18" charset="0"/>
+                  </a:rPr>
+                  <a:t> 12</a:t>
+                </a:r>
+              </a:p>
+            </p:txBody>
+          </p:sp>
+        </mc:Choice>
+        <mc:Fallback xmlns="">
+          <p:sp>
+            <p:nvSpPr>
+              <p:cNvPr id="14" name="TextBox 13">
+                <a:extLst>
+                  <a:ext uri="{FF2B5EF4-FFF2-40B4-BE49-F238E27FC236}">
+                    <a16:creationId xmlns:a16="http://schemas.microsoft.com/office/drawing/2014/main" id="{42792514-5ECB-2017-5601-2AAEA3CEFA5F}"/>
+                  </a:ext>
+                </a:extLst>
+              </p:cNvPr>
+              <p:cNvSpPr txBox="1">
+                <a:spLocks noRot="1" noChangeAspect="1" noMove="1" noResize="1" noEditPoints="1" noAdjustHandles="1" noChangeArrowheads="1" noChangeShapeType="1" noTextEdit="1"/>
+              </p:cNvSpPr>
+              <p:nvPr/>
+            </p:nvSpPr>
+            <p:spPr>
+              <a:xfrm>
+                <a:off x="104105" y="1731155"/>
+                <a:ext cx="919298" cy="276999"/>
+              </a:xfrm>
+              <a:prstGeom prst="rect">
+                <a:avLst/>
+              </a:prstGeom>
+              <a:blipFill>
+                <a:blip r:embed="rId2"/>
+                <a:stretch>
+                  <a:fillRect b="-22727"/>
+                </a:stretch>
+              </a:blipFill>
+            </p:spPr>
+            <p:txBody>
+              <a:bodyPr/>
+              <a:lstStyle/>
+              <a:p>
+                <a:r>
+                  <a:rPr lang="en-US">
+                    <a:noFill/>
+                  </a:rPr>
+                  <a:t> </a:t>
+                </a:r>
+              </a:p>
+            </p:txBody>
+          </p:sp>
+        </mc:Fallback>
+      </mc:AlternateContent>
+      <mc:AlternateContent xmlns:mc="http://schemas.openxmlformats.org/markup-compatibility/2006" xmlns:a14="http://schemas.microsoft.com/office/drawing/2010/main">
+        <mc:Choice Requires="a14">
+          <p:sp>
+            <p:nvSpPr>
+              <p:cNvPr id="15" name="TextBox 14">
+                <a:extLst>
+                  <a:ext uri="{FF2B5EF4-FFF2-40B4-BE49-F238E27FC236}">
+                    <a16:creationId xmlns:a16="http://schemas.microsoft.com/office/drawing/2014/main" id="{7B1AA755-FA70-03AA-7F8C-760F1E95992B}"/>
+                  </a:ext>
+                </a:extLst>
+              </p:cNvPr>
+              <p:cNvSpPr txBox="1"/>
+              <p:nvPr/>
+            </p:nvSpPr>
+            <p:spPr>
+              <a:xfrm>
+                <a:off x="73827" y="4916416"/>
+                <a:ext cx="919298" cy="276999"/>
+              </a:xfrm>
+              <a:prstGeom prst="rect">
+                <a:avLst/>
+              </a:prstGeom>
+              <a:noFill/>
+            </p:spPr>
+            <p:txBody>
+              <a:bodyPr wrap="square" rtlCol="0">
+                <a:spAutoFit/>
+              </a:bodyPr>
+              <a:lstStyle/>
+              <a:p>
+                <a14:m>
+                  <m:oMath xmlns:m="http://schemas.openxmlformats.org/officeDocument/2006/math">
+                    <m:r>
+                      <a:rPr lang="en-US" sz="1200" b="0" i="1" smtClean="0">
+                        <a:latin typeface="Cambria Math" panose="02040503050406030204" pitchFamily="18" charset="0"/>
+                        <a:cs typeface="Times New Roman" panose="02020603050405020304" pitchFamily="18" charset="0"/>
+                      </a:rPr>
+                      <m:t>𝐸𝑛𝑟</m:t>
+                    </m:r>
+                  </m:oMath>
+                </a14:m>
+                <a:r>
+                  <a:rPr lang="en-US" sz="1200" dirty="0">
+                    <a:latin typeface="Times New Roman" panose="02020603050405020304" pitchFamily="18" charset="0"/>
+                    <a:cs typeface="Times New Roman" panose="02020603050405020304" pitchFamily="18" charset="0"/>
+                  </a:rPr>
+                  <a:t> 3</a:t>
+                </a:r>
+              </a:p>
+            </p:txBody>
+          </p:sp>
+        </mc:Choice>
+        <mc:Fallback xmlns="">
+          <p:sp>
+            <p:nvSpPr>
+              <p:cNvPr id="15" name="TextBox 14">
+                <a:extLst>
+                  <a:ext uri="{FF2B5EF4-FFF2-40B4-BE49-F238E27FC236}">
+                    <a16:creationId xmlns:a16="http://schemas.microsoft.com/office/drawing/2014/main" id="{7B1AA755-FA70-03AA-7F8C-760F1E95992B}"/>
+                  </a:ext>
+                </a:extLst>
+              </p:cNvPr>
+              <p:cNvSpPr txBox="1">
+                <a:spLocks noRot="1" noChangeAspect="1" noMove="1" noResize="1" noEditPoints="1" noAdjustHandles="1" noChangeArrowheads="1" noChangeShapeType="1" noTextEdit="1"/>
+              </p:cNvSpPr>
+              <p:nvPr/>
+            </p:nvSpPr>
+            <p:spPr>
+              <a:xfrm>
+                <a:off x="73827" y="4916416"/>
+                <a:ext cx="919298" cy="276999"/>
+              </a:xfrm>
+              <a:prstGeom prst="rect">
+                <a:avLst/>
+              </a:prstGeom>
+              <a:blipFill>
+                <a:blip r:embed="rId3"/>
+                <a:stretch>
+                  <a:fillRect b="-17391"/>
+                </a:stretch>
+              </a:blipFill>
+            </p:spPr>
+            <p:txBody>
+              <a:bodyPr/>
+              <a:lstStyle/>
+              <a:p>
+                <a:r>
+                  <a:rPr lang="en-US">
+                    <a:noFill/>
+                  </a:rPr>
+                  <a:t> </a:t>
+                </a:r>
+              </a:p>
+            </p:txBody>
+          </p:sp>
+        </mc:Fallback>
+      </mc:AlternateContent>
+      <mc:AlternateContent xmlns:mc="http://schemas.openxmlformats.org/markup-compatibility/2006" xmlns:a14="http://schemas.microsoft.com/office/drawing/2010/main">
+        <mc:Choice Requires="a14">
+          <p:sp>
+            <p:nvSpPr>
+              <p:cNvPr id="16" name="TextBox 15">
+                <a:extLst>
+                  <a:ext uri="{FF2B5EF4-FFF2-40B4-BE49-F238E27FC236}">
+                    <a16:creationId xmlns:a16="http://schemas.microsoft.com/office/drawing/2014/main" id="{AFD4A126-468B-C8CC-0A4B-0933C60B34B5}"/>
+                  </a:ext>
+                </a:extLst>
+              </p:cNvPr>
+              <p:cNvSpPr txBox="1"/>
+              <p:nvPr/>
+            </p:nvSpPr>
+            <p:spPr>
+              <a:xfrm>
+                <a:off x="2150908" y="222868"/>
+                <a:ext cx="919298" cy="461665"/>
+              </a:xfrm>
+              <a:prstGeom prst="rect">
+                <a:avLst/>
+              </a:prstGeom>
+              <a:noFill/>
+            </p:spPr>
+            <p:txBody>
+              <a:bodyPr wrap="square" rtlCol="0">
+                <a:spAutoFit/>
+              </a:bodyPr>
+              <a:lstStyle/>
+              <a:p>
+                <a14:m>
+                  <m:oMath xmlns:m="http://schemas.openxmlformats.org/officeDocument/2006/math">
+                    <m:r>
+                      <a:rPr lang="en-US" sz="1200" b="0" i="1" smtClean="0">
+                        <a:latin typeface="Cambria Math" panose="02040503050406030204" pitchFamily="18" charset="0"/>
+                        <a:cs typeface="Times New Roman" panose="02020603050405020304" pitchFamily="18" charset="0"/>
+                      </a:rPr>
+                      <m:t>𝐷𝑒𝑙𝑡𝑎</m:t>
+                    </m:r>
+                  </m:oMath>
+                </a14:m>
+                <a:r>
+                  <a:rPr lang="en-US" sz="1200" dirty="0">
+                    <a:latin typeface="Times New Roman" panose="02020603050405020304" pitchFamily="18" charset="0"/>
+                    <a:cs typeface="Times New Roman" panose="02020603050405020304" pitchFamily="18" charset="0"/>
+                  </a:rPr>
+                  <a:t> 3MHz</a:t>
+                </a:r>
+              </a:p>
+            </p:txBody>
+          </p:sp>
+        </mc:Choice>
+        <mc:Fallback xmlns="">
+          <p:sp>
+            <p:nvSpPr>
+              <p:cNvPr id="16" name="TextBox 15">
+                <a:extLst>
+                  <a:ext uri="{FF2B5EF4-FFF2-40B4-BE49-F238E27FC236}">
+                    <a16:creationId xmlns:a16="http://schemas.microsoft.com/office/drawing/2014/main" id="{AFD4A126-468B-C8CC-0A4B-0933C60B34B5}"/>
+                  </a:ext>
+                </a:extLst>
+              </p:cNvPr>
+              <p:cNvSpPr txBox="1">
+                <a:spLocks noRot="1" noChangeAspect="1" noMove="1" noResize="1" noEditPoints="1" noAdjustHandles="1" noChangeArrowheads="1" noChangeShapeType="1" noTextEdit="1"/>
+              </p:cNvSpPr>
+              <p:nvPr/>
+            </p:nvSpPr>
+            <p:spPr>
+              <a:xfrm>
+                <a:off x="2150908" y="222868"/>
+                <a:ext cx="919298" cy="461665"/>
+              </a:xfrm>
+              <a:prstGeom prst="rect">
+                <a:avLst/>
+              </a:prstGeom>
+              <a:blipFill>
+                <a:blip r:embed="rId4"/>
+                <a:stretch>
+                  <a:fillRect b="-10811"/>
+                </a:stretch>
+              </a:blipFill>
+            </p:spPr>
+            <p:txBody>
+              <a:bodyPr/>
+              <a:lstStyle/>
+              <a:p>
+                <a:r>
+                  <a:rPr lang="en-US">
+                    <a:noFill/>
+                  </a:rPr>
+                  <a:t> </a:t>
+                </a:r>
+              </a:p>
+            </p:txBody>
+          </p:sp>
+        </mc:Fallback>
+      </mc:AlternateContent>
+      <mc:AlternateContent xmlns:mc="http://schemas.openxmlformats.org/markup-compatibility/2006" xmlns:a14="http://schemas.microsoft.com/office/drawing/2010/main">
+        <mc:Choice Requires="a14">
+          <p:sp>
+            <p:nvSpPr>
+              <p:cNvPr id="17" name="TextBox 16">
+                <a:extLst>
+                  <a:ext uri="{FF2B5EF4-FFF2-40B4-BE49-F238E27FC236}">
+                    <a16:creationId xmlns:a16="http://schemas.microsoft.com/office/drawing/2014/main" id="{BFBF19AC-6784-853A-D55F-9AC35EA18C77}"/>
+                  </a:ext>
+                </a:extLst>
+              </p:cNvPr>
+              <p:cNvSpPr txBox="1"/>
+              <p:nvPr/>
+            </p:nvSpPr>
+            <p:spPr>
+              <a:xfrm>
+                <a:off x="5287724" y="216812"/>
+                <a:ext cx="919298" cy="461665"/>
+              </a:xfrm>
+              <a:prstGeom prst="rect">
+                <a:avLst/>
+              </a:prstGeom>
+              <a:noFill/>
+            </p:spPr>
+            <p:txBody>
+              <a:bodyPr wrap="square" rtlCol="0">
+                <a:spAutoFit/>
+              </a:bodyPr>
+              <a:lstStyle/>
+              <a:p>
+                <a14:m>
+                  <m:oMath xmlns:m="http://schemas.openxmlformats.org/officeDocument/2006/math">
+                    <m:r>
+                      <a:rPr lang="en-US" sz="1200" b="0" i="1" smtClean="0">
+                        <a:latin typeface="Cambria Math" panose="02040503050406030204" pitchFamily="18" charset="0"/>
+                        <a:cs typeface="Times New Roman" panose="02020603050405020304" pitchFamily="18" charset="0"/>
+                      </a:rPr>
+                      <m:t>𝐷𝑒𝑙𝑡𝑎</m:t>
+                    </m:r>
+                  </m:oMath>
+                </a14:m>
+                <a:r>
+                  <a:rPr lang="en-US" sz="1200" dirty="0">
+                    <a:latin typeface="Times New Roman" panose="02020603050405020304" pitchFamily="18" charset="0"/>
+                    <a:cs typeface="Times New Roman" panose="02020603050405020304" pitchFamily="18" charset="0"/>
+                  </a:rPr>
+                  <a:t> 1MHz</a:t>
+                </a:r>
+              </a:p>
+            </p:txBody>
+          </p:sp>
+        </mc:Choice>
+        <mc:Fallback xmlns="">
+          <p:sp>
+            <p:nvSpPr>
+              <p:cNvPr id="17" name="TextBox 16">
+                <a:extLst>
+                  <a:ext uri="{FF2B5EF4-FFF2-40B4-BE49-F238E27FC236}">
+                    <a16:creationId xmlns:a16="http://schemas.microsoft.com/office/drawing/2014/main" id="{BFBF19AC-6784-853A-D55F-9AC35EA18C77}"/>
+                  </a:ext>
+                </a:extLst>
+              </p:cNvPr>
+              <p:cNvSpPr txBox="1">
+                <a:spLocks noRot="1" noChangeAspect="1" noMove="1" noResize="1" noEditPoints="1" noAdjustHandles="1" noChangeArrowheads="1" noChangeShapeType="1" noTextEdit="1"/>
+              </p:cNvSpPr>
+              <p:nvPr/>
+            </p:nvSpPr>
+            <p:spPr>
+              <a:xfrm>
+                <a:off x="5287724" y="216812"/>
+                <a:ext cx="919298" cy="461665"/>
+              </a:xfrm>
+              <a:prstGeom prst="rect">
+                <a:avLst/>
+              </a:prstGeom>
+              <a:blipFill>
+                <a:blip r:embed="rId5"/>
+                <a:stretch>
+                  <a:fillRect b="-10811"/>
+                </a:stretch>
+              </a:blipFill>
+            </p:spPr>
+            <p:txBody>
+              <a:bodyPr/>
+              <a:lstStyle/>
+              <a:p>
+                <a:r>
+                  <a:rPr lang="en-US">
+                    <a:noFill/>
+                  </a:rPr>
+                  <a:t> </a:t>
+                </a:r>
+              </a:p>
+            </p:txBody>
+          </p:sp>
+        </mc:Fallback>
+      </mc:AlternateContent>
+      <mc:AlternateContent xmlns:mc="http://schemas.openxmlformats.org/markup-compatibility/2006" xmlns:a14="http://schemas.microsoft.com/office/drawing/2010/main">
+        <mc:Choice Requires="a14">
+          <p:sp>
+            <p:nvSpPr>
+              <p:cNvPr id="18" name="TextBox 17">
+                <a:extLst>
+                  <a:ext uri="{FF2B5EF4-FFF2-40B4-BE49-F238E27FC236}">
+                    <a16:creationId xmlns:a16="http://schemas.microsoft.com/office/drawing/2014/main" id="{E542CB79-9718-4738-E2B1-316791AFDF33}"/>
+                  </a:ext>
+                </a:extLst>
+              </p:cNvPr>
+              <p:cNvSpPr txBox="1"/>
+              <p:nvPr/>
+            </p:nvSpPr>
+            <p:spPr>
+              <a:xfrm>
+                <a:off x="8975602" y="168367"/>
+                <a:ext cx="919298" cy="461665"/>
+              </a:xfrm>
+              <a:prstGeom prst="rect">
+                <a:avLst/>
+              </a:prstGeom>
+              <a:noFill/>
+            </p:spPr>
+            <p:txBody>
+              <a:bodyPr wrap="square" rtlCol="0">
+                <a:spAutoFit/>
+              </a:bodyPr>
+              <a:lstStyle/>
+              <a:p>
+                <a14:m>
+                  <m:oMath xmlns:m="http://schemas.openxmlformats.org/officeDocument/2006/math">
+                    <m:r>
+                      <a:rPr lang="en-US" sz="1200" b="0" i="1" smtClean="0">
+                        <a:latin typeface="Cambria Math" panose="02040503050406030204" pitchFamily="18" charset="0"/>
+                        <a:cs typeface="Times New Roman" panose="02020603050405020304" pitchFamily="18" charset="0"/>
+                      </a:rPr>
+                      <m:t>𝐷𝑒𝑙𝑡𝑎</m:t>
+                    </m:r>
+                  </m:oMath>
+                </a14:m>
+                <a:r>
+                  <a:rPr lang="en-US" sz="1200" dirty="0">
+                    <a:latin typeface="Times New Roman" panose="02020603050405020304" pitchFamily="18" charset="0"/>
+                    <a:cs typeface="Times New Roman" panose="02020603050405020304" pitchFamily="18" charset="0"/>
+                  </a:rPr>
+                  <a:t> 0MHz</a:t>
+                </a:r>
+              </a:p>
+            </p:txBody>
+          </p:sp>
+        </mc:Choice>
+        <mc:Fallback xmlns="">
+          <p:sp>
+            <p:nvSpPr>
+              <p:cNvPr id="18" name="TextBox 17">
+                <a:extLst>
+                  <a:ext uri="{FF2B5EF4-FFF2-40B4-BE49-F238E27FC236}">
+                    <a16:creationId xmlns:a16="http://schemas.microsoft.com/office/drawing/2014/main" id="{E542CB79-9718-4738-E2B1-316791AFDF33}"/>
+                  </a:ext>
+                </a:extLst>
+              </p:cNvPr>
+              <p:cNvSpPr txBox="1">
+                <a:spLocks noRot="1" noChangeAspect="1" noMove="1" noResize="1" noEditPoints="1" noAdjustHandles="1" noChangeArrowheads="1" noChangeShapeType="1" noTextEdit="1"/>
+              </p:cNvSpPr>
+              <p:nvPr/>
+            </p:nvSpPr>
+            <p:spPr>
+              <a:xfrm>
+                <a:off x="8975602" y="168367"/>
+                <a:ext cx="919298" cy="461665"/>
+              </a:xfrm>
+              <a:prstGeom prst="rect">
+                <a:avLst/>
+              </a:prstGeom>
+              <a:blipFill>
+                <a:blip r:embed="rId6"/>
+                <a:stretch>
+                  <a:fillRect b="-10811"/>
+                </a:stretch>
+              </a:blipFill>
+            </p:spPr>
+            <p:txBody>
+              <a:bodyPr/>
+              <a:lstStyle/>
+              <a:p>
+                <a:r>
+                  <a:rPr lang="en-US">
+                    <a:noFill/>
+                  </a:rPr>
+                  <a:t> </a:t>
+                </a:r>
+              </a:p>
+            </p:txBody>
+          </p:sp>
+        </mc:Fallback>
+      </mc:AlternateContent>
+      <p:grpSp>
+        <p:nvGrpSpPr>
+          <p:cNvPr id="43" name="Group 42">
+            <a:extLst>
+              <a:ext uri="{FF2B5EF4-FFF2-40B4-BE49-F238E27FC236}">
+                <a16:creationId xmlns:a16="http://schemas.microsoft.com/office/drawing/2014/main" id="{44A0E7D7-1D63-984D-D281-5269F857B3AC}"/>
+              </a:ext>
+            </a:extLst>
+          </p:cNvPr>
+          <p:cNvGrpSpPr/>
+          <p:nvPr/>
+        </p:nvGrpSpPr>
+        <p:grpSpPr>
+          <a:xfrm>
+            <a:off x="1511213" y="1061413"/>
+            <a:ext cx="9259595" cy="5018951"/>
+            <a:chOff x="1511213" y="1061413"/>
+            <a:chExt cx="9259595" cy="5018951"/>
+          </a:xfrm>
+        </p:grpSpPr>
+        <p:pic>
+          <p:nvPicPr>
+            <p:cNvPr id="3" name="Picture 2">
+              <a:extLst>
+                <a:ext uri="{FF2B5EF4-FFF2-40B4-BE49-F238E27FC236}">
+                  <a16:creationId xmlns:a16="http://schemas.microsoft.com/office/drawing/2014/main" id="{62B786BA-25DE-FAC3-832D-2ED9880C75CF}"/>
+                </a:ext>
+              </a:extLst>
+            </p:cNvPr>
+            <p:cNvPicPr>
+              <a:picLocks noChangeAspect="1"/>
+            </p:cNvPicPr>
+            <p:nvPr/>
+          </p:nvPicPr>
+          <p:blipFill>
+            <a:blip r:embed="rId7"/>
+            <a:srcRect l="4520" b="5346"/>
+            <a:stretch/>
+          </p:blipFill>
+          <p:spPr>
+            <a:xfrm>
+              <a:off x="7704776" y="1061413"/>
+              <a:ext cx="3066032" cy="2417900"/>
+            </a:xfrm>
+            <a:prstGeom prst="rect">
+              <a:avLst/>
+            </a:prstGeom>
+          </p:spPr>
+        </p:pic>
+        <p:pic>
+          <p:nvPicPr>
+            <p:cNvPr id="5" name="Picture 4">
+              <a:extLst>
+                <a:ext uri="{FF2B5EF4-FFF2-40B4-BE49-F238E27FC236}">
+                  <a16:creationId xmlns:a16="http://schemas.microsoft.com/office/drawing/2014/main" id="{0B4A4098-DE27-81BD-F8A9-C034E174713F}"/>
+                </a:ext>
+              </a:extLst>
+            </p:cNvPr>
+            <p:cNvPicPr>
+              <a:picLocks noChangeAspect="1"/>
+            </p:cNvPicPr>
+            <p:nvPr/>
+          </p:nvPicPr>
+          <p:blipFill>
+            <a:blip r:embed="rId8"/>
+            <a:srcRect l="4588"/>
+            <a:stretch/>
+          </p:blipFill>
+          <p:spPr>
+            <a:xfrm>
+              <a:off x="7786392" y="3525888"/>
+              <a:ext cx="2984416" cy="2554475"/>
+            </a:xfrm>
+            <a:prstGeom prst="rect">
+              <a:avLst/>
+            </a:prstGeom>
+          </p:spPr>
+        </p:pic>
+        <p:pic>
+          <p:nvPicPr>
+            <p:cNvPr id="7" name="Picture 6">
+              <a:extLst>
+                <a:ext uri="{FF2B5EF4-FFF2-40B4-BE49-F238E27FC236}">
+                  <a16:creationId xmlns:a16="http://schemas.microsoft.com/office/drawing/2014/main" id="{08236112-9DC1-C00A-0EFD-68060A797832}"/>
+                </a:ext>
+              </a:extLst>
+            </p:cNvPr>
+            <p:cNvPicPr>
+              <a:picLocks noChangeAspect="1"/>
+            </p:cNvPicPr>
+            <p:nvPr/>
+          </p:nvPicPr>
+          <p:blipFill>
+            <a:blip r:embed="rId9"/>
+            <a:srcRect l="4467"/>
+            <a:stretch/>
+          </p:blipFill>
+          <p:spPr>
+            <a:xfrm>
+              <a:off x="4711280" y="3525890"/>
+              <a:ext cx="2914772" cy="2554474"/>
+            </a:xfrm>
+            <a:prstGeom prst="rect">
+              <a:avLst/>
+            </a:prstGeom>
+          </p:spPr>
+        </p:pic>
+        <p:pic>
+          <p:nvPicPr>
+            <p:cNvPr id="9" name="Picture 8">
+              <a:extLst>
+                <a:ext uri="{FF2B5EF4-FFF2-40B4-BE49-F238E27FC236}">
+                  <a16:creationId xmlns:a16="http://schemas.microsoft.com/office/drawing/2014/main" id="{658D1C0A-B8AC-000A-0B35-EE6E30AE743A}"/>
+                </a:ext>
+              </a:extLst>
+            </p:cNvPr>
+            <p:cNvPicPr>
+              <a:picLocks noChangeAspect="1"/>
+            </p:cNvPicPr>
+            <p:nvPr/>
+          </p:nvPicPr>
+          <p:blipFill>
+            <a:blip r:embed="rId10"/>
+            <a:srcRect l="4744" b="5788"/>
+            <a:stretch/>
+          </p:blipFill>
+          <p:spPr>
+            <a:xfrm>
+              <a:off x="4711280" y="1061413"/>
+              <a:ext cx="2914772" cy="2406618"/>
+            </a:xfrm>
+            <a:prstGeom prst="rect">
+              <a:avLst/>
+            </a:prstGeom>
+          </p:spPr>
+        </p:pic>
+        <p:pic>
+          <p:nvPicPr>
+            <p:cNvPr id="11" name="Picture 10">
+              <a:extLst>
+                <a:ext uri="{FF2B5EF4-FFF2-40B4-BE49-F238E27FC236}">
+                  <a16:creationId xmlns:a16="http://schemas.microsoft.com/office/drawing/2014/main" id="{00DC26D0-267A-24E9-4DD4-FB2E5CDBC3BF}"/>
+                </a:ext>
+              </a:extLst>
+            </p:cNvPr>
+            <p:cNvPicPr>
+              <a:picLocks noChangeAspect="1"/>
+            </p:cNvPicPr>
+            <p:nvPr/>
+          </p:nvPicPr>
+          <p:blipFill>
+            <a:blip r:embed="rId11"/>
+            <a:stretch>
+              <a:fillRect/>
+            </a:stretch>
+          </p:blipFill>
+          <p:spPr>
+            <a:xfrm>
+              <a:off x="1517328" y="3525889"/>
+              <a:ext cx="3047608" cy="2554475"/>
+            </a:xfrm>
+            <a:prstGeom prst="rect">
+              <a:avLst/>
+            </a:prstGeom>
+          </p:spPr>
+        </p:pic>
+        <p:pic>
+          <p:nvPicPr>
+            <p:cNvPr id="13" name="Picture 12">
+              <a:extLst>
+                <a:ext uri="{FF2B5EF4-FFF2-40B4-BE49-F238E27FC236}">
+                  <a16:creationId xmlns:a16="http://schemas.microsoft.com/office/drawing/2014/main" id="{D6A1A31F-7AAF-A5A0-9E1F-240A77F41C18}"/>
+                </a:ext>
+              </a:extLst>
+            </p:cNvPr>
+            <p:cNvPicPr>
+              <a:picLocks noChangeAspect="1"/>
+            </p:cNvPicPr>
+            <p:nvPr/>
+          </p:nvPicPr>
+          <p:blipFill>
+            <a:blip r:embed="rId12"/>
+            <a:srcRect b="5977"/>
+            <a:stretch/>
+          </p:blipFill>
+          <p:spPr>
+            <a:xfrm>
+              <a:off x="1511213" y="1061413"/>
+              <a:ext cx="3053723" cy="2406618"/>
+            </a:xfrm>
+            <a:prstGeom prst="rect">
+              <a:avLst/>
+            </a:prstGeom>
+          </p:spPr>
+        </p:pic>
+        <p:grpSp>
+          <p:nvGrpSpPr>
+            <p:cNvPr id="23" name="Group 22">
+              <a:extLst>
+                <a:ext uri="{FF2B5EF4-FFF2-40B4-BE49-F238E27FC236}">
+                  <a16:creationId xmlns:a16="http://schemas.microsoft.com/office/drawing/2014/main" id="{ED091ECE-2603-99EE-A361-3F67658B7D9C}"/>
+                </a:ext>
+              </a:extLst>
+            </p:cNvPr>
+            <p:cNvGrpSpPr/>
+            <p:nvPr/>
+          </p:nvGrpSpPr>
+          <p:grpSpPr>
+            <a:xfrm>
+              <a:off x="1940584" y="2723739"/>
+              <a:ext cx="1557554" cy="473356"/>
+              <a:chOff x="1308945" y="2402792"/>
+              <a:chExt cx="1557554" cy="473356"/>
+            </a:xfrm>
+          </p:grpSpPr>
+          <mc:AlternateContent xmlns:mc="http://schemas.openxmlformats.org/markup-compatibility/2006" xmlns:a14="http://schemas.microsoft.com/office/drawing/2010/main">
+            <mc:Choice Requires="a14">
+              <p:sp>
+                <p:nvSpPr>
+                  <p:cNvPr id="19" name="TextBox 18">
+                    <a:extLst>
+                      <a:ext uri="{FF2B5EF4-FFF2-40B4-BE49-F238E27FC236}">
+                        <a16:creationId xmlns:a16="http://schemas.microsoft.com/office/drawing/2014/main" id="{26F6E5BF-0EEB-E250-664F-9906A8A6E6BD}"/>
+                      </a:ext>
+                    </a:extLst>
+                  </p:cNvPr>
+                  <p:cNvSpPr txBox="1"/>
+                  <p:nvPr/>
+                </p:nvSpPr>
+                <p:spPr>
+                  <a:xfrm>
+                    <a:off x="1321056" y="2402792"/>
+                    <a:ext cx="1545443" cy="276999"/>
+                  </a:xfrm>
+                  <a:prstGeom prst="rect">
+                    <a:avLst/>
+                  </a:prstGeom>
+                  <a:noFill/>
+                </p:spPr>
+                <p:txBody>
+                  <a:bodyPr wrap="square" rtlCol="0">
+                    <a:spAutoFit/>
+                  </a:bodyPr>
+                  <a:lstStyle/>
+                  <a:p>
+                    <a14:m>
+                      <m:oMath xmlns:m="http://schemas.openxmlformats.org/officeDocument/2006/math">
+                        <m:sSub>
+                          <m:sSubPr>
+                            <m:ctrlPr>
+                              <a:rPr lang="en-US" sz="1200" i="1" smtClean="0">
+                                <a:latin typeface="Cambria Math" panose="02040503050406030204" pitchFamily="18" charset="0"/>
+                                <a:ea typeface="Cambria Math" panose="02040503050406030204" pitchFamily="18" charset="0"/>
+                                <a:cs typeface="Times New Roman" panose="02020603050405020304" pitchFamily="18" charset="0"/>
+                              </a:rPr>
+                            </m:ctrlPr>
+                          </m:sSubPr>
+                          <m:e>
+                            <m:r>
+                              <a:rPr lang="en-US" sz="1200" i="1">
+                                <a:latin typeface="Cambria Math" panose="02040503050406030204" pitchFamily="18" charset="0"/>
+                                <a:ea typeface="Cambria Math" panose="02040503050406030204" pitchFamily="18" charset="0"/>
+                                <a:cs typeface="Times New Roman" panose="02020603050405020304" pitchFamily="18" charset="0"/>
+                              </a:rPr>
+                              <m:t>𝛿</m:t>
+                            </m:r>
+                          </m:e>
+                          <m:sub>
+                            <m:r>
+                              <a:rPr lang="en-US" sz="1200" i="1">
+                                <a:latin typeface="Cambria Math" panose="02040503050406030204" pitchFamily="18" charset="0"/>
+                                <a:ea typeface="Cambria Math" panose="02040503050406030204" pitchFamily="18" charset="0"/>
+                                <a:cs typeface="Times New Roman" panose="02020603050405020304" pitchFamily="18" charset="0"/>
+                              </a:rPr>
+                              <m:t>𝐿</m:t>
+                            </m:r>
+                            <m:r>
+                              <a:rPr lang="en-US" sz="1200" i="1">
+                                <a:latin typeface="Cambria Math" panose="02040503050406030204" pitchFamily="18" charset="0"/>
+                                <a:ea typeface="Cambria Math" panose="02040503050406030204" pitchFamily="18" charset="0"/>
+                                <a:cs typeface="Times New Roman" panose="02020603050405020304" pitchFamily="18" charset="0"/>
+                              </a:rPr>
+                              <m:t>2</m:t>
+                            </m:r>
+                          </m:sub>
+                        </m:sSub>
+                        <m:r>
+                          <a:rPr lang="en-US" sz="1200" i="1">
+                            <a:latin typeface="Cambria Math" panose="02040503050406030204" pitchFamily="18" charset="0"/>
+                            <a:ea typeface="Cambria Math" panose="02040503050406030204" pitchFamily="18" charset="0"/>
+                            <a:cs typeface="Times New Roman" panose="02020603050405020304" pitchFamily="18" charset="0"/>
+                          </a:rPr>
+                          <m:t>=</m:t>
+                        </m:r>
+                      </m:oMath>
+                    </a14:m>
+                    <a:r>
+                      <a:rPr lang="en-US" sz="1200" dirty="0">
+                        <a:latin typeface="Times New Roman" panose="02020603050405020304" pitchFamily="18" charset="0"/>
+                        <a:cs typeface="Times New Roman" panose="02020603050405020304" pitchFamily="18" charset="0"/>
+                      </a:rPr>
+                      <a:t> 3</a:t>
+                    </a:r>
+                    <a14:m>
+                      <m:oMath xmlns:m="http://schemas.openxmlformats.org/officeDocument/2006/math">
+                        <m:r>
+                          <a:rPr lang="en-US" sz="1200" i="1" smtClean="0">
+                            <a:latin typeface="Cambria Math" panose="02040503050406030204" pitchFamily="18" charset="0"/>
+                            <a:ea typeface="Cambria Math" panose="02040503050406030204" pitchFamily="18" charset="0"/>
+                            <a:cs typeface="Times New Roman" panose="02020603050405020304" pitchFamily="18" charset="0"/>
+                          </a:rPr>
+                          <m:t>×</m:t>
+                        </m:r>
+                      </m:oMath>
+                    </a14:m>
+                    <a:r>
+                      <a:rPr lang="en-US" sz="1200" dirty="0">
+                        <a:latin typeface="Times New Roman" panose="02020603050405020304" pitchFamily="18" charset="0"/>
+                        <a:cs typeface="Times New Roman" panose="02020603050405020304" pitchFamily="18" charset="0"/>
+                      </a:rPr>
+                      <a:t>2</a:t>
+                    </a:r>
+                    <a14:m>
+                      <m:oMath xmlns:m="http://schemas.openxmlformats.org/officeDocument/2006/math">
+                        <m:r>
+                          <a:rPr lang="en-US" sz="1200" i="1" smtClean="0">
+                            <a:latin typeface="Cambria Math" panose="02040503050406030204" pitchFamily="18" charset="0"/>
+                            <a:ea typeface="Cambria Math" panose="02040503050406030204" pitchFamily="18" charset="0"/>
+                            <a:cs typeface="Times New Roman" panose="02020603050405020304" pitchFamily="18" charset="0"/>
+                          </a:rPr>
+                          <m:t>𝜋</m:t>
+                        </m:r>
+                        <m:r>
+                          <a:rPr lang="en-US" sz="1200" i="1">
+                            <a:latin typeface="Cambria Math" panose="02040503050406030204" pitchFamily="18" charset="0"/>
+                            <a:ea typeface="Cambria Math" panose="02040503050406030204" pitchFamily="18" charset="0"/>
+                            <a:cs typeface="Times New Roman" panose="02020603050405020304" pitchFamily="18" charset="0"/>
+                          </a:rPr>
+                          <m:t> </m:t>
+                        </m:r>
+                      </m:oMath>
+                    </a14:m>
+                    <a:r>
+                      <a:rPr lang="en-US" sz="1200" dirty="0">
+                        <a:latin typeface="Times New Roman" panose="02020603050405020304" pitchFamily="18" charset="0"/>
+                        <a:cs typeface="Times New Roman" panose="02020603050405020304" pitchFamily="18" charset="0"/>
+                      </a:rPr>
+                      <a:t>MHz</a:t>
+                    </a:r>
+                  </a:p>
+                </p:txBody>
+              </p:sp>
+            </mc:Choice>
+            <mc:Fallback xmlns="">
+              <p:sp>
+                <p:nvSpPr>
+                  <p:cNvPr id="19" name="TextBox 18">
+                    <a:extLst>
+                      <a:ext uri="{FF2B5EF4-FFF2-40B4-BE49-F238E27FC236}">
+                        <a16:creationId xmlns:a16="http://schemas.microsoft.com/office/drawing/2014/main" id="{26F6E5BF-0EEB-E250-664F-9906A8A6E6BD}"/>
+                      </a:ext>
+                    </a:extLst>
+                  </p:cNvPr>
+                  <p:cNvSpPr txBox="1">
+                    <a:spLocks noRot="1" noChangeAspect="1" noMove="1" noResize="1" noEditPoints="1" noAdjustHandles="1" noChangeArrowheads="1" noChangeShapeType="1" noTextEdit="1"/>
+                  </p:cNvSpPr>
+                  <p:nvPr/>
+                </p:nvSpPr>
+                <p:spPr>
+                  <a:xfrm>
+                    <a:off x="1321056" y="2402792"/>
+                    <a:ext cx="1545443" cy="276999"/>
+                  </a:xfrm>
+                  <a:prstGeom prst="rect">
+                    <a:avLst/>
+                  </a:prstGeom>
+                  <a:blipFill>
+                    <a:blip r:embed="rId13"/>
+                    <a:stretch>
+                      <a:fillRect b="-17391"/>
+                    </a:stretch>
+                  </a:blipFill>
+                </p:spPr>
+                <p:txBody>
+                  <a:bodyPr/>
+                  <a:lstStyle/>
+                  <a:p>
+                    <a:r>
+                      <a:rPr lang="en-US">
+                        <a:noFill/>
+                      </a:rPr>
+                      <a:t> </a:t>
+                    </a:r>
+                  </a:p>
+                </p:txBody>
+              </p:sp>
+            </mc:Fallback>
+          </mc:AlternateContent>
+          <mc:AlternateContent xmlns:mc="http://schemas.openxmlformats.org/markup-compatibility/2006" xmlns:a14="http://schemas.microsoft.com/office/drawing/2010/main">
+            <mc:Choice Requires="a14">
+              <p:sp>
+                <p:nvSpPr>
+                  <p:cNvPr id="22" name="TextBox 21">
+                    <a:extLst>
+                      <a:ext uri="{FF2B5EF4-FFF2-40B4-BE49-F238E27FC236}">
+                        <a16:creationId xmlns:a16="http://schemas.microsoft.com/office/drawing/2014/main" id="{A225772D-60AB-E882-3A17-70D2AF5BE76D}"/>
+                      </a:ext>
+                    </a:extLst>
+                  </p:cNvPr>
+                  <p:cNvSpPr txBox="1"/>
+                  <p:nvPr/>
+                </p:nvSpPr>
+                <p:spPr>
+                  <a:xfrm>
+                    <a:off x="1308945" y="2599149"/>
+                    <a:ext cx="1196813" cy="276999"/>
+                  </a:xfrm>
+                  <a:prstGeom prst="rect">
+                    <a:avLst/>
+                  </a:prstGeom>
+                  <a:noFill/>
+                </p:spPr>
+                <p:txBody>
+                  <a:bodyPr wrap="square" rtlCol="0">
+                    <a:spAutoFit/>
+                  </a:bodyPr>
+                  <a:lstStyle/>
+                  <a:p>
+                    <a14:m>
+                      <m:oMath xmlns:m="http://schemas.openxmlformats.org/officeDocument/2006/math">
+                        <m:sSub>
+                          <m:sSubPr>
+                            <m:ctrlPr>
+                              <a:rPr lang="en-US" sz="1200" i="1" smtClean="0">
+                                <a:latin typeface="Cambria Math" panose="02040503050406030204" pitchFamily="18" charset="0"/>
+                                <a:ea typeface="Cambria Math" panose="02040503050406030204" pitchFamily="18" charset="0"/>
+                                <a:cs typeface="Times New Roman" panose="02020603050405020304" pitchFamily="18" charset="0"/>
+                              </a:rPr>
+                            </m:ctrlPr>
+                          </m:sSubPr>
+                          <m:e>
+                            <m:r>
+                              <a:rPr lang="en-US" sz="1200" i="1" smtClean="0">
+                                <a:latin typeface="Cambria Math" panose="02040503050406030204" pitchFamily="18" charset="0"/>
+                                <a:ea typeface="Cambria Math" panose="02040503050406030204" pitchFamily="18" charset="0"/>
+                                <a:cs typeface="Times New Roman" panose="02020603050405020304" pitchFamily="18" charset="0"/>
+                              </a:rPr>
+                              <m:t>ℰ</m:t>
+                            </m:r>
+                          </m:e>
+                          <m:sub>
+                            <m:r>
+                              <a:rPr lang="en-US" sz="1200" b="0" i="1" smtClean="0">
+                                <a:latin typeface="Cambria Math" panose="02040503050406030204" pitchFamily="18" charset="0"/>
+                                <a:ea typeface="Cambria Math" panose="02040503050406030204" pitchFamily="18" charset="0"/>
+                                <a:cs typeface="Times New Roman" panose="02020603050405020304" pitchFamily="18" charset="0"/>
+                              </a:rPr>
+                              <m:t>𝑛𝑟</m:t>
+                            </m:r>
+                          </m:sub>
+                        </m:sSub>
+                        <m:r>
+                          <a:rPr lang="en-US" sz="1200" i="1">
+                            <a:latin typeface="Cambria Math" panose="02040503050406030204" pitchFamily="18" charset="0"/>
+                            <a:ea typeface="Cambria Math" panose="02040503050406030204" pitchFamily="18" charset="0"/>
+                            <a:cs typeface="Times New Roman" panose="02020603050405020304" pitchFamily="18" charset="0"/>
+                          </a:rPr>
+                          <m:t>=</m:t>
+                        </m:r>
+                        <m:r>
+                          <a:rPr lang="en-US" sz="1200" b="0" i="1" smtClean="0">
+                            <a:latin typeface="Cambria Math" panose="02040503050406030204" pitchFamily="18" charset="0"/>
+                            <a:ea typeface="Cambria Math" panose="02040503050406030204" pitchFamily="18" charset="0"/>
+                            <a:cs typeface="Times New Roman" panose="02020603050405020304" pitchFamily="18" charset="0"/>
+                          </a:rPr>
+                          <m:t> </m:t>
+                        </m:r>
+                      </m:oMath>
+                    </a14:m>
+                    <a:r>
+                      <a:rPr lang="en-US" sz="1200" dirty="0">
+                        <a:latin typeface="Times New Roman" panose="02020603050405020304" pitchFamily="18" charset="0"/>
+                        <a:cs typeface="Times New Roman" panose="02020603050405020304" pitchFamily="18" charset="0"/>
+                      </a:rPr>
+                      <a:t>12V/m</a:t>
+                    </a:r>
+                  </a:p>
+                </p:txBody>
+              </p:sp>
+            </mc:Choice>
+            <mc:Fallback xmlns="">
+              <p:sp>
+                <p:nvSpPr>
+                  <p:cNvPr id="22" name="TextBox 21">
+                    <a:extLst>
+                      <a:ext uri="{FF2B5EF4-FFF2-40B4-BE49-F238E27FC236}">
+                        <a16:creationId xmlns:a16="http://schemas.microsoft.com/office/drawing/2014/main" id="{A225772D-60AB-E882-3A17-70D2AF5BE76D}"/>
+                      </a:ext>
+                    </a:extLst>
+                  </p:cNvPr>
+                  <p:cNvSpPr txBox="1">
+                    <a:spLocks noRot="1" noChangeAspect="1" noMove="1" noResize="1" noEditPoints="1" noAdjustHandles="1" noChangeArrowheads="1" noChangeShapeType="1" noTextEdit="1"/>
+                  </p:cNvSpPr>
+                  <p:nvPr/>
+                </p:nvSpPr>
+                <p:spPr>
+                  <a:xfrm>
+                    <a:off x="1308945" y="2599149"/>
+                    <a:ext cx="1196813" cy="276999"/>
+                  </a:xfrm>
+                  <a:prstGeom prst="rect">
+                    <a:avLst/>
+                  </a:prstGeom>
+                  <a:blipFill>
+                    <a:blip r:embed="rId14"/>
+                    <a:stretch>
+                      <a:fillRect b="-17391"/>
+                    </a:stretch>
+                  </a:blipFill>
+                </p:spPr>
+                <p:txBody>
+                  <a:bodyPr/>
+                  <a:lstStyle/>
+                  <a:p>
+                    <a:r>
+                      <a:rPr lang="en-US">
+                        <a:noFill/>
+                      </a:rPr>
+                      <a:t> </a:t>
+                    </a:r>
+                  </a:p>
+                </p:txBody>
+              </p:sp>
+            </mc:Fallback>
+          </mc:AlternateContent>
+        </p:grpSp>
+        <p:grpSp>
+          <p:nvGrpSpPr>
+            <p:cNvPr id="24" name="Group 23">
+              <a:extLst>
+                <a:ext uri="{FF2B5EF4-FFF2-40B4-BE49-F238E27FC236}">
+                  <a16:creationId xmlns:a16="http://schemas.microsoft.com/office/drawing/2014/main" id="{BDBF303A-EDA6-99D8-C969-88713D3B7210}"/>
+                </a:ext>
+              </a:extLst>
+            </p:cNvPr>
+            <p:cNvGrpSpPr/>
+            <p:nvPr/>
+          </p:nvGrpSpPr>
+          <p:grpSpPr>
+            <a:xfrm>
+              <a:off x="4994307" y="2717678"/>
+              <a:ext cx="1418604" cy="473356"/>
+              <a:chOff x="1308945" y="2402792"/>
+              <a:chExt cx="1418604" cy="473356"/>
+            </a:xfrm>
+          </p:grpSpPr>
+          <mc:AlternateContent xmlns:mc="http://schemas.openxmlformats.org/markup-compatibility/2006" xmlns:a14="http://schemas.microsoft.com/office/drawing/2010/main">
+            <mc:Choice Requires="a14">
+              <p:sp>
+                <p:nvSpPr>
+                  <p:cNvPr id="25" name="TextBox 24">
+                    <a:extLst>
+                      <a:ext uri="{FF2B5EF4-FFF2-40B4-BE49-F238E27FC236}">
+                        <a16:creationId xmlns:a16="http://schemas.microsoft.com/office/drawing/2014/main" id="{53A295F0-2BB1-7E60-B0A0-F3F4BDB0C2FC}"/>
+                      </a:ext>
+                    </a:extLst>
+                  </p:cNvPr>
+                  <p:cNvSpPr txBox="1"/>
+                  <p:nvPr/>
+                </p:nvSpPr>
+                <p:spPr>
+                  <a:xfrm>
+                    <a:off x="1321056" y="2402792"/>
+                    <a:ext cx="1406493" cy="276999"/>
+                  </a:xfrm>
+                  <a:prstGeom prst="rect">
+                    <a:avLst/>
+                  </a:prstGeom>
+                  <a:noFill/>
+                </p:spPr>
+                <p:txBody>
+                  <a:bodyPr wrap="square" rtlCol="0">
+                    <a:spAutoFit/>
+                  </a:bodyPr>
+                  <a:lstStyle/>
+                  <a:p>
+                    <a14:m>
+                      <m:oMath xmlns:m="http://schemas.openxmlformats.org/officeDocument/2006/math">
+                        <m:sSub>
+                          <m:sSubPr>
+                            <m:ctrlPr>
+                              <a:rPr lang="en-US" sz="1200" i="1" smtClean="0">
+                                <a:latin typeface="Cambria Math" panose="02040503050406030204" pitchFamily="18" charset="0"/>
+                                <a:ea typeface="Cambria Math" panose="02040503050406030204" pitchFamily="18" charset="0"/>
+                                <a:cs typeface="Times New Roman" panose="02020603050405020304" pitchFamily="18" charset="0"/>
+                              </a:rPr>
+                            </m:ctrlPr>
+                          </m:sSubPr>
+                          <m:e>
+                            <m:r>
+                              <a:rPr lang="en-US" sz="1200" i="1">
+                                <a:latin typeface="Cambria Math" panose="02040503050406030204" pitchFamily="18" charset="0"/>
+                                <a:ea typeface="Cambria Math" panose="02040503050406030204" pitchFamily="18" charset="0"/>
+                                <a:cs typeface="Times New Roman" panose="02020603050405020304" pitchFamily="18" charset="0"/>
+                              </a:rPr>
+                              <m:t>𝛿</m:t>
+                            </m:r>
+                          </m:e>
+                          <m:sub>
+                            <m:r>
+                              <a:rPr lang="en-US" sz="1200" i="1">
+                                <a:latin typeface="Cambria Math" panose="02040503050406030204" pitchFamily="18" charset="0"/>
+                                <a:ea typeface="Cambria Math" panose="02040503050406030204" pitchFamily="18" charset="0"/>
+                                <a:cs typeface="Times New Roman" panose="02020603050405020304" pitchFamily="18" charset="0"/>
+                              </a:rPr>
+                              <m:t>𝐿</m:t>
+                            </m:r>
+                            <m:r>
+                              <a:rPr lang="en-US" sz="1200" i="1">
+                                <a:latin typeface="Cambria Math" panose="02040503050406030204" pitchFamily="18" charset="0"/>
+                                <a:ea typeface="Cambria Math" panose="02040503050406030204" pitchFamily="18" charset="0"/>
+                                <a:cs typeface="Times New Roman" panose="02020603050405020304" pitchFamily="18" charset="0"/>
+                              </a:rPr>
+                              <m:t>2</m:t>
+                            </m:r>
+                          </m:sub>
+                        </m:sSub>
+                        <m:r>
+                          <a:rPr lang="en-US" sz="1200" i="1">
+                            <a:latin typeface="Cambria Math" panose="02040503050406030204" pitchFamily="18" charset="0"/>
+                            <a:ea typeface="Cambria Math" panose="02040503050406030204" pitchFamily="18" charset="0"/>
+                            <a:cs typeface="Times New Roman" panose="02020603050405020304" pitchFamily="18" charset="0"/>
+                          </a:rPr>
+                          <m:t>=</m:t>
+                        </m:r>
+                        <m:r>
+                          <a:rPr lang="en-US" sz="1200" b="0" i="1" smtClean="0">
+                            <a:latin typeface="Cambria Math" panose="02040503050406030204" pitchFamily="18" charset="0"/>
+                            <a:ea typeface="Cambria Math" panose="02040503050406030204" pitchFamily="18" charset="0"/>
+                            <a:cs typeface="Times New Roman" panose="02020603050405020304" pitchFamily="18" charset="0"/>
+                          </a:rPr>
+                          <m:t> </m:t>
+                        </m:r>
+                      </m:oMath>
+                    </a14:m>
+                    <a:r>
+                      <a:rPr lang="en-US" sz="1200" dirty="0">
+                        <a:latin typeface="Times New Roman" panose="02020603050405020304" pitchFamily="18" charset="0"/>
+                        <a:cs typeface="Times New Roman" panose="02020603050405020304" pitchFamily="18" charset="0"/>
+                      </a:rPr>
+                      <a:t>1</a:t>
+                    </a:r>
+                    <a14:m>
+                      <m:oMath xmlns:m="http://schemas.openxmlformats.org/officeDocument/2006/math">
+                        <m:r>
+                          <a:rPr lang="en-US" sz="1200" i="1" smtClean="0">
+                            <a:latin typeface="Cambria Math" panose="02040503050406030204" pitchFamily="18" charset="0"/>
+                            <a:ea typeface="Cambria Math" panose="02040503050406030204" pitchFamily="18" charset="0"/>
+                            <a:cs typeface="Times New Roman" panose="02020603050405020304" pitchFamily="18" charset="0"/>
+                          </a:rPr>
+                          <m:t>×</m:t>
+                        </m:r>
+                      </m:oMath>
+                    </a14:m>
+                    <a:r>
+                      <a:rPr lang="en-US" sz="1200" dirty="0">
+                        <a:latin typeface="Times New Roman" panose="02020603050405020304" pitchFamily="18" charset="0"/>
+                        <a:cs typeface="Times New Roman" panose="02020603050405020304" pitchFamily="18" charset="0"/>
+                      </a:rPr>
+                      <a:t>2</a:t>
+                    </a:r>
+                    <a14:m>
+                      <m:oMath xmlns:m="http://schemas.openxmlformats.org/officeDocument/2006/math">
+                        <m:r>
+                          <a:rPr lang="en-US" sz="1200" i="1" smtClean="0">
+                            <a:latin typeface="Cambria Math" panose="02040503050406030204" pitchFamily="18" charset="0"/>
+                            <a:ea typeface="Cambria Math" panose="02040503050406030204" pitchFamily="18" charset="0"/>
+                            <a:cs typeface="Times New Roman" panose="02020603050405020304" pitchFamily="18" charset="0"/>
+                          </a:rPr>
+                          <m:t>𝜋</m:t>
+                        </m:r>
+                        <m:r>
+                          <a:rPr lang="en-US" sz="1200" i="1">
+                            <a:latin typeface="Cambria Math" panose="02040503050406030204" pitchFamily="18" charset="0"/>
+                            <a:ea typeface="Cambria Math" panose="02040503050406030204" pitchFamily="18" charset="0"/>
+                            <a:cs typeface="Times New Roman" panose="02020603050405020304" pitchFamily="18" charset="0"/>
+                          </a:rPr>
+                          <m:t> </m:t>
+                        </m:r>
+                      </m:oMath>
+                    </a14:m>
+                    <a:r>
+                      <a:rPr lang="en-US" sz="1200" dirty="0">
+                        <a:latin typeface="Times New Roman" panose="02020603050405020304" pitchFamily="18" charset="0"/>
+                        <a:cs typeface="Times New Roman" panose="02020603050405020304" pitchFamily="18" charset="0"/>
+                      </a:rPr>
+                      <a:t>MHz</a:t>
+                    </a:r>
+                  </a:p>
+                </p:txBody>
+              </p:sp>
+            </mc:Choice>
+            <mc:Fallback xmlns="">
+              <p:sp>
+                <p:nvSpPr>
+                  <p:cNvPr id="25" name="TextBox 24">
+                    <a:extLst>
+                      <a:ext uri="{FF2B5EF4-FFF2-40B4-BE49-F238E27FC236}">
+                        <a16:creationId xmlns:a16="http://schemas.microsoft.com/office/drawing/2014/main" id="{53A295F0-2BB1-7E60-B0A0-F3F4BDB0C2FC}"/>
+                      </a:ext>
+                    </a:extLst>
+                  </p:cNvPr>
+                  <p:cNvSpPr txBox="1">
+                    <a:spLocks noRot="1" noChangeAspect="1" noMove="1" noResize="1" noEditPoints="1" noAdjustHandles="1" noChangeArrowheads="1" noChangeShapeType="1" noTextEdit="1"/>
+                  </p:cNvSpPr>
+                  <p:nvPr/>
+                </p:nvSpPr>
+                <p:spPr>
+                  <a:xfrm>
+                    <a:off x="1321056" y="2402792"/>
+                    <a:ext cx="1406493" cy="276999"/>
+                  </a:xfrm>
+                  <a:prstGeom prst="rect">
+                    <a:avLst/>
+                  </a:prstGeom>
+                  <a:blipFill>
+                    <a:blip r:embed="rId15"/>
+                    <a:stretch>
+                      <a:fillRect b="-22727"/>
+                    </a:stretch>
+                  </a:blipFill>
+                </p:spPr>
+                <p:txBody>
+                  <a:bodyPr/>
+                  <a:lstStyle/>
+                  <a:p>
+                    <a:r>
+                      <a:rPr lang="en-US">
+                        <a:noFill/>
+                      </a:rPr>
+                      <a:t> </a:t>
+                    </a:r>
+                  </a:p>
+                </p:txBody>
+              </p:sp>
+            </mc:Fallback>
+          </mc:AlternateContent>
+          <mc:AlternateContent xmlns:mc="http://schemas.openxmlformats.org/markup-compatibility/2006" xmlns:a14="http://schemas.microsoft.com/office/drawing/2010/main">
+            <mc:Choice Requires="a14">
+              <p:sp>
+                <p:nvSpPr>
+                  <p:cNvPr id="26" name="TextBox 25">
+                    <a:extLst>
+                      <a:ext uri="{FF2B5EF4-FFF2-40B4-BE49-F238E27FC236}">
+                        <a16:creationId xmlns:a16="http://schemas.microsoft.com/office/drawing/2014/main" id="{FF7E13BD-DA92-8424-9F89-3659E3046A24}"/>
+                      </a:ext>
+                    </a:extLst>
+                  </p:cNvPr>
+                  <p:cNvSpPr txBox="1"/>
+                  <p:nvPr/>
+                </p:nvSpPr>
+                <p:spPr>
+                  <a:xfrm>
+                    <a:off x="1308945" y="2599149"/>
+                    <a:ext cx="1196813" cy="276999"/>
+                  </a:xfrm>
+                  <a:prstGeom prst="rect">
+                    <a:avLst/>
+                  </a:prstGeom>
+                  <a:noFill/>
+                </p:spPr>
+                <p:txBody>
+                  <a:bodyPr wrap="square" rtlCol="0">
+                    <a:spAutoFit/>
+                  </a:bodyPr>
+                  <a:lstStyle/>
+                  <a:p>
+                    <a14:m>
+                      <m:oMath xmlns:m="http://schemas.openxmlformats.org/officeDocument/2006/math">
+                        <m:sSub>
+                          <m:sSubPr>
+                            <m:ctrlPr>
+                              <a:rPr lang="en-US" sz="1200" i="1" smtClean="0">
+                                <a:latin typeface="Cambria Math" panose="02040503050406030204" pitchFamily="18" charset="0"/>
+                                <a:ea typeface="Cambria Math" panose="02040503050406030204" pitchFamily="18" charset="0"/>
+                                <a:cs typeface="Times New Roman" panose="02020603050405020304" pitchFamily="18" charset="0"/>
+                              </a:rPr>
+                            </m:ctrlPr>
+                          </m:sSubPr>
+                          <m:e>
+                            <m:r>
+                              <a:rPr lang="en-US" sz="1200" i="1" smtClean="0">
+                                <a:latin typeface="Cambria Math" panose="02040503050406030204" pitchFamily="18" charset="0"/>
+                                <a:ea typeface="Cambria Math" panose="02040503050406030204" pitchFamily="18" charset="0"/>
+                                <a:cs typeface="Times New Roman" panose="02020603050405020304" pitchFamily="18" charset="0"/>
+                              </a:rPr>
+                              <m:t>ℰ</m:t>
+                            </m:r>
+                          </m:e>
+                          <m:sub>
+                            <m:r>
+                              <a:rPr lang="en-US" sz="1200" b="0" i="1" smtClean="0">
+                                <a:latin typeface="Cambria Math" panose="02040503050406030204" pitchFamily="18" charset="0"/>
+                                <a:ea typeface="Cambria Math" panose="02040503050406030204" pitchFamily="18" charset="0"/>
+                                <a:cs typeface="Times New Roman" panose="02020603050405020304" pitchFamily="18" charset="0"/>
+                              </a:rPr>
+                              <m:t>𝑛𝑟</m:t>
+                            </m:r>
+                          </m:sub>
+                        </m:sSub>
+                        <m:r>
+                          <a:rPr lang="en-US" sz="1200" i="1">
+                            <a:latin typeface="Cambria Math" panose="02040503050406030204" pitchFamily="18" charset="0"/>
+                            <a:ea typeface="Cambria Math" panose="02040503050406030204" pitchFamily="18" charset="0"/>
+                            <a:cs typeface="Times New Roman" panose="02020603050405020304" pitchFamily="18" charset="0"/>
+                          </a:rPr>
+                          <m:t>=</m:t>
+                        </m:r>
+                        <m:r>
+                          <a:rPr lang="en-US" sz="1200" b="0" i="1" smtClean="0">
+                            <a:latin typeface="Cambria Math" panose="02040503050406030204" pitchFamily="18" charset="0"/>
+                            <a:ea typeface="Cambria Math" panose="02040503050406030204" pitchFamily="18" charset="0"/>
+                            <a:cs typeface="Times New Roman" panose="02020603050405020304" pitchFamily="18" charset="0"/>
+                          </a:rPr>
+                          <m:t> </m:t>
+                        </m:r>
+                      </m:oMath>
+                    </a14:m>
+                    <a:r>
+                      <a:rPr lang="en-US" sz="1200" dirty="0">
+                        <a:latin typeface="Times New Roman" panose="02020603050405020304" pitchFamily="18" charset="0"/>
+                        <a:cs typeface="Times New Roman" panose="02020603050405020304" pitchFamily="18" charset="0"/>
+                      </a:rPr>
+                      <a:t>12V/m</a:t>
+                    </a:r>
+                  </a:p>
+                </p:txBody>
+              </p:sp>
+            </mc:Choice>
+            <mc:Fallback xmlns="">
+              <p:sp>
+                <p:nvSpPr>
+                  <p:cNvPr id="26" name="TextBox 25">
+                    <a:extLst>
+                      <a:ext uri="{FF2B5EF4-FFF2-40B4-BE49-F238E27FC236}">
+                        <a16:creationId xmlns:a16="http://schemas.microsoft.com/office/drawing/2014/main" id="{FF7E13BD-DA92-8424-9F89-3659E3046A24}"/>
+                      </a:ext>
+                    </a:extLst>
+                  </p:cNvPr>
+                  <p:cNvSpPr txBox="1">
+                    <a:spLocks noRot="1" noChangeAspect="1" noMove="1" noResize="1" noEditPoints="1" noAdjustHandles="1" noChangeArrowheads="1" noChangeShapeType="1" noTextEdit="1"/>
+                  </p:cNvSpPr>
+                  <p:nvPr/>
+                </p:nvSpPr>
+                <p:spPr>
+                  <a:xfrm>
+                    <a:off x="1308945" y="2599149"/>
+                    <a:ext cx="1196813" cy="276999"/>
+                  </a:xfrm>
+                  <a:prstGeom prst="rect">
+                    <a:avLst/>
+                  </a:prstGeom>
+                  <a:blipFill>
+                    <a:blip r:embed="rId16"/>
+                    <a:stretch>
+                      <a:fillRect b="-17391"/>
+                    </a:stretch>
+                  </a:blipFill>
+                </p:spPr>
+                <p:txBody>
+                  <a:bodyPr/>
+                  <a:lstStyle/>
+                  <a:p>
+                    <a:r>
+                      <a:rPr lang="en-US">
+                        <a:noFill/>
+                      </a:rPr>
+                      <a:t> </a:t>
+                    </a:r>
+                  </a:p>
+                </p:txBody>
+              </p:sp>
+            </mc:Fallback>
+          </mc:AlternateContent>
+        </p:grpSp>
+        <p:grpSp>
+          <p:nvGrpSpPr>
+            <p:cNvPr id="27" name="Group 26">
+              <a:extLst>
+                <a:ext uri="{FF2B5EF4-FFF2-40B4-BE49-F238E27FC236}">
+                  <a16:creationId xmlns:a16="http://schemas.microsoft.com/office/drawing/2014/main" id="{EBE0A511-AFEE-3FC5-B9EC-5FF31F5C8D2D}"/>
+                </a:ext>
+              </a:extLst>
+            </p:cNvPr>
+            <p:cNvGrpSpPr/>
+            <p:nvPr/>
+          </p:nvGrpSpPr>
+          <p:grpSpPr>
+            <a:xfrm>
+              <a:off x="8147603" y="2388882"/>
+              <a:ext cx="1287648" cy="473356"/>
+              <a:chOff x="1308945" y="2402792"/>
+              <a:chExt cx="1287648" cy="473356"/>
+            </a:xfrm>
+          </p:grpSpPr>
+          <mc:AlternateContent xmlns:mc="http://schemas.openxmlformats.org/markup-compatibility/2006" xmlns:a14="http://schemas.microsoft.com/office/drawing/2010/main">
+            <mc:Choice Requires="a14">
+              <p:sp>
+                <p:nvSpPr>
+                  <p:cNvPr id="28" name="TextBox 27">
+                    <a:extLst>
+                      <a:ext uri="{FF2B5EF4-FFF2-40B4-BE49-F238E27FC236}">
+                        <a16:creationId xmlns:a16="http://schemas.microsoft.com/office/drawing/2014/main" id="{0AB3000E-3815-26A5-C066-D7C123AF6C3C}"/>
+                      </a:ext>
+                    </a:extLst>
+                  </p:cNvPr>
+                  <p:cNvSpPr txBox="1"/>
+                  <p:nvPr/>
+                </p:nvSpPr>
+                <p:spPr>
+                  <a:xfrm>
+                    <a:off x="1321057" y="2402792"/>
+                    <a:ext cx="1275536" cy="276999"/>
+                  </a:xfrm>
+                  <a:prstGeom prst="rect">
+                    <a:avLst/>
+                  </a:prstGeom>
+                  <a:noFill/>
+                </p:spPr>
+                <p:txBody>
+                  <a:bodyPr wrap="square" rtlCol="0">
+                    <a:spAutoFit/>
+                  </a:bodyPr>
+                  <a:lstStyle/>
+                  <a:p>
+                    <a14:m>
+                      <m:oMath xmlns:m="http://schemas.openxmlformats.org/officeDocument/2006/math">
+                        <m:sSub>
+                          <m:sSubPr>
+                            <m:ctrlPr>
+                              <a:rPr lang="en-US" sz="1200" i="1" smtClean="0">
+                                <a:latin typeface="Cambria Math" panose="02040503050406030204" pitchFamily="18" charset="0"/>
+                                <a:ea typeface="Cambria Math" panose="02040503050406030204" pitchFamily="18" charset="0"/>
+                                <a:cs typeface="Times New Roman" panose="02020603050405020304" pitchFamily="18" charset="0"/>
+                              </a:rPr>
+                            </m:ctrlPr>
+                          </m:sSubPr>
+                          <m:e>
+                            <m:r>
+                              <a:rPr lang="en-US" sz="1200" i="1">
+                                <a:latin typeface="Cambria Math" panose="02040503050406030204" pitchFamily="18" charset="0"/>
+                                <a:ea typeface="Cambria Math" panose="02040503050406030204" pitchFamily="18" charset="0"/>
+                                <a:cs typeface="Times New Roman" panose="02020603050405020304" pitchFamily="18" charset="0"/>
+                              </a:rPr>
+                              <m:t>𝛿</m:t>
+                            </m:r>
+                          </m:e>
+                          <m:sub>
+                            <m:r>
+                              <a:rPr lang="en-US" sz="1200" i="1">
+                                <a:latin typeface="Cambria Math" panose="02040503050406030204" pitchFamily="18" charset="0"/>
+                                <a:ea typeface="Cambria Math" panose="02040503050406030204" pitchFamily="18" charset="0"/>
+                                <a:cs typeface="Times New Roman" panose="02020603050405020304" pitchFamily="18" charset="0"/>
+                              </a:rPr>
+                              <m:t>𝐿</m:t>
+                            </m:r>
+                            <m:r>
+                              <a:rPr lang="en-US" sz="1200" i="1">
+                                <a:latin typeface="Cambria Math" panose="02040503050406030204" pitchFamily="18" charset="0"/>
+                                <a:ea typeface="Cambria Math" panose="02040503050406030204" pitchFamily="18" charset="0"/>
+                                <a:cs typeface="Times New Roman" panose="02020603050405020304" pitchFamily="18" charset="0"/>
+                              </a:rPr>
+                              <m:t>2</m:t>
+                            </m:r>
+                          </m:sub>
+                        </m:sSub>
+                        <m:r>
+                          <a:rPr lang="en-US" sz="1200" i="1">
+                            <a:latin typeface="Cambria Math" panose="02040503050406030204" pitchFamily="18" charset="0"/>
+                            <a:ea typeface="Cambria Math" panose="02040503050406030204" pitchFamily="18" charset="0"/>
+                            <a:cs typeface="Times New Roman" panose="02020603050405020304" pitchFamily="18" charset="0"/>
+                          </a:rPr>
+                          <m:t>=</m:t>
+                        </m:r>
+                      </m:oMath>
+                    </a14:m>
+                    <a:r>
+                      <a:rPr lang="en-US" sz="1200" dirty="0">
+                        <a:latin typeface="Times New Roman" panose="02020603050405020304" pitchFamily="18" charset="0"/>
+                        <a:cs typeface="Times New Roman" panose="02020603050405020304" pitchFamily="18" charset="0"/>
+                      </a:rPr>
+                      <a:t> 0 MHz</a:t>
+                    </a:r>
+                  </a:p>
+                </p:txBody>
+              </p:sp>
+            </mc:Choice>
+            <mc:Fallback xmlns="">
+              <p:sp>
+                <p:nvSpPr>
+                  <p:cNvPr id="28" name="TextBox 27">
+                    <a:extLst>
+                      <a:ext uri="{FF2B5EF4-FFF2-40B4-BE49-F238E27FC236}">
+                        <a16:creationId xmlns:a16="http://schemas.microsoft.com/office/drawing/2014/main" id="{0AB3000E-3815-26A5-C066-D7C123AF6C3C}"/>
+                      </a:ext>
+                    </a:extLst>
+                  </p:cNvPr>
+                  <p:cNvSpPr txBox="1">
+                    <a:spLocks noRot="1" noChangeAspect="1" noMove="1" noResize="1" noEditPoints="1" noAdjustHandles="1" noChangeArrowheads="1" noChangeShapeType="1" noTextEdit="1"/>
+                  </p:cNvSpPr>
+                  <p:nvPr/>
+                </p:nvSpPr>
+                <p:spPr>
+                  <a:xfrm>
+                    <a:off x="1321057" y="2402792"/>
+                    <a:ext cx="1275536" cy="276999"/>
+                  </a:xfrm>
+                  <a:prstGeom prst="rect">
+                    <a:avLst/>
+                  </a:prstGeom>
+                  <a:blipFill>
+                    <a:blip r:embed="rId17"/>
+                    <a:stretch>
+                      <a:fillRect b="-22727"/>
+                    </a:stretch>
+                  </a:blipFill>
+                </p:spPr>
+                <p:txBody>
+                  <a:bodyPr/>
+                  <a:lstStyle/>
+                  <a:p>
+                    <a:r>
+                      <a:rPr lang="en-US">
+                        <a:noFill/>
+                      </a:rPr>
+                      <a:t> </a:t>
+                    </a:r>
+                  </a:p>
+                </p:txBody>
+              </p:sp>
+            </mc:Fallback>
+          </mc:AlternateContent>
+          <mc:AlternateContent xmlns:mc="http://schemas.openxmlformats.org/markup-compatibility/2006" xmlns:a14="http://schemas.microsoft.com/office/drawing/2010/main">
+            <mc:Choice Requires="a14">
+              <p:sp>
+                <p:nvSpPr>
+                  <p:cNvPr id="29" name="TextBox 28">
+                    <a:extLst>
+                      <a:ext uri="{FF2B5EF4-FFF2-40B4-BE49-F238E27FC236}">
+                        <a16:creationId xmlns:a16="http://schemas.microsoft.com/office/drawing/2014/main" id="{0F78E2AA-88C4-95E6-5DFA-854A01E4BAF0}"/>
+                      </a:ext>
+                    </a:extLst>
+                  </p:cNvPr>
+                  <p:cNvSpPr txBox="1"/>
+                  <p:nvPr/>
+                </p:nvSpPr>
+                <p:spPr>
+                  <a:xfrm>
+                    <a:off x="1308945" y="2599149"/>
+                    <a:ext cx="1196813" cy="276999"/>
+                  </a:xfrm>
+                  <a:prstGeom prst="rect">
+                    <a:avLst/>
+                  </a:prstGeom>
+                  <a:noFill/>
+                </p:spPr>
+                <p:txBody>
+                  <a:bodyPr wrap="square" rtlCol="0">
+                    <a:spAutoFit/>
+                  </a:bodyPr>
+                  <a:lstStyle/>
+                  <a:p>
+                    <a14:m>
+                      <m:oMath xmlns:m="http://schemas.openxmlformats.org/officeDocument/2006/math">
+                        <m:sSub>
+                          <m:sSubPr>
+                            <m:ctrlPr>
+                              <a:rPr lang="en-US" sz="1200" i="1" smtClean="0">
+                                <a:latin typeface="Cambria Math" panose="02040503050406030204" pitchFamily="18" charset="0"/>
+                                <a:ea typeface="Cambria Math" panose="02040503050406030204" pitchFamily="18" charset="0"/>
+                                <a:cs typeface="Times New Roman" panose="02020603050405020304" pitchFamily="18" charset="0"/>
+                              </a:rPr>
+                            </m:ctrlPr>
+                          </m:sSubPr>
+                          <m:e>
+                            <m:r>
+                              <a:rPr lang="en-US" sz="1200" i="1" smtClean="0">
+                                <a:latin typeface="Cambria Math" panose="02040503050406030204" pitchFamily="18" charset="0"/>
+                                <a:ea typeface="Cambria Math" panose="02040503050406030204" pitchFamily="18" charset="0"/>
+                                <a:cs typeface="Times New Roman" panose="02020603050405020304" pitchFamily="18" charset="0"/>
+                              </a:rPr>
+                              <m:t>ℰ</m:t>
+                            </m:r>
+                          </m:e>
+                          <m:sub>
+                            <m:r>
+                              <a:rPr lang="en-US" sz="1200" b="0" i="1" smtClean="0">
+                                <a:latin typeface="Cambria Math" panose="02040503050406030204" pitchFamily="18" charset="0"/>
+                                <a:ea typeface="Cambria Math" panose="02040503050406030204" pitchFamily="18" charset="0"/>
+                                <a:cs typeface="Times New Roman" panose="02020603050405020304" pitchFamily="18" charset="0"/>
+                              </a:rPr>
+                              <m:t>𝑛𝑟</m:t>
+                            </m:r>
+                          </m:sub>
+                        </m:sSub>
+                        <m:r>
+                          <a:rPr lang="en-US" sz="1200" i="1">
+                            <a:latin typeface="Cambria Math" panose="02040503050406030204" pitchFamily="18" charset="0"/>
+                            <a:ea typeface="Cambria Math" panose="02040503050406030204" pitchFamily="18" charset="0"/>
+                            <a:cs typeface="Times New Roman" panose="02020603050405020304" pitchFamily="18" charset="0"/>
+                          </a:rPr>
+                          <m:t>=</m:t>
+                        </m:r>
+                      </m:oMath>
+                    </a14:m>
+                    <a:r>
+                      <a:rPr lang="en-US" sz="1200" dirty="0">
+                        <a:latin typeface="Times New Roman" panose="02020603050405020304" pitchFamily="18" charset="0"/>
+                        <a:cs typeface="Times New Roman" panose="02020603050405020304" pitchFamily="18" charset="0"/>
+                      </a:rPr>
+                      <a:t> 12V/m</a:t>
+                    </a:r>
+                  </a:p>
+                </p:txBody>
+              </p:sp>
+            </mc:Choice>
+            <mc:Fallback xmlns="">
+              <p:sp>
+                <p:nvSpPr>
+                  <p:cNvPr id="29" name="TextBox 28">
+                    <a:extLst>
+                      <a:ext uri="{FF2B5EF4-FFF2-40B4-BE49-F238E27FC236}">
+                        <a16:creationId xmlns:a16="http://schemas.microsoft.com/office/drawing/2014/main" id="{0F78E2AA-88C4-95E6-5DFA-854A01E4BAF0}"/>
+                      </a:ext>
+                    </a:extLst>
+                  </p:cNvPr>
+                  <p:cNvSpPr txBox="1">
+                    <a:spLocks noRot="1" noChangeAspect="1" noMove="1" noResize="1" noEditPoints="1" noAdjustHandles="1" noChangeArrowheads="1" noChangeShapeType="1" noTextEdit="1"/>
+                  </p:cNvSpPr>
+                  <p:nvPr/>
+                </p:nvSpPr>
+                <p:spPr>
+                  <a:xfrm>
+                    <a:off x="1308945" y="2599149"/>
+                    <a:ext cx="1196813" cy="276999"/>
+                  </a:xfrm>
+                  <a:prstGeom prst="rect">
+                    <a:avLst/>
+                  </a:prstGeom>
+                  <a:blipFill>
+                    <a:blip r:embed="rId18"/>
+                    <a:stretch>
+                      <a:fillRect b="-17391"/>
+                    </a:stretch>
+                  </a:blipFill>
+                </p:spPr>
+                <p:txBody>
+                  <a:bodyPr/>
+                  <a:lstStyle/>
+                  <a:p>
+                    <a:r>
+                      <a:rPr lang="en-US">
+                        <a:noFill/>
+                      </a:rPr>
+                      <a:t> </a:t>
+                    </a:r>
+                  </a:p>
+                </p:txBody>
+              </p:sp>
+            </mc:Fallback>
+          </mc:AlternateContent>
+        </p:grpSp>
+        <p:grpSp>
+          <p:nvGrpSpPr>
+            <p:cNvPr id="30" name="Group 29">
+              <a:extLst>
+                <a:ext uri="{FF2B5EF4-FFF2-40B4-BE49-F238E27FC236}">
+                  <a16:creationId xmlns:a16="http://schemas.microsoft.com/office/drawing/2014/main" id="{9BF0C266-C98B-F29C-2C69-55B9FFC81BDE}"/>
+                </a:ext>
+              </a:extLst>
+            </p:cNvPr>
+            <p:cNvGrpSpPr/>
+            <p:nvPr/>
+          </p:nvGrpSpPr>
+          <p:grpSpPr>
+            <a:xfrm>
+              <a:off x="8102185" y="4835895"/>
+              <a:ext cx="1287648" cy="473356"/>
+              <a:chOff x="1308945" y="2402792"/>
+              <a:chExt cx="1287648" cy="473356"/>
+            </a:xfrm>
+          </p:grpSpPr>
+          <mc:AlternateContent xmlns:mc="http://schemas.openxmlformats.org/markup-compatibility/2006" xmlns:a14="http://schemas.microsoft.com/office/drawing/2010/main">
+            <mc:Choice Requires="a14">
+              <p:sp>
+                <p:nvSpPr>
+                  <p:cNvPr id="31" name="TextBox 30">
+                    <a:extLst>
+                      <a:ext uri="{FF2B5EF4-FFF2-40B4-BE49-F238E27FC236}">
+                        <a16:creationId xmlns:a16="http://schemas.microsoft.com/office/drawing/2014/main" id="{E413DC9B-CA34-223B-D60F-7B2E7E689F3D}"/>
+                      </a:ext>
+                    </a:extLst>
+                  </p:cNvPr>
+                  <p:cNvSpPr txBox="1"/>
+                  <p:nvPr/>
+                </p:nvSpPr>
+                <p:spPr>
+                  <a:xfrm>
+                    <a:off x="1321057" y="2402792"/>
+                    <a:ext cx="1275536" cy="276999"/>
+                  </a:xfrm>
+                  <a:prstGeom prst="rect">
+                    <a:avLst/>
+                  </a:prstGeom>
+                  <a:noFill/>
+                </p:spPr>
+                <p:txBody>
+                  <a:bodyPr wrap="square" rtlCol="0">
+                    <a:spAutoFit/>
+                  </a:bodyPr>
+                  <a:lstStyle/>
+                  <a:p>
+                    <a14:m>
+                      <m:oMath xmlns:m="http://schemas.openxmlformats.org/officeDocument/2006/math">
+                        <m:sSub>
+                          <m:sSubPr>
+                            <m:ctrlPr>
+                              <a:rPr lang="en-US" sz="1200" i="1" smtClean="0">
+                                <a:latin typeface="Cambria Math" panose="02040503050406030204" pitchFamily="18" charset="0"/>
+                                <a:ea typeface="Cambria Math" panose="02040503050406030204" pitchFamily="18" charset="0"/>
+                                <a:cs typeface="Times New Roman" panose="02020603050405020304" pitchFamily="18" charset="0"/>
+                              </a:rPr>
+                            </m:ctrlPr>
+                          </m:sSubPr>
+                          <m:e>
+                            <m:r>
+                              <a:rPr lang="en-US" sz="1200" i="1">
+                                <a:latin typeface="Cambria Math" panose="02040503050406030204" pitchFamily="18" charset="0"/>
+                                <a:ea typeface="Cambria Math" panose="02040503050406030204" pitchFamily="18" charset="0"/>
+                                <a:cs typeface="Times New Roman" panose="02020603050405020304" pitchFamily="18" charset="0"/>
+                              </a:rPr>
+                              <m:t>𝛿</m:t>
+                            </m:r>
+                          </m:e>
+                          <m:sub>
+                            <m:r>
+                              <a:rPr lang="en-US" sz="1200" i="1">
+                                <a:latin typeface="Cambria Math" panose="02040503050406030204" pitchFamily="18" charset="0"/>
+                                <a:ea typeface="Cambria Math" panose="02040503050406030204" pitchFamily="18" charset="0"/>
+                                <a:cs typeface="Times New Roman" panose="02020603050405020304" pitchFamily="18" charset="0"/>
+                              </a:rPr>
+                              <m:t>𝐿</m:t>
+                            </m:r>
+                            <m:r>
+                              <a:rPr lang="en-US" sz="1200" i="1">
+                                <a:latin typeface="Cambria Math" panose="02040503050406030204" pitchFamily="18" charset="0"/>
+                                <a:ea typeface="Cambria Math" panose="02040503050406030204" pitchFamily="18" charset="0"/>
+                                <a:cs typeface="Times New Roman" panose="02020603050405020304" pitchFamily="18" charset="0"/>
+                              </a:rPr>
+                              <m:t>2</m:t>
+                            </m:r>
+                          </m:sub>
+                        </m:sSub>
+                        <m:r>
+                          <a:rPr lang="en-US" sz="1200" i="1">
+                            <a:latin typeface="Cambria Math" panose="02040503050406030204" pitchFamily="18" charset="0"/>
+                            <a:ea typeface="Cambria Math" panose="02040503050406030204" pitchFamily="18" charset="0"/>
+                            <a:cs typeface="Times New Roman" panose="02020603050405020304" pitchFamily="18" charset="0"/>
+                          </a:rPr>
+                          <m:t>=</m:t>
+                        </m:r>
+                      </m:oMath>
+                    </a14:m>
+                    <a:r>
+                      <a:rPr lang="en-US" sz="1200" dirty="0">
+                        <a:latin typeface="Times New Roman" panose="02020603050405020304" pitchFamily="18" charset="0"/>
+                        <a:cs typeface="Times New Roman" panose="02020603050405020304" pitchFamily="18" charset="0"/>
+                      </a:rPr>
+                      <a:t> 0MHz</a:t>
+                    </a:r>
+                  </a:p>
+                </p:txBody>
+              </p:sp>
+            </mc:Choice>
+            <mc:Fallback xmlns="">
+              <p:sp>
+                <p:nvSpPr>
+                  <p:cNvPr id="31" name="TextBox 30">
+                    <a:extLst>
+                      <a:ext uri="{FF2B5EF4-FFF2-40B4-BE49-F238E27FC236}">
+                        <a16:creationId xmlns:a16="http://schemas.microsoft.com/office/drawing/2014/main" id="{E413DC9B-CA34-223B-D60F-7B2E7E689F3D}"/>
+                      </a:ext>
+                    </a:extLst>
+                  </p:cNvPr>
+                  <p:cNvSpPr txBox="1">
+                    <a:spLocks noRot="1" noChangeAspect="1" noMove="1" noResize="1" noEditPoints="1" noAdjustHandles="1" noChangeArrowheads="1" noChangeShapeType="1" noTextEdit="1"/>
+                  </p:cNvSpPr>
+                  <p:nvPr/>
+                </p:nvSpPr>
+                <p:spPr>
+                  <a:xfrm>
+                    <a:off x="1321057" y="2402792"/>
+                    <a:ext cx="1275536" cy="276999"/>
+                  </a:xfrm>
+                  <a:prstGeom prst="rect">
+                    <a:avLst/>
+                  </a:prstGeom>
+                  <a:blipFill>
+                    <a:blip r:embed="rId19"/>
+                    <a:stretch>
+                      <a:fillRect b="-17391"/>
+                    </a:stretch>
+                  </a:blipFill>
+                </p:spPr>
+                <p:txBody>
+                  <a:bodyPr/>
+                  <a:lstStyle/>
+                  <a:p>
+                    <a:r>
+                      <a:rPr lang="en-US">
+                        <a:noFill/>
+                      </a:rPr>
+                      <a:t> </a:t>
+                    </a:r>
+                  </a:p>
+                </p:txBody>
+              </p:sp>
+            </mc:Fallback>
+          </mc:AlternateContent>
+          <mc:AlternateContent xmlns:mc="http://schemas.openxmlformats.org/markup-compatibility/2006" xmlns:a14="http://schemas.microsoft.com/office/drawing/2010/main">
+            <mc:Choice Requires="a14">
+              <p:sp>
+                <p:nvSpPr>
+                  <p:cNvPr id="32" name="TextBox 31">
+                    <a:extLst>
+                      <a:ext uri="{FF2B5EF4-FFF2-40B4-BE49-F238E27FC236}">
+                        <a16:creationId xmlns:a16="http://schemas.microsoft.com/office/drawing/2014/main" id="{39738F29-2ABB-DC47-9898-9FD183FB1A96}"/>
+                      </a:ext>
+                    </a:extLst>
+                  </p:cNvPr>
+                  <p:cNvSpPr txBox="1"/>
+                  <p:nvPr/>
+                </p:nvSpPr>
+                <p:spPr>
+                  <a:xfrm>
+                    <a:off x="1308945" y="2599149"/>
+                    <a:ext cx="1196813" cy="276999"/>
+                  </a:xfrm>
+                  <a:prstGeom prst="rect">
+                    <a:avLst/>
+                  </a:prstGeom>
+                  <a:noFill/>
+                </p:spPr>
+                <p:txBody>
+                  <a:bodyPr wrap="square" rtlCol="0">
+                    <a:spAutoFit/>
+                  </a:bodyPr>
+                  <a:lstStyle/>
+                  <a:p>
+                    <a14:m>
+                      <m:oMath xmlns:m="http://schemas.openxmlformats.org/officeDocument/2006/math">
+                        <m:sSub>
+                          <m:sSubPr>
+                            <m:ctrlPr>
+                              <a:rPr lang="en-US" sz="1200" i="1" smtClean="0">
+                                <a:latin typeface="Cambria Math" panose="02040503050406030204" pitchFamily="18" charset="0"/>
+                                <a:ea typeface="Cambria Math" panose="02040503050406030204" pitchFamily="18" charset="0"/>
+                                <a:cs typeface="Times New Roman" panose="02020603050405020304" pitchFamily="18" charset="0"/>
+                              </a:rPr>
+                            </m:ctrlPr>
+                          </m:sSubPr>
+                          <m:e>
+                            <m:r>
+                              <a:rPr lang="en-US" sz="1200" i="1" smtClean="0">
+                                <a:latin typeface="Cambria Math" panose="02040503050406030204" pitchFamily="18" charset="0"/>
+                                <a:ea typeface="Cambria Math" panose="02040503050406030204" pitchFamily="18" charset="0"/>
+                                <a:cs typeface="Times New Roman" panose="02020603050405020304" pitchFamily="18" charset="0"/>
+                              </a:rPr>
+                              <m:t>ℰ</m:t>
+                            </m:r>
+                          </m:e>
+                          <m:sub>
+                            <m:r>
+                              <a:rPr lang="en-US" sz="1200" b="0" i="1" smtClean="0">
+                                <a:latin typeface="Cambria Math" panose="02040503050406030204" pitchFamily="18" charset="0"/>
+                                <a:ea typeface="Cambria Math" panose="02040503050406030204" pitchFamily="18" charset="0"/>
+                                <a:cs typeface="Times New Roman" panose="02020603050405020304" pitchFamily="18" charset="0"/>
+                              </a:rPr>
+                              <m:t>𝑛𝑟</m:t>
+                            </m:r>
+                          </m:sub>
+                        </m:sSub>
+                        <m:r>
+                          <a:rPr lang="en-US" sz="1200" i="1">
+                            <a:latin typeface="Cambria Math" panose="02040503050406030204" pitchFamily="18" charset="0"/>
+                            <a:ea typeface="Cambria Math" panose="02040503050406030204" pitchFamily="18" charset="0"/>
+                            <a:cs typeface="Times New Roman" panose="02020603050405020304" pitchFamily="18" charset="0"/>
+                          </a:rPr>
+                          <m:t>=</m:t>
+                        </m:r>
+                      </m:oMath>
+                    </a14:m>
+                    <a:r>
+                      <a:rPr lang="en-US" sz="1200" dirty="0">
+                        <a:latin typeface="Times New Roman" panose="02020603050405020304" pitchFamily="18" charset="0"/>
+                        <a:cs typeface="Times New Roman" panose="02020603050405020304" pitchFamily="18" charset="0"/>
+                      </a:rPr>
+                      <a:t> 3V/m</a:t>
+                    </a:r>
+                  </a:p>
+                </p:txBody>
+              </p:sp>
+            </mc:Choice>
+            <mc:Fallback xmlns="">
+              <p:sp>
+                <p:nvSpPr>
+                  <p:cNvPr id="32" name="TextBox 31">
+                    <a:extLst>
+                      <a:ext uri="{FF2B5EF4-FFF2-40B4-BE49-F238E27FC236}">
+                        <a16:creationId xmlns:a16="http://schemas.microsoft.com/office/drawing/2014/main" id="{39738F29-2ABB-DC47-9898-9FD183FB1A96}"/>
+                      </a:ext>
+                    </a:extLst>
+                  </p:cNvPr>
+                  <p:cNvSpPr txBox="1">
+                    <a:spLocks noRot="1" noChangeAspect="1" noMove="1" noResize="1" noEditPoints="1" noAdjustHandles="1" noChangeArrowheads="1" noChangeShapeType="1" noTextEdit="1"/>
+                  </p:cNvSpPr>
+                  <p:nvPr/>
+                </p:nvSpPr>
+                <p:spPr>
+                  <a:xfrm>
+                    <a:off x="1308945" y="2599149"/>
+                    <a:ext cx="1196813" cy="276999"/>
+                  </a:xfrm>
+                  <a:prstGeom prst="rect">
+                    <a:avLst/>
+                  </a:prstGeom>
+                  <a:blipFill>
+                    <a:blip r:embed="rId20"/>
+                    <a:stretch>
+                      <a:fillRect b="-13043"/>
+                    </a:stretch>
+                  </a:blipFill>
+                </p:spPr>
+                <p:txBody>
+                  <a:bodyPr/>
+                  <a:lstStyle/>
+                  <a:p>
+                    <a:r>
+                      <a:rPr lang="en-US">
+                        <a:noFill/>
+                      </a:rPr>
+                      <a:t> </a:t>
+                    </a:r>
+                  </a:p>
+                </p:txBody>
+              </p:sp>
+            </mc:Fallback>
+          </mc:AlternateContent>
+        </p:grpSp>
+        <p:grpSp>
+          <p:nvGrpSpPr>
+            <p:cNvPr id="37" name="Group 36">
+              <a:extLst>
+                <a:ext uri="{FF2B5EF4-FFF2-40B4-BE49-F238E27FC236}">
+                  <a16:creationId xmlns:a16="http://schemas.microsoft.com/office/drawing/2014/main" id="{98F68468-E329-6F84-2140-A7C354D4CE91}"/>
+                </a:ext>
+              </a:extLst>
+            </p:cNvPr>
+            <p:cNvGrpSpPr/>
+            <p:nvPr/>
+          </p:nvGrpSpPr>
+          <p:grpSpPr>
+            <a:xfrm>
+              <a:off x="1940584" y="5230768"/>
+              <a:ext cx="1594024" cy="473356"/>
+              <a:chOff x="1308945" y="2402792"/>
+              <a:chExt cx="1594024" cy="473356"/>
+            </a:xfrm>
+          </p:grpSpPr>
+          <mc:AlternateContent xmlns:mc="http://schemas.openxmlformats.org/markup-compatibility/2006" xmlns:a14="http://schemas.microsoft.com/office/drawing/2010/main">
+            <mc:Choice Requires="a14">
+              <p:sp>
+                <p:nvSpPr>
+                  <p:cNvPr id="38" name="TextBox 37">
+                    <a:extLst>
+                      <a:ext uri="{FF2B5EF4-FFF2-40B4-BE49-F238E27FC236}">
+                        <a16:creationId xmlns:a16="http://schemas.microsoft.com/office/drawing/2014/main" id="{5BDBDF71-5077-525C-D266-410E30E90E61}"/>
+                      </a:ext>
+                    </a:extLst>
+                  </p:cNvPr>
+                  <p:cNvSpPr txBox="1"/>
+                  <p:nvPr/>
+                </p:nvSpPr>
+                <p:spPr>
+                  <a:xfrm>
+                    <a:off x="1321056" y="2402792"/>
+                    <a:ext cx="1581913" cy="276999"/>
+                  </a:xfrm>
+                  <a:prstGeom prst="rect">
+                    <a:avLst/>
+                  </a:prstGeom>
+                  <a:noFill/>
+                </p:spPr>
+                <p:txBody>
+                  <a:bodyPr wrap="square" rtlCol="0">
+                    <a:spAutoFit/>
+                  </a:bodyPr>
+                  <a:lstStyle/>
+                  <a:p>
+                    <a14:m>
+                      <m:oMath xmlns:m="http://schemas.openxmlformats.org/officeDocument/2006/math">
+                        <m:sSub>
+                          <m:sSubPr>
+                            <m:ctrlPr>
+                              <a:rPr lang="en-US" sz="1200" i="1" smtClean="0">
+                                <a:latin typeface="Cambria Math" panose="02040503050406030204" pitchFamily="18" charset="0"/>
+                                <a:ea typeface="Cambria Math" panose="02040503050406030204" pitchFamily="18" charset="0"/>
+                                <a:cs typeface="Times New Roman" panose="02020603050405020304" pitchFamily="18" charset="0"/>
+                              </a:rPr>
+                            </m:ctrlPr>
+                          </m:sSubPr>
+                          <m:e>
+                            <m:r>
+                              <a:rPr lang="en-US" sz="1200" i="1">
+                                <a:latin typeface="Cambria Math" panose="02040503050406030204" pitchFamily="18" charset="0"/>
+                                <a:ea typeface="Cambria Math" panose="02040503050406030204" pitchFamily="18" charset="0"/>
+                                <a:cs typeface="Times New Roman" panose="02020603050405020304" pitchFamily="18" charset="0"/>
+                              </a:rPr>
+                              <m:t>𝛿</m:t>
+                            </m:r>
+                          </m:e>
+                          <m:sub>
+                            <m:r>
+                              <a:rPr lang="en-US" sz="1200" i="1">
+                                <a:latin typeface="Cambria Math" panose="02040503050406030204" pitchFamily="18" charset="0"/>
+                                <a:ea typeface="Cambria Math" panose="02040503050406030204" pitchFamily="18" charset="0"/>
+                                <a:cs typeface="Times New Roman" panose="02020603050405020304" pitchFamily="18" charset="0"/>
+                              </a:rPr>
+                              <m:t>𝐿</m:t>
+                            </m:r>
+                            <m:r>
+                              <a:rPr lang="en-US" sz="1200" i="1">
+                                <a:latin typeface="Cambria Math" panose="02040503050406030204" pitchFamily="18" charset="0"/>
+                                <a:ea typeface="Cambria Math" panose="02040503050406030204" pitchFamily="18" charset="0"/>
+                                <a:cs typeface="Times New Roman" panose="02020603050405020304" pitchFamily="18" charset="0"/>
+                              </a:rPr>
+                              <m:t>2</m:t>
+                            </m:r>
+                          </m:sub>
+                        </m:sSub>
+                        <m:r>
+                          <a:rPr lang="en-US" sz="1200" i="1">
+                            <a:latin typeface="Cambria Math" panose="02040503050406030204" pitchFamily="18" charset="0"/>
+                            <a:ea typeface="Cambria Math" panose="02040503050406030204" pitchFamily="18" charset="0"/>
+                            <a:cs typeface="Times New Roman" panose="02020603050405020304" pitchFamily="18" charset="0"/>
+                          </a:rPr>
+                          <m:t>=</m:t>
+                        </m:r>
+                        <m:r>
+                          <a:rPr lang="en-US" sz="1200" b="0" i="1" smtClean="0">
+                            <a:latin typeface="Cambria Math" panose="02040503050406030204" pitchFamily="18" charset="0"/>
+                            <a:ea typeface="Cambria Math" panose="02040503050406030204" pitchFamily="18" charset="0"/>
+                            <a:cs typeface="Times New Roman" panose="02020603050405020304" pitchFamily="18" charset="0"/>
+                          </a:rPr>
+                          <m:t> </m:t>
+                        </m:r>
+                      </m:oMath>
+                    </a14:m>
+                    <a:r>
+                      <a:rPr lang="en-US" sz="1200" dirty="0">
+                        <a:latin typeface="Times New Roman" panose="02020603050405020304" pitchFamily="18" charset="0"/>
+                        <a:cs typeface="Times New Roman" panose="02020603050405020304" pitchFamily="18" charset="0"/>
+                      </a:rPr>
+                      <a:t>3</a:t>
+                    </a:r>
+                    <a14:m>
+                      <m:oMath xmlns:m="http://schemas.openxmlformats.org/officeDocument/2006/math">
+                        <m:r>
+                          <a:rPr lang="en-US" sz="1200" i="1" smtClean="0">
+                            <a:latin typeface="Cambria Math" panose="02040503050406030204" pitchFamily="18" charset="0"/>
+                            <a:ea typeface="Cambria Math" panose="02040503050406030204" pitchFamily="18" charset="0"/>
+                            <a:cs typeface="Times New Roman" panose="02020603050405020304" pitchFamily="18" charset="0"/>
+                          </a:rPr>
+                          <m:t>×</m:t>
+                        </m:r>
+                      </m:oMath>
+                    </a14:m>
+                    <a:r>
+                      <a:rPr lang="en-US" sz="1200" dirty="0">
+                        <a:latin typeface="Times New Roman" panose="02020603050405020304" pitchFamily="18" charset="0"/>
+                        <a:cs typeface="Times New Roman" panose="02020603050405020304" pitchFamily="18" charset="0"/>
+                      </a:rPr>
+                      <a:t>2</a:t>
+                    </a:r>
+                    <a14:m>
+                      <m:oMath xmlns:m="http://schemas.openxmlformats.org/officeDocument/2006/math">
+                        <m:r>
+                          <a:rPr lang="en-US" sz="1200" i="1" smtClean="0">
+                            <a:latin typeface="Cambria Math" panose="02040503050406030204" pitchFamily="18" charset="0"/>
+                            <a:ea typeface="Cambria Math" panose="02040503050406030204" pitchFamily="18" charset="0"/>
+                            <a:cs typeface="Times New Roman" panose="02020603050405020304" pitchFamily="18" charset="0"/>
+                          </a:rPr>
+                          <m:t>𝜋</m:t>
+                        </m:r>
+                        <m:r>
+                          <a:rPr lang="en-US" sz="1200" i="1">
+                            <a:latin typeface="Cambria Math" panose="02040503050406030204" pitchFamily="18" charset="0"/>
+                            <a:ea typeface="Cambria Math" panose="02040503050406030204" pitchFamily="18" charset="0"/>
+                            <a:cs typeface="Times New Roman" panose="02020603050405020304" pitchFamily="18" charset="0"/>
+                          </a:rPr>
+                          <m:t> </m:t>
+                        </m:r>
+                      </m:oMath>
+                    </a14:m>
+                    <a:r>
+                      <a:rPr lang="en-US" sz="1200" dirty="0">
+                        <a:latin typeface="Times New Roman" panose="02020603050405020304" pitchFamily="18" charset="0"/>
+                        <a:cs typeface="Times New Roman" panose="02020603050405020304" pitchFamily="18" charset="0"/>
+                      </a:rPr>
+                      <a:t>MHz</a:t>
+                    </a:r>
+                  </a:p>
+                </p:txBody>
+              </p:sp>
+            </mc:Choice>
+            <mc:Fallback xmlns="">
+              <p:sp>
+                <p:nvSpPr>
+                  <p:cNvPr id="38" name="TextBox 37">
+                    <a:extLst>
+                      <a:ext uri="{FF2B5EF4-FFF2-40B4-BE49-F238E27FC236}">
+                        <a16:creationId xmlns:a16="http://schemas.microsoft.com/office/drawing/2014/main" id="{5BDBDF71-5077-525C-D266-410E30E90E61}"/>
+                      </a:ext>
+                    </a:extLst>
+                  </p:cNvPr>
+                  <p:cNvSpPr txBox="1">
+                    <a:spLocks noRot="1" noChangeAspect="1" noMove="1" noResize="1" noEditPoints="1" noAdjustHandles="1" noChangeArrowheads="1" noChangeShapeType="1" noTextEdit="1"/>
+                  </p:cNvSpPr>
+                  <p:nvPr/>
+                </p:nvSpPr>
+                <p:spPr>
+                  <a:xfrm>
+                    <a:off x="1321056" y="2402792"/>
+                    <a:ext cx="1581913" cy="276999"/>
+                  </a:xfrm>
+                  <a:prstGeom prst="rect">
+                    <a:avLst/>
+                  </a:prstGeom>
+                  <a:blipFill>
+                    <a:blip r:embed="rId21"/>
+                    <a:stretch>
+                      <a:fillRect b="-17391"/>
+                    </a:stretch>
+                  </a:blipFill>
+                </p:spPr>
+                <p:txBody>
+                  <a:bodyPr/>
+                  <a:lstStyle/>
+                  <a:p>
+                    <a:r>
+                      <a:rPr lang="en-US">
+                        <a:noFill/>
+                      </a:rPr>
+                      <a:t> </a:t>
+                    </a:r>
+                  </a:p>
+                </p:txBody>
+              </p:sp>
+            </mc:Fallback>
+          </mc:AlternateContent>
+          <mc:AlternateContent xmlns:mc="http://schemas.openxmlformats.org/markup-compatibility/2006" xmlns:a14="http://schemas.microsoft.com/office/drawing/2010/main">
+            <mc:Choice Requires="a14">
+              <p:sp>
+                <p:nvSpPr>
+                  <p:cNvPr id="39" name="TextBox 38">
+                    <a:extLst>
+                      <a:ext uri="{FF2B5EF4-FFF2-40B4-BE49-F238E27FC236}">
+                        <a16:creationId xmlns:a16="http://schemas.microsoft.com/office/drawing/2014/main" id="{CCD2DC99-E531-B743-D124-72E11889A398}"/>
+                      </a:ext>
+                    </a:extLst>
+                  </p:cNvPr>
+                  <p:cNvSpPr txBox="1"/>
+                  <p:nvPr/>
+                </p:nvSpPr>
+                <p:spPr>
+                  <a:xfrm>
+                    <a:off x="1308945" y="2599149"/>
+                    <a:ext cx="1196813" cy="276999"/>
+                  </a:xfrm>
+                  <a:prstGeom prst="rect">
+                    <a:avLst/>
+                  </a:prstGeom>
+                  <a:noFill/>
+                </p:spPr>
+                <p:txBody>
+                  <a:bodyPr wrap="square" rtlCol="0">
+                    <a:spAutoFit/>
+                  </a:bodyPr>
+                  <a:lstStyle/>
+                  <a:p>
+                    <a14:m>
+                      <m:oMath xmlns:m="http://schemas.openxmlformats.org/officeDocument/2006/math">
+                        <m:sSub>
+                          <m:sSubPr>
+                            <m:ctrlPr>
+                              <a:rPr lang="en-US" sz="1200" i="1" smtClean="0">
+                                <a:latin typeface="Cambria Math" panose="02040503050406030204" pitchFamily="18" charset="0"/>
+                                <a:ea typeface="Cambria Math" panose="02040503050406030204" pitchFamily="18" charset="0"/>
+                                <a:cs typeface="Times New Roman" panose="02020603050405020304" pitchFamily="18" charset="0"/>
+                              </a:rPr>
+                            </m:ctrlPr>
+                          </m:sSubPr>
+                          <m:e>
+                            <m:r>
+                              <a:rPr lang="en-US" sz="1200" i="1" smtClean="0">
+                                <a:latin typeface="Cambria Math" panose="02040503050406030204" pitchFamily="18" charset="0"/>
+                                <a:ea typeface="Cambria Math" panose="02040503050406030204" pitchFamily="18" charset="0"/>
+                                <a:cs typeface="Times New Roman" panose="02020603050405020304" pitchFamily="18" charset="0"/>
+                              </a:rPr>
+                              <m:t>ℰ</m:t>
+                            </m:r>
+                          </m:e>
+                          <m:sub>
+                            <m:r>
+                              <a:rPr lang="en-US" sz="1200" b="0" i="1" smtClean="0">
+                                <a:latin typeface="Cambria Math" panose="02040503050406030204" pitchFamily="18" charset="0"/>
+                                <a:ea typeface="Cambria Math" panose="02040503050406030204" pitchFamily="18" charset="0"/>
+                                <a:cs typeface="Times New Roman" panose="02020603050405020304" pitchFamily="18" charset="0"/>
+                              </a:rPr>
+                              <m:t>𝑛𝑟</m:t>
+                            </m:r>
+                          </m:sub>
+                        </m:sSub>
+                        <m:r>
+                          <a:rPr lang="en-US" sz="1200" i="1">
+                            <a:latin typeface="Cambria Math" panose="02040503050406030204" pitchFamily="18" charset="0"/>
+                            <a:ea typeface="Cambria Math" panose="02040503050406030204" pitchFamily="18" charset="0"/>
+                            <a:cs typeface="Times New Roman" panose="02020603050405020304" pitchFamily="18" charset="0"/>
+                          </a:rPr>
+                          <m:t>=</m:t>
+                        </m:r>
+                      </m:oMath>
+                    </a14:m>
+                    <a:r>
+                      <a:rPr lang="en-US" sz="1200" dirty="0">
+                        <a:latin typeface="Times New Roman" panose="02020603050405020304" pitchFamily="18" charset="0"/>
+                        <a:cs typeface="Times New Roman" panose="02020603050405020304" pitchFamily="18" charset="0"/>
+                      </a:rPr>
+                      <a:t> 3V/m</a:t>
+                    </a:r>
+                  </a:p>
+                </p:txBody>
+              </p:sp>
+            </mc:Choice>
+            <mc:Fallback xmlns="">
+              <p:sp>
+                <p:nvSpPr>
+                  <p:cNvPr id="39" name="TextBox 38">
+                    <a:extLst>
+                      <a:ext uri="{FF2B5EF4-FFF2-40B4-BE49-F238E27FC236}">
+                        <a16:creationId xmlns:a16="http://schemas.microsoft.com/office/drawing/2014/main" id="{CCD2DC99-E531-B743-D124-72E11889A398}"/>
+                      </a:ext>
+                    </a:extLst>
+                  </p:cNvPr>
+                  <p:cNvSpPr txBox="1">
+                    <a:spLocks noRot="1" noChangeAspect="1" noMove="1" noResize="1" noEditPoints="1" noAdjustHandles="1" noChangeArrowheads="1" noChangeShapeType="1" noTextEdit="1"/>
+                  </p:cNvSpPr>
+                  <p:nvPr/>
+                </p:nvSpPr>
+                <p:spPr>
+                  <a:xfrm>
+                    <a:off x="1308945" y="2599149"/>
+                    <a:ext cx="1196813" cy="276999"/>
+                  </a:xfrm>
+                  <a:prstGeom prst="rect">
+                    <a:avLst/>
+                  </a:prstGeom>
+                  <a:blipFill>
+                    <a:blip r:embed="rId22"/>
+                    <a:stretch>
+                      <a:fillRect b="-17391"/>
+                    </a:stretch>
+                  </a:blipFill>
+                </p:spPr>
+                <p:txBody>
+                  <a:bodyPr/>
+                  <a:lstStyle/>
+                  <a:p>
+                    <a:r>
+                      <a:rPr lang="en-US">
+                        <a:noFill/>
+                      </a:rPr>
+                      <a:t> </a:t>
+                    </a:r>
+                  </a:p>
+                </p:txBody>
+              </p:sp>
+            </mc:Fallback>
+          </mc:AlternateContent>
+        </p:grpSp>
+        <p:grpSp>
+          <p:nvGrpSpPr>
+            <p:cNvPr id="40" name="Group 39">
+              <a:extLst>
+                <a:ext uri="{FF2B5EF4-FFF2-40B4-BE49-F238E27FC236}">
+                  <a16:creationId xmlns:a16="http://schemas.microsoft.com/office/drawing/2014/main" id="{5733978B-4B0E-B13E-A4A1-316E9BDD50C5}"/>
+                </a:ext>
+              </a:extLst>
+            </p:cNvPr>
+            <p:cNvGrpSpPr/>
+            <p:nvPr/>
+          </p:nvGrpSpPr>
+          <p:grpSpPr>
+            <a:xfrm>
+              <a:off x="5006419" y="5230768"/>
+              <a:ext cx="1443268" cy="473356"/>
+              <a:chOff x="1308945" y="2402792"/>
+              <a:chExt cx="1443268" cy="473356"/>
+            </a:xfrm>
+          </p:grpSpPr>
+          <mc:AlternateContent xmlns:mc="http://schemas.openxmlformats.org/markup-compatibility/2006" xmlns:a14="http://schemas.microsoft.com/office/drawing/2010/main">
+            <mc:Choice Requires="a14">
+              <p:sp>
+                <p:nvSpPr>
+                  <p:cNvPr id="41" name="TextBox 40">
+                    <a:extLst>
+                      <a:ext uri="{FF2B5EF4-FFF2-40B4-BE49-F238E27FC236}">
+                        <a16:creationId xmlns:a16="http://schemas.microsoft.com/office/drawing/2014/main" id="{F437CD10-10D3-FCD6-EE23-CCD6EBBC0279}"/>
+                      </a:ext>
+                    </a:extLst>
+                  </p:cNvPr>
+                  <p:cNvSpPr txBox="1"/>
+                  <p:nvPr/>
+                </p:nvSpPr>
+                <p:spPr>
+                  <a:xfrm>
+                    <a:off x="1321056" y="2402792"/>
+                    <a:ext cx="1431157" cy="276999"/>
+                  </a:xfrm>
+                  <a:prstGeom prst="rect">
+                    <a:avLst/>
+                  </a:prstGeom>
+                  <a:noFill/>
+                </p:spPr>
+                <p:txBody>
+                  <a:bodyPr wrap="square" rtlCol="0">
+                    <a:spAutoFit/>
+                  </a:bodyPr>
+                  <a:lstStyle/>
+                  <a:p>
+                    <a14:m>
+                      <m:oMath xmlns:m="http://schemas.openxmlformats.org/officeDocument/2006/math">
+                        <m:sSub>
+                          <m:sSubPr>
+                            <m:ctrlPr>
+                              <a:rPr lang="en-US" sz="1200" i="1" smtClean="0">
+                                <a:latin typeface="Cambria Math" panose="02040503050406030204" pitchFamily="18" charset="0"/>
+                                <a:ea typeface="Cambria Math" panose="02040503050406030204" pitchFamily="18" charset="0"/>
+                                <a:cs typeface="Times New Roman" panose="02020603050405020304" pitchFamily="18" charset="0"/>
+                              </a:rPr>
+                            </m:ctrlPr>
+                          </m:sSubPr>
+                          <m:e>
+                            <m:r>
+                              <a:rPr lang="en-US" sz="1200" i="1">
+                                <a:latin typeface="Cambria Math" panose="02040503050406030204" pitchFamily="18" charset="0"/>
+                                <a:ea typeface="Cambria Math" panose="02040503050406030204" pitchFamily="18" charset="0"/>
+                                <a:cs typeface="Times New Roman" panose="02020603050405020304" pitchFamily="18" charset="0"/>
+                              </a:rPr>
+                              <m:t>𝛿</m:t>
+                            </m:r>
+                          </m:e>
+                          <m:sub>
+                            <m:r>
+                              <a:rPr lang="en-US" sz="1200" i="1">
+                                <a:latin typeface="Cambria Math" panose="02040503050406030204" pitchFamily="18" charset="0"/>
+                                <a:ea typeface="Cambria Math" panose="02040503050406030204" pitchFamily="18" charset="0"/>
+                                <a:cs typeface="Times New Roman" panose="02020603050405020304" pitchFamily="18" charset="0"/>
+                              </a:rPr>
+                              <m:t>𝐿</m:t>
+                            </m:r>
+                            <m:r>
+                              <a:rPr lang="en-US" sz="1200" i="1">
+                                <a:latin typeface="Cambria Math" panose="02040503050406030204" pitchFamily="18" charset="0"/>
+                                <a:ea typeface="Cambria Math" panose="02040503050406030204" pitchFamily="18" charset="0"/>
+                                <a:cs typeface="Times New Roman" panose="02020603050405020304" pitchFamily="18" charset="0"/>
+                              </a:rPr>
+                              <m:t>2</m:t>
+                            </m:r>
+                          </m:sub>
+                        </m:sSub>
+                        <m:r>
+                          <a:rPr lang="en-US" sz="1200" i="1">
+                            <a:latin typeface="Cambria Math" panose="02040503050406030204" pitchFamily="18" charset="0"/>
+                            <a:ea typeface="Cambria Math" panose="02040503050406030204" pitchFamily="18" charset="0"/>
+                            <a:cs typeface="Times New Roman" panose="02020603050405020304" pitchFamily="18" charset="0"/>
+                          </a:rPr>
+                          <m:t>=</m:t>
+                        </m:r>
+                        <m:r>
+                          <a:rPr lang="en-US" sz="1200" b="0" i="1" smtClean="0">
+                            <a:latin typeface="Cambria Math" panose="02040503050406030204" pitchFamily="18" charset="0"/>
+                            <a:ea typeface="Cambria Math" panose="02040503050406030204" pitchFamily="18" charset="0"/>
+                            <a:cs typeface="Times New Roman" panose="02020603050405020304" pitchFamily="18" charset="0"/>
+                          </a:rPr>
+                          <m:t> </m:t>
+                        </m:r>
+                      </m:oMath>
+                    </a14:m>
+                    <a:r>
+                      <a:rPr lang="en-US" sz="1200" dirty="0">
+                        <a:latin typeface="Times New Roman" panose="02020603050405020304" pitchFamily="18" charset="0"/>
+                        <a:cs typeface="Times New Roman" panose="02020603050405020304" pitchFamily="18" charset="0"/>
+                      </a:rPr>
+                      <a:t>1</a:t>
+                    </a:r>
+                    <a14:m>
+                      <m:oMath xmlns:m="http://schemas.openxmlformats.org/officeDocument/2006/math">
+                        <m:r>
+                          <a:rPr lang="en-US" sz="1200" i="1" smtClean="0">
+                            <a:latin typeface="Cambria Math" panose="02040503050406030204" pitchFamily="18" charset="0"/>
+                            <a:ea typeface="Cambria Math" panose="02040503050406030204" pitchFamily="18" charset="0"/>
+                            <a:cs typeface="Times New Roman" panose="02020603050405020304" pitchFamily="18" charset="0"/>
+                          </a:rPr>
+                          <m:t>×</m:t>
+                        </m:r>
+                      </m:oMath>
+                    </a14:m>
+                    <a:r>
+                      <a:rPr lang="en-US" sz="1200" dirty="0">
+                        <a:latin typeface="Times New Roman" panose="02020603050405020304" pitchFamily="18" charset="0"/>
+                        <a:cs typeface="Times New Roman" panose="02020603050405020304" pitchFamily="18" charset="0"/>
+                      </a:rPr>
+                      <a:t>2</a:t>
+                    </a:r>
+                    <a14:m>
+                      <m:oMath xmlns:m="http://schemas.openxmlformats.org/officeDocument/2006/math">
+                        <m:r>
+                          <a:rPr lang="en-US" sz="1200" i="1" smtClean="0">
+                            <a:latin typeface="Cambria Math" panose="02040503050406030204" pitchFamily="18" charset="0"/>
+                            <a:ea typeface="Cambria Math" panose="02040503050406030204" pitchFamily="18" charset="0"/>
+                            <a:cs typeface="Times New Roman" panose="02020603050405020304" pitchFamily="18" charset="0"/>
+                          </a:rPr>
+                          <m:t>𝜋</m:t>
+                        </m:r>
+                        <m:r>
+                          <a:rPr lang="en-US" sz="1200" i="1">
+                            <a:latin typeface="Cambria Math" panose="02040503050406030204" pitchFamily="18" charset="0"/>
+                            <a:ea typeface="Cambria Math" panose="02040503050406030204" pitchFamily="18" charset="0"/>
+                            <a:cs typeface="Times New Roman" panose="02020603050405020304" pitchFamily="18" charset="0"/>
+                          </a:rPr>
+                          <m:t> </m:t>
+                        </m:r>
+                      </m:oMath>
+                    </a14:m>
+                    <a:r>
+                      <a:rPr lang="en-US" sz="1200" dirty="0">
+                        <a:latin typeface="Times New Roman" panose="02020603050405020304" pitchFamily="18" charset="0"/>
+                        <a:cs typeface="Times New Roman" panose="02020603050405020304" pitchFamily="18" charset="0"/>
+                      </a:rPr>
+                      <a:t>MHz</a:t>
+                    </a:r>
+                  </a:p>
+                </p:txBody>
+              </p:sp>
+            </mc:Choice>
+            <mc:Fallback xmlns="">
+              <p:sp>
+                <p:nvSpPr>
+                  <p:cNvPr id="41" name="TextBox 40">
+                    <a:extLst>
+                      <a:ext uri="{FF2B5EF4-FFF2-40B4-BE49-F238E27FC236}">
+                        <a16:creationId xmlns:a16="http://schemas.microsoft.com/office/drawing/2014/main" id="{F437CD10-10D3-FCD6-EE23-CCD6EBBC0279}"/>
+                      </a:ext>
+                    </a:extLst>
+                  </p:cNvPr>
+                  <p:cNvSpPr txBox="1">
+                    <a:spLocks noRot="1" noChangeAspect="1" noMove="1" noResize="1" noEditPoints="1" noAdjustHandles="1" noChangeArrowheads="1" noChangeShapeType="1" noTextEdit="1"/>
+                  </p:cNvSpPr>
+                  <p:nvPr/>
+                </p:nvSpPr>
+                <p:spPr>
+                  <a:xfrm>
+                    <a:off x="1321056" y="2402792"/>
+                    <a:ext cx="1431157" cy="276999"/>
+                  </a:xfrm>
+                  <a:prstGeom prst="rect">
+                    <a:avLst/>
+                  </a:prstGeom>
+                  <a:blipFill>
+                    <a:blip r:embed="rId23"/>
+                    <a:stretch>
+                      <a:fillRect b="-17391"/>
+                    </a:stretch>
+                  </a:blipFill>
+                </p:spPr>
+                <p:txBody>
+                  <a:bodyPr/>
+                  <a:lstStyle/>
+                  <a:p>
+                    <a:r>
+                      <a:rPr lang="en-US">
+                        <a:noFill/>
+                      </a:rPr>
+                      <a:t> </a:t>
+                    </a:r>
+                  </a:p>
+                </p:txBody>
+              </p:sp>
+            </mc:Fallback>
+          </mc:AlternateContent>
+          <mc:AlternateContent xmlns:mc="http://schemas.openxmlformats.org/markup-compatibility/2006" xmlns:a14="http://schemas.microsoft.com/office/drawing/2010/main">
+            <mc:Choice Requires="a14">
+              <p:sp>
+                <p:nvSpPr>
+                  <p:cNvPr id="42" name="TextBox 41">
+                    <a:extLst>
+                      <a:ext uri="{FF2B5EF4-FFF2-40B4-BE49-F238E27FC236}">
+                        <a16:creationId xmlns:a16="http://schemas.microsoft.com/office/drawing/2014/main" id="{2A202A13-353F-353A-FA9C-9FEF7880E56E}"/>
+                      </a:ext>
+                    </a:extLst>
+                  </p:cNvPr>
+                  <p:cNvSpPr txBox="1"/>
+                  <p:nvPr/>
+                </p:nvSpPr>
+                <p:spPr>
+                  <a:xfrm>
+                    <a:off x="1308945" y="2599149"/>
+                    <a:ext cx="1196813" cy="276999"/>
+                  </a:xfrm>
+                  <a:prstGeom prst="rect">
+                    <a:avLst/>
+                  </a:prstGeom>
+                  <a:noFill/>
+                </p:spPr>
+                <p:txBody>
+                  <a:bodyPr wrap="square" rtlCol="0">
+                    <a:spAutoFit/>
+                  </a:bodyPr>
+                  <a:lstStyle/>
+                  <a:p>
+                    <a14:m>
+                      <m:oMath xmlns:m="http://schemas.openxmlformats.org/officeDocument/2006/math">
+                        <m:sSub>
+                          <m:sSubPr>
+                            <m:ctrlPr>
+                              <a:rPr lang="en-US" sz="1200" i="1" smtClean="0">
+                                <a:latin typeface="Cambria Math" panose="02040503050406030204" pitchFamily="18" charset="0"/>
+                                <a:ea typeface="Cambria Math" panose="02040503050406030204" pitchFamily="18" charset="0"/>
+                                <a:cs typeface="Times New Roman" panose="02020603050405020304" pitchFamily="18" charset="0"/>
+                              </a:rPr>
+                            </m:ctrlPr>
+                          </m:sSubPr>
+                          <m:e>
+                            <m:r>
+                              <a:rPr lang="en-US" sz="1200" i="1" smtClean="0">
+                                <a:latin typeface="Cambria Math" panose="02040503050406030204" pitchFamily="18" charset="0"/>
+                                <a:ea typeface="Cambria Math" panose="02040503050406030204" pitchFamily="18" charset="0"/>
+                                <a:cs typeface="Times New Roman" panose="02020603050405020304" pitchFamily="18" charset="0"/>
+                              </a:rPr>
+                              <m:t>ℰ</m:t>
+                            </m:r>
+                          </m:e>
+                          <m:sub>
+                            <m:r>
+                              <a:rPr lang="en-US" sz="1200" b="0" i="1" smtClean="0">
+                                <a:latin typeface="Cambria Math" panose="02040503050406030204" pitchFamily="18" charset="0"/>
+                                <a:ea typeface="Cambria Math" panose="02040503050406030204" pitchFamily="18" charset="0"/>
+                                <a:cs typeface="Times New Roman" panose="02020603050405020304" pitchFamily="18" charset="0"/>
+                              </a:rPr>
+                              <m:t>𝑛𝑟</m:t>
+                            </m:r>
+                          </m:sub>
+                        </m:sSub>
+                        <m:r>
+                          <a:rPr lang="en-US" sz="1200" i="1">
+                            <a:latin typeface="Cambria Math" panose="02040503050406030204" pitchFamily="18" charset="0"/>
+                            <a:ea typeface="Cambria Math" panose="02040503050406030204" pitchFamily="18" charset="0"/>
+                            <a:cs typeface="Times New Roman" panose="02020603050405020304" pitchFamily="18" charset="0"/>
+                          </a:rPr>
+                          <m:t>=</m:t>
+                        </m:r>
+                      </m:oMath>
+                    </a14:m>
+                    <a:r>
+                      <a:rPr lang="en-US" sz="1200" dirty="0">
+                        <a:latin typeface="Times New Roman" panose="02020603050405020304" pitchFamily="18" charset="0"/>
+                        <a:cs typeface="Times New Roman" panose="02020603050405020304" pitchFamily="18" charset="0"/>
+                      </a:rPr>
+                      <a:t> 3V/m</a:t>
+                    </a:r>
+                  </a:p>
+                </p:txBody>
+              </p:sp>
+            </mc:Choice>
+            <mc:Fallback xmlns="">
+              <p:sp>
+                <p:nvSpPr>
+                  <p:cNvPr id="42" name="TextBox 41">
+                    <a:extLst>
+                      <a:ext uri="{FF2B5EF4-FFF2-40B4-BE49-F238E27FC236}">
+                        <a16:creationId xmlns:a16="http://schemas.microsoft.com/office/drawing/2014/main" id="{2A202A13-353F-353A-FA9C-9FEF7880E56E}"/>
+                      </a:ext>
+                    </a:extLst>
+                  </p:cNvPr>
+                  <p:cNvSpPr txBox="1">
+                    <a:spLocks noRot="1" noChangeAspect="1" noMove="1" noResize="1" noEditPoints="1" noAdjustHandles="1" noChangeArrowheads="1" noChangeShapeType="1" noTextEdit="1"/>
+                  </p:cNvSpPr>
+                  <p:nvPr/>
+                </p:nvSpPr>
+                <p:spPr>
+                  <a:xfrm>
+                    <a:off x="1308945" y="2599149"/>
+                    <a:ext cx="1196813" cy="276999"/>
+                  </a:xfrm>
+                  <a:prstGeom prst="rect">
+                    <a:avLst/>
+                  </a:prstGeom>
+                  <a:blipFill>
+                    <a:blip r:embed="rId24"/>
+                    <a:stretch>
+                      <a:fillRect b="-17391"/>
+                    </a:stretch>
+                  </a:blipFill>
+                </p:spPr>
+                <p:txBody>
+                  <a:bodyPr/>
+                  <a:lstStyle/>
+                  <a:p>
+                    <a:r>
+                      <a:rPr lang="en-US">
+                        <a:noFill/>
+                      </a:rPr>
+                      <a:t> </a:t>
+                    </a:r>
+                  </a:p>
+                </p:txBody>
+              </p:sp>
+            </mc:Fallback>
+          </mc:AlternateContent>
+        </p:grpSp>
+      </p:grpSp>
     </p:spTree>
     <p:extLst>
       <p:ext uri="{BB962C8B-B14F-4D97-AF65-F5344CB8AC3E}">
